--- a/Slides/25. Funções com Vetores.pptx
+++ b/Slides/25. Funções com Vetores.pptx
@@ -158,7 +158,7 @@
 <file path=ppt/revisionInfo.xml><?xml version="1.0" encoding="utf-8"?>
 <p1510:revInfo xmlns:a="http://schemas.openxmlformats.org/drawingml/2006/main" xmlns:r="http://schemas.openxmlformats.org/officeDocument/2006/relationships" xmlns:p1510="http://schemas.microsoft.com/office/powerpoint/2015/10/main">
   <p1510:revLst>
-    <p1510:client id="{D5A28A64-E007-4591-89E8-0A7AF967E88A}" v="18" dt="2021-05-03T22:34:35.519"/>
+    <p1510:client id="{D5A28A64-E007-4591-89E8-0A7AF967E88A}" v="22" dt="2021-05-04T03:38:06.949"/>
   </p1510:revLst>
 </p1510:revInfo>
 </file>
@@ -167,8 +167,8 @@
 <pc:chgInfo xmlns:a="http://schemas.openxmlformats.org/drawingml/2006/main" xmlns:r="http://schemas.openxmlformats.org/officeDocument/2006/relationships" xmlns:ac="http://schemas.microsoft.com/office/drawing/2013/main/command" xmlns:pc="http://schemas.microsoft.com/office/powerpoint/2013/main/command">
   <pc:docChgLst>
     <pc:chgData name="Judson Santiago" userId="ebb108da2f256286" providerId="LiveId" clId="{D5A28A64-E007-4591-89E8-0A7AF967E88A}"/>
-    <pc:docChg chg="undo custSel addSld modSld modMainMaster">
-      <pc:chgData name="Judson Santiago" userId="ebb108da2f256286" providerId="LiveId" clId="{D5A28A64-E007-4591-89E8-0A7AF967E88A}" dt="2021-05-03T22:39:23.577" v="620" actId="1035"/>
+    <pc:docChg chg="undo custSel addSld delSld modSld modMainMaster">
+      <pc:chgData name="Judson Santiago" userId="ebb108da2f256286" providerId="LiveId" clId="{D5A28A64-E007-4591-89E8-0A7AF967E88A}" dt="2021-05-04T04:15:47.778" v="1537" actId="20577"/>
       <pc:docMkLst>
         <pc:docMk/>
       </pc:docMkLst>
@@ -220,7 +220,7 @@
         </pc:cxnChg>
       </pc:sldChg>
       <pc:sldChg chg="addSp modSp mod">
-        <pc:chgData name="Judson Santiago" userId="ebb108da2f256286" providerId="LiveId" clId="{D5A28A64-E007-4591-89E8-0A7AF967E88A}" dt="2021-05-03T22:26:38.708" v="527" actId="20577"/>
+        <pc:chgData name="Judson Santiago" userId="ebb108da2f256286" providerId="LiveId" clId="{D5A28A64-E007-4591-89E8-0A7AF967E88A}" dt="2021-05-04T03:16:57.795" v="994" actId="20577"/>
         <pc:sldMkLst>
           <pc:docMk/>
           <pc:sldMk cId="534876132" sldId="320"/>
@@ -234,7 +234,7 @@
           </ac:spMkLst>
         </pc:spChg>
         <pc:spChg chg="add mod">
-          <ac:chgData name="Judson Santiago" userId="ebb108da2f256286" providerId="LiveId" clId="{D5A28A64-E007-4591-89E8-0A7AF967E88A}" dt="2021-05-03T22:26:38.708" v="527" actId="20577"/>
+          <ac:chgData name="Judson Santiago" userId="ebb108da2f256286" providerId="LiveId" clId="{D5A28A64-E007-4591-89E8-0A7AF967E88A}" dt="2021-05-04T03:16:57.795" v="994" actId="20577"/>
           <ac:spMkLst>
             <pc:docMk/>
             <pc:sldMk cId="534876132" sldId="320"/>
@@ -243,13 +243,13 @@
         </pc:spChg>
       </pc:sldChg>
       <pc:sldChg chg="modSp mod">
-        <pc:chgData name="Judson Santiago" userId="ebb108da2f256286" providerId="LiveId" clId="{D5A28A64-E007-4591-89E8-0A7AF967E88A}" dt="2021-05-03T21:51:34.607" v="398" actId="207"/>
+        <pc:chgData name="Judson Santiago" userId="ebb108da2f256286" providerId="LiveId" clId="{D5A28A64-E007-4591-89E8-0A7AF967E88A}" dt="2021-05-04T03:20:15.525" v="1073" actId="368"/>
         <pc:sldMkLst>
           <pc:docMk/>
           <pc:sldMk cId="3478134123" sldId="322"/>
         </pc:sldMkLst>
         <pc:spChg chg="mod">
-          <ac:chgData name="Judson Santiago" userId="ebb108da2f256286" providerId="LiveId" clId="{D5A28A64-E007-4591-89E8-0A7AF967E88A}" dt="2021-05-03T21:51:34.607" v="398" actId="207"/>
+          <ac:chgData name="Judson Santiago" userId="ebb108da2f256286" providerId="LiveId" clId="{D5A28A64-E007-4591-89E8-0A7AF967E88A}" dt="2021-05-04T03:20:15.525" v="1073" actId="368"/>
           <ac:spMkLst>
             <pc:docMk/>
             <pc:sldMk cId="3478134123" sldId="322"/>
@@ -258,13 +258,13 @@
         </pc:spChg>
       </pc:sldChg>
       <pc:sldChg chg="modSp mod">
-        <pc:chgData name="Judson Santiago" userId="ebb108da2f256286" providerId="LiveId" clId="{D5A28A64-E007-4591-89E8-0A7AF967E88A}" dt="2021-05-03T21:52:00.766" v="399" actId="20577"/>
+        <pc:chgData name="Judson Santiago" userId="ebb108da2f256286" providerId="LiveId" clId="{D5A28A64-E007-4591-89E8-0A7AF967E88A}" dt="2021-05-04T03:24:43.994" v="1085" actId="20577"/>
         <pc:sldMkLst>
           <pc:docMk/>
           <pc:sldMk cId="3384453886" sldId="323"/>
         </pc:sldMkLst>
         <pc:spChg chg="mod">
-          <ac:chgData name="Judson Santiago" userId="ebb108da2f256286" providerId="LiveId" clId="{D5A28A64-E007-4591-89E8-0A7AF967E88A}" dt="2021-05-03T21:52:00.766" v="399" actId="20577"/>
+          <ac:chgData name="Judson Santiago" userId="ebb108da2f256286" providerId="LiveId" clId="{D5A28A64-E007-4591-89E8-0A7AF967E88A}" dt="2021-05-04T03:24:43.994" v="1085" actId="20577"/>
           <ac:spMkLst>
             <pc:docMk/>
             <pc:sldMk cId="3384453886" sldId="323"/>
@@ -303,7 +303,7 @@
         </pc:spChg>
       </pc:sldChg>
       <pc:sldChg chg="addSp delSp modSp mod">
-        <pc:chgData name="Judson Santiago" userId="ebb108da2f256286" providerId="LiveId" clId="{D5A28A64-E007-4591-89E8-0A7AF967E88A}" dt="2021-05-03T22:00:37.603" v="499" actId="948"/>
+        <pc:chgData name="Judson Santiago" userId="ebb108da2f256286" providerId="LiveId" clId="{D5A28A64-E007-4591-89E8-0A7AF967E88A}" dt="2021-05-04T03:38:07.386" v="1134" actId="14100"/>
         <pc:sldMkLst>
           <pc:docMk/>
           <pc:sldMk cId="3353900944" sldId="326"/>
@@ -316,24 +316,56 @@
             <ac:spMk id="3" creationId="{00000000-0000-0000-0000-000000000000}"/>
           </ac:spMkLst>
         </pc:spChg>
-        <pc:spChg chg="mod">
-          <ac:chgData name="Judson Santiago" userId="ebb108da2f256286" providerId="LiveId" clId="{D5A28A64-E007-4591-89E8-0A7AF967E88A}" dt="2021-05-03T22:00:13.054" v="496" actId="164"/>
+        <pc:spChg chg="mod topLvl">
+          <ac:chgData name="Judson Santiago" userId="ebb108da2f256286" providerId="LiveId" clId="{D5A28A64-E007-4591-89E8-0A7AF967E88A}" dt="2021-05-04T03:35:17.968" v="1102" actId="20577"/>
           <ac:spMkLst>
             <pc:docMk/>
             <pc:sldMk cId="3353900944" sldId="326"/>
             <ac:spMk id="4" creationId="{00000000-0000-0000-0000-000000000000}"/>
           </ac:spMkLst>
         </pc:spChg>
-        <pc:spChg chg="mod">
-          <ac:chgData name="Judson Santiago" userId="ebb108da2f256286" providerId="LiveId" clId="{D5A28A64-E007-4591-89E8-0A7AF967E88A}" dt="2021-05-03T22:00:13.054" v="496" actId="164"/>
+        <pc:spChg chg="add del mod ord">
+          <ac:chgData name="Judson Santiago" userId="ebb108da2f256286" providerId="LiveId" clId="{D5A28A64-E007-4591-89E8-0A7AF967E88A}" dt="2021-05-04T03:38:07.386" v="1134" actId="14100"/>
+          <ac:spMkLst>
+            <pc:docMk/>
+            <pc:sldMk cId="3353900944" sldId="326"/>
+            <ac:spMk id="5" creationId="{1F316824-41A4-4FBD-9BA0-3C33D69278D3}"/>
+          </ac:spMkLst>
+        </pc:spChg>
+        <pc:spChg chg="add mod ord">
+          <ac:chgData name="Judson Santiago" userId="ebb108da2f256286" providerId="LiveId" clId="{D5A28A64-E007-4591-89E8-0A7AF967E88A}" dt="2021-05-04T03:36:17.005" v="1116" actId="167"/>
+          <ac:spMkLst>
+            <pc:docMk/>
+            <pc:sldMk cId="3353900944" sldId="326"/>
+            <ac:spMk id="6" creationId="{C817239D-252E-4AE4-B28A-F0644E686A2B}"/>
+          </ac:spMkLst>
+        </pc:spChg>
+        <pc:spChg chg="mod topLvl">
+          <ac:chgData name="Judson Santiago" userId="ebb108da2f256286" providerId="LiveId" clId="{D5A28A64-E007-4591-89E8-0A7AF967E88A}" dt="2021-05-04T03:36:53.029" v="1118" actId="1076"/>
           <ac:spMkLst>
             <pc:docMk/>
             <pc:sldMk cId="3353900944" sldId="326"/>
             <ac:spMk id="8" creationId="{00000000-0000-0000-0000-000000000000}"/>
           </ac:spMkLst>
         </pc:spChg>
-        <pc:grpChg chg="add mod">
-          <ac:chgData name="Judson Santiago" userId="ebb108da2f256286" providerId="LiveId" clId="{D5A28A64-E007-4591-89E8-0A7AF967E88A}" dt="2021-05-03T22:00:21.679" v="497" actId="1076"/>
+        <pc:spChg chg="add mod ord">
+          <ac:chgData name="Judson Santiago" userId="ebb108da2f256286" providerId="LiveId" clId="{D5A28A64-E007-4591-89E8-0A7AF967E88A}" dt="2021-05-04T03:36:17.005" v="1116" actId="167"/>
+          <ac:spMkLst>
+            <pc:docMk/>
+            <pc:sldMk cId="3353900944" sldId="326"/>
+            <ac:spMk id="10" creationId="{36640C53-F82C-4090-B147-959E217B61E8}"/>
+          </ac:spMkLst>
+        </pc:spChg>
+        <pc:spChg chg="add del mod ord">
+          <ac:chgData name="Judson Santiago" userId="ebb108da2f256286" providerId="LiveId" clId="{D5A28A64-E007-4591-89E8-0A7AF967E88A}" dt="2021-05-04T03:38:06.949" v="1133"/>
+          <ac:spMkLst>
+            <pc:docMk/>
+            <pc:sldMk cId="3353900944" sldId="326"/>
+            <ac:spMk id="11" creationId="{48AC7574-D684-41C2-9B05-E77D297B755F}"/>
+          </ac:spMkLst>
+        </pc:spChg>
+        <pc:grpChg chg="add del mod">
+          <ac:chgData name="Judson Santiago" userId="ebb108da2f256286" providerId="LiveId" clId="{D5A28A64-E007-4591-89E8-0A7AF967E88A}" dt="2021-05-04T03:29:54.620" v="1086" actId="165"/>
           <ac:grpSpMkLst>
             <pc:docMk/>
             <pc:sldMk cId="3353900944" sldId="326"/>
@@ -348,8 +380,8 @@
             <ac:cxnSpMk id="6" creationId="{00000000-0000-0000-0000-000000000000}"/>
           </ac:cxnSpMkLst>
         </pc:cxnChg>
-        <pc:cxnChg chg="add mod">
-          <ac:chgData name="Judson Santiago" userId="ebb108da2f256286" providerId="LiveId" clId="{D5A28A64-E007-4591-89E8-0A7AF967E88A}" dt="2021-05-03T22:00:13.054" v="496" actId="164"/>
+        <pc:cxnChg chg="add del mod topLvl">
+          <ac:chgData name="Judson Santiago" userId="ebb108da2f256286" providerId="LiveId" clId="{D5A28A64-E007-4591-89E8-0A7AF967E88A}" dt="2021-05-04T03:33:59.505" v="1092" actId="478"/>
           <ac:cxnSpMkLst>
             <pc:docMk/>
             <pc:sldMk cId="3353900944" sldId="326"/>
@@ -357,18 +389,118 @@
           </ac:cxnSpMkLst>
         </pc:cxnChg>
       </pc:sldChg>
-      <pc:sldChg chg="addSp modSp mod">
-        <pc:chgData name="Judson Santiago" userId="ebb108da2f256286" providerId="LiveId" clId="{D5A28A64-E007-4591-89E8-0A7AF967E88A}" dt="2021-05-03T22:28:34.812" v="547" actId="20577"/>
+      <pc:sldChg chg="addSp delSp modSp mod">
+        <pc:chgData name="Judson Santiago" userId="ebb108da2f256286" providerId="LiveId" clId="{D5A28A64-E007-4591-89E8-0A7AF967E88A}" dt="2021-05-04T04:01:35.204" v="1464" actId="20577"/>
         <pc:sldMkLst>
           <pc:docMk/>
           <pc:sldMk cId="2558101790" sldId="327"/>
         </pc:sldMkLst>
+        <pc:spChg chg="mod">
+          <ac:chgData name="Judson Santiago" userId="ebb108da2f256286" providerId="LiveId" clId="{D5A28A64-E007-4591-89E8-0A7AF967E88A}" dt="2021-05-04T03:59:40.279" v="1462" actId="1076"/>
+          <ac:spMkLst>
+            <pc:docMk/>
+            <pc:sldMk cId="2558101790" sldId="327"/>
+            <ac:spMk id="4" creationId="{00000000-0000-0000-0000-000000000000}"/>
+          </ac:spMkLst>
+        </pc:spChg>
+        <pc:spChg chg="del">
+          <ac:chgData name="Judson Santiago" userId="ebb108da2f256286" providerId="LiveId" clId="{D5A28A64-E007-4591-89E8-0A7AF967E88A}" dt="2021-05-04T03:48:00.290" v="1177" actId="478"/>
+          <ac:spMkLst>
+            <pc:docMk/>
+            <pc:sldMk cId="2558101790" sldId="327"/>
+            <ac:spMk id="5" creationId="{00000000-0000-0000-0000-000000000000}"/>
+          </ac:spMkLst>
+        </pc:spChg>
         <pc:spChg chg="add mod">
           <ac:chgData name="Judson Santiago" userId="ebb108da2f256286" providerId="LiveId" clId="{D5A28A64-E007-4591-89E8-0A7AF967E88A}" dt="2021-05-03T22:28:34.812" v="547" actId="20577"/>
           <ac:spMkLst>
             <pc:docMk/>
             <pc:sldMk cId="2558101790" sldId="327"/>
             <ac:spMk id="6" creationId="{822C7C31-5542-4085-B729-89989FA8E0B5}"/>
+          </ac:spMkLst>
+        </pc:spChg>
+        <pc:spChg chg="add mod">
+          <ac:chgData name="Judson Santiago" userId="ebb108da2f256286" providerId="LiveId" clId="{D5A28A64-E007-4591-89E8-0A7AF967E88A}" dt="2021-05-04T04:01:35.204" v="1464" actId="20577"/>
+          <ac:spMkLst>
+            <pc:docMk/>
+            <pc:sldMk cId="2558101790" sldId="327"/>
+            <ac:spMk id="7" creationId="{17FE0221-1203-46C8-AE6F-2C1451334951}"/>
+          </ac:spMkLst>
+        </pc:spChg>
+      </pc:sldChg>
+      <pc:sldChg chg="modSp mod">
+        <pc:chgData name="Judson Santiago" userId="ebb108da2f256286" providerId="LiveId" clId="{D5A28A64-E007-4591-89E8-0A7AF967E88A}" dt="2021-05-04T04:03:44.451" v="1468" actId="1076"/>
+        <pc:sldMkLst>
+          <pc:docMk/>
+          <pc:sldMk cId="4020843724" sldId="328"/>
+        </pc:sldMkLst>
+        <pc:spChg chg="mod">
+          <ac:chgData name="Judson Santiago" userId="ebb108da2f256286" providerId="LiveId" clId="{D5A28A64-E007-4591-89E8-0A7AF967E88A}" dt="2021-05-04T04:03:27.751" v="1466" actId="15"/>
+          <ac:spMkLst>
+            <pc:docMk/>
+            <pc:sldMk cId="4020843724" sldId="328"/>
+            <ac:spMk id="3" creationId="{00000000-0000-0000-0000-000000000000}"/>
+          </ac:spMkLst>
+        </pc:spChg>
+        <pc:spChg chg="mod">
+          <ac:chgData name="Judson Santiago" userId="ebb108da2f256286" providerId="LiveId" clId="{D5A28A64-E007-4591-89E8-0A7AF967E88A}" dt="2021-05-04T04:03:44.451" v="1468" actId="1076"/>
+          <ac:spMkLst>
+            <pc:docMk/>
+            <pc:sldMk cId="4020843724" sldId="328"/>
+            <ac:spMk id="4" creationId="{00000000-0000-0000-0000-000000000000}"/>
+          </ac:spMkLst>
+        </pc:spChg>
+      </pc:sldChg>
+      <pc:sldChg chg="modSp mod">
+        <pc:chgData name="Judson Santiago" userId="ebb108da2f256286" providerId="LiveId" clId="{D5A28A64-E007-4591-89E8-0A7AF967E88A}" dt="2021-05-04T04:04:38.141" v="1501" actId="20577"/>
+        <pc:sldMkLst>
+          <pc:docMk/>
+          <pc:sldMk cId="956257026" sldId="329"/>
+        </pc:sldMkLst>
+        <pc:spChg chg="mod">
+          <ac:chgData name="Judson Santiago" userId="ebb108da2f256286" providerId="LiveId" clId="{D5A28A64-E007-4591-89E8-0A7AF967E88A}" dt="2021-05-04T04:04:38.141" v="1501" actId="20577"/>
+          <ac:spMkLst>
+            <pc:docMk/>
+            <pc:sldMk cId="956257026" sldId="329"/>
+            <ac:spMk id="2" creationId="{00000000-0000-0000-0000-000000000000}"/>
+          </ac:spMkLst>
+        </pc:spChg>
+      </pc:sldChg>
+      <pc:sldChg chg="modSp mod">
+        <pc:chgData name="Judson Santiago" userId="ebb108da2f256286" providerId="LiveId" clId="{D5A28A64-E007-4591-89E8-0A7AF967E88A}" dt="2021-05-04T04:11:07.778" v="1509" actId="113"/>
+        <pc:sldMkLst>
+          <pc:docMk/>
+          <pc:sldMk cId="2007132476" sldId="330"/>
+        </pc:sldMkLst>
+        <pc:spChg chg="mod">
+          <ac:chgData name="Judson Santiago" userId="ebb108da2f256286" providerId="LiveId" clId="{D5A28A64-E007-4591-89E8-0A7AF967E88A}" dt="2021-05-04T04:04:53.123" v="1503" actId="20577"/>
+          <ac:spMkLst>
+            <pc:docMk/>
+            <pc:sldMk cId="2007132476" sldId="330"/>
+            <ac:spMk id="2" creationId="{00000000-0000-0000-0000-000000000000}"/>
+          </ac:spMkLst>
+        </pc:spChg>
+        <pc:spChg chg="mod">
+          <ac:chgData name="Judson Santiago" userId="ebb108da2f256286" providerId="LiveId" clId="{D5A28A64-E007-4591-89E8-0A7AF967E88A}" dt="2021-05-04T04:11:07.778" v="1509" actId="113"/>
+          <ac:spMkLst>
+            <pc:docMk/>
+            <pc:sldMk cId="2007132476" sldId="330"/>
+            <ac:spMk id="3" creationId="{00000000-0000-0000-0000-000000000000}"/>
+          </ac:spMkLst>
+        </pc:spChg>
+      </pc:sldChg>
+      <pc:sldChg chg="modSp mod">
+        <pc:chgData name="Judson Santiago" userId="ebb108da2f256286" providerId="LiveId" clId="{D5A28A64-E007-4591-89E8-0A7AF967E88A}" dt="2021-05-04T04:15:47.778" v="1537" actId="20577"/>
+        <pc:sldMkLst>
+          <pc:docMk/>
+          <pc:sldMk cId="3587160103" sldId="331"/>
+        </pc:sldMkLst>
+        <pc:spChg chg="mod">
+          <ac:chgData name="Judson Santiago" userId="ebb108da2f256286" providerId="LiveId" clId="{D5A28A64-E007-4591-89E8-0A7AF967E88A}" dt="2021-05-04T04:15:47.778" v="1537" actId="20577"/>
+          <ac:spMkLst>
+            <pc:docMk/>
+            <pc:sldMk cId="3587160103" sldId="331"/>
+            <ac:spMk id="3" creationId="{00000000-0000-0000-0000-000000000000}"/>
           </ac:spMkLst>
         </pc:spChg>
       </pc:sldChg>
@@ -578,13 +710,13 @@
         </pc:spChg>
       </pc:sldChg>
       <pc:sldChg chg="addSp modSp mod">
-        <pc:chgData name="Judson Santiago" userId="ebb108da2f256286" providerId="LiveId" clId="{D5A28A64-E007-4591-89E8-0A7AF967E88A}" dt="2021-05-03T21:40:52.836" v="342" actId="948"/>
+        <pc:chgData name="Judson Santiago" userId="ebb108da2f256286" providerId="LiveId" clId="{D5A28A64-E007-4591-89E8-0A7AF967E88A}" dt="2021-05-04T03:14:53.828" v="992" actId="6549"/>
         <pc:sldMkLst>
           <pc:docMk/>
           <pc:sldMk cId="4035267067" sldId="353"/>
         </pc:sldMkLst>
         <pc:spChg chg="mod">
-          <ac:chgData name="Judson Santiago" userId="ebb108da2f256286" providerId="LiveId" clId="{D5A28A64-E007-4591-89E8-0A7AF967E88A}" dt="2021-05-03T21:40:52.836" v="342" actId="948"/>
+          <ac:chgData name="Judson Santiago" userId="ebb108da2f256286" providerId="LiveId" clId="{D5A28A64-E007-4591-89E8-0A7AF967E88A}" dt="2021-05-04T03:14:53.828" v="992" actId="6549"/>
           <ac:spMkLst>
             <pc:docMk/>
             <pc:sldMk cId="4035267067" sldId="353"/>
@@ -616,13 +748,13 @@
         </pc:spChg>
       </pc:sldChg>
       <pc:sldChg chg="addSp delSp modSp add mod">
-        <pc:chgData name="Judson Santiago" userId="ebb108da2f256286" providerId="LiveId" clId="{D5A28A64-E007-4591-89E8-0A7AF967E88A}" dt="2021-05-03T21:43:48.656" v="360" actId="20577"/>
+        <pc:chgData name="Judson Santiago" userId="ebb108da2f256286" providerId="LiveId" clId="{D5A28A64-E007-4591-89E8-0A7AF967E88A}" dt="2021-05-04T03:14:08.539" v="976" actId="20577"/>
         <pc:sldMkLst>
           <pc:docMk/>
           <pc:sldMk cId="3596187209" sldId="355"/>
         </pc:sldMkLst>
         <pc:spChg chg="mod">
-          <ac:chgData name="Judson Santiago" userId="ebb108da2f256286" providerId="LiveId" clId="{D5A28A64-E007-4591-89E8-0A7AF967E88A}" dt="2021-05-03T21:19:06.456" v="158" actId="6549"/>
+          <ac:chgData name="Judson Santiago" userId="ebb108da2f256286" providerId="LiveId" clId="{D5A28A64-E007-4591-89E8-0A7AF967E88A}" dt="2021-05-04T02:46:14.188" v="622" actId="1076"/>
           <ac:spMkLst>
             <pc:docMk/>
             <pc:sldMk cId="3596187209" sldId="355"/>
@@ -630,7 +762,7 @@
           </ac:spMkLst>
         </pc:spChg>
         <pc:spChg chg="add mod">
-          <ac:chgData name="Judson Santiago" userId="ebb108da2f256286" providerId="LiveId" clId="{D5A28A64-E007-4591-89E8-0A7AF967E88A}" dt="2021-05-03T21:43:48.656" v="360" actId="20577"/>
+          <ac:chgData name="Judson Santiago" userId="ebb108da2f256286" providerId="LiveId" clId="{D5A28A64-E007-4591-89E8-0A7AF967E88A}" dt="2021-05-04T03:14:08.539" v="976" actId="20577"/>
           <ac:spMkLst>
             <pc:docMk/>
             <pc:sldMk cId="3596187209" sldId="355"/>
@@ -646,7 +778,7 @@
           </ac:spMkLst>
         </pc:spChg>
         <pc:spChg chg="mod">
-          <ac:chgData name="Judson Santiago" userId="ebb108da2f256286" providerId="LiveId" clId="{D5A28A64-E007-4591-89E8-0A7AF967E88A}" dt="2021-05-03T21:19:24.267" v="159"/>
+          <ac:chgData name="Judson Santiago" userId="ebb108da2f256286" providerId="LiveId" clId="{D5A28A64-E007-4591-89E8-0A7AF967E88A}" dt="2021-05-04T02:52:12.102" v="836" actId="20577"/>
           <ac:spMkLst>
             <pc:docMk/>
             <pc:sldMk cId="3596187209" sldId="355"/>
@@ -654,7 +786,7 @@
           </ac:spMkLst>
         </pc:spChg>
         <pc:spChg chg="mod">
-          <ac:chgData name="Judson Santiago" userId="ebb108da2f256286" providerId="LiveId" clId="{D5A28A64-E007-4591-89E8-0A7AF967E88A}" dt="2021-05-03T21:19:24.267" v="159"/>
+          <ac:chgData name="Judson Santiago" userId="ebb108da2f256286" providerId="LiveId" clId="{D5A28A64-E007-4591-89E8-0A7AF967E88A}" dt="2021-05-04T02:52:17.337" v="838" actId="20577"/>
           <ac:spMkLst>
             <pc:docMk/>
             <pc:sldMk cId="3596187209" sldId="355"/>
@@ -662,7 +794,7 @@
           </ac:spMkLst>
         </pc:spChg>
         <pc:spChg chg="mod">
-          <ac:chgData name="Judson Santiago" userId="ebb108da2f256286" providerId="LiveId" clId="{D5A28A64-E007-4591-89E8-0A7AF967E88A}" dt="2021-05-03T21:19:24.267" v="159"/>
+          <ac:chgData name="Judson Santiago" userId="ebb108da2f256286" providerId="LiveId" clId="{D5A28A64-E007-4591-89E8-0A7AF967E88A}" dt="2021-05-04T02:52:22.998" v="840" actId="20577"/>
           <ac:spMkLst>
             <pc:docMk/>
             <pc:sldMk cId="3596187209" sldId="355"/>
@@ -670,7 +802,7 @@
           </ac:spMkLst>
         </pc:spChg>
         <pc:spChg chg="mod">
-          <ac:chgData name="Judson Santiago" userId="ebb108da2f256286" providerId="LiveId" clId="{D5A28A64-E007-4591-89E8-0A7AF967E88A}" dt="2021-05-03T21:19:24.267" v="159"/>
+          <ac:chgData name="Judson Santiago" userId="ebb108da2f256286" providerId="LiveId" clId="{D5A28A64-E007-4591-89E8-0A7AF967E88A}" dt="2021-05-04T02:52:27.216" v="842" actId="20577"/>
           <ac:spMkLst>
             <pc:docMk/>
             <pc:sldMk cId="3596187209" sldId="355"/>
@@ -678,23 +810,23 @@
           </ac:spMkLst>
         </pc:spChg>
         <pc:spChg chg="mod">
-          <ac:chgData name="Judson Santiago" userId="ebb108da2f256286" providerId="LiveId" clId="{D5A28A64-E007-4591-89E8-0A7AF967E88A}" dt="2021-05-03T21:19:24.267" v="159"/>
+          <ac:chgData name="Judson Santiago" userId="ebb108da2f256286" providerId="LiveId" clId="{D5A28A64-E007-4591-89E8-0A7AF967E88A}" dt="2021-05-04T02:52:31.261" v="844" actId="20577"/>
           <ac:spMkLst>
             <pc:docMk/>
             <pc:sldMk cId="3596187209" sldId="355"/>
             <ac:spMk id="11" creationId="{57A64BA8-B151-43D2-AEAE-A34E9AD2BD7D}"/>
           </ac:spMkLst>
         </pc:spChg>
-        <pc:spChg chg="mod">
-          <ac:chgData name="Judson Santiago" userId="ebb108da2f256286" providerId="LiveId" clId="{D5A28A64-E007-4591-89E8-0A7AF967E88A}" dt="2021-05-03T21:19:24.267" v="159"/>
+        <pc:spChg chg="del mod">
+          <ac:chgData name="Judson Santiago" userId="ebb108da2f256286" providerId="LiveId" clId="{D5A28A64-E007-4591-89E8-0A7AF967E88A}" dt="2021-05-04T02:46:21.536" v="623" actId="478"/>
           <ac:spMkLst>
             <pc:docMk/>
             <pc:sldMk cId="3596187209" sldId="355"/>
             <ac:spMk id="12" creationId="{3ED855E1-5F1C-4108-964A-FC4E0E407BFD}"/>
           </ac:spMkLst>
         </pc:spChg>
-        <pc:spChg chg="mod">
-          <ac:chgData name="Judson Santiago" userId="ebb108da2f256286" providerId="LiveId" clId="{D5A28A64-E007-4591-89E8-0A7AF967E88A}" dt="2021-05-03T21:19:24.267" v="159"/>
+        <pc:spChg chg="del mod">
+          <ac:chgData name="Judson Santiago" userId="ebb108da2f256286" providerId="LiveId" clId="{D5A28A64-E007-4591-89E8-0A7AF967E88A}" dt="2021-05-04T02:46:21.536" v="623" actId="478"/>
           <ac:spMkLst>
             <pc:docMk/>
             <pc:sldMk cId="3596187209" sldId="355"/>
@@ -805,16 +937,16 @@
             <ac:spMk id="26" creationId="{74E8BABE-34BF-4C15-BDDD-D5CB139DE2B0}"/>
           </ac:spMkLst>
         </pc:spChg>
-        <pc:spChg chg="mod">
-          <ac:chgData name="Judson Santiago" userId="ebb108da2f256286" providerId="LiveId" clId="{D5A28A64-E007-4591-89E8-0A7AF967E88A}" dt="2021-05-03T21:19:24.267" v="159"/>
+        <pc:spChg chg="del mod">
+          <ac:chgData name="Judson Santiago" userId="ebb108da2f256286" providerId="LiveId" clId="{D5A28A64-E007-4591-89E8-0A7AF967E88A}" dt="2021-05-04T02:46:21.536" v="623" actId="478"/>
           <ac:spMkLst>
             <pc:docMk/>
             <pc:sldMk cId="3596187209" sldId="355"/>
             <ac:spMk id="27" creationId="{1052FBCA-1F06-4D6F-B97D-4F73DBF6CD5A}"/>
           </ac:spMkLst>
         </pc:spChg>
-        <pc:spChg chg="mod">
-          <ac:chgData name="Judson Santiago" userId="ebb108da2f256286" providerId="LiveId" clId="{D5A28A64-E007-4591-89E8-0A7AF967E88A}" dt="2021-05-03T21:19:24.267" v="159"/>
+        <pc:spChg chg="del mod">
+          <ac:chgData name="Judson Santiago" userId="ebb108da2f256286" providerId="LiveId" clId="{D5A28A64-E007-4591-89E8-0A7AF967E88A}" dt="2021-05-04T02:46:21.536" v="623" actId="478"/>
           <ac:spMkLst>
             <pc:docMk/>
             <pc:sldMk cId="3596187209" sldId="355"/>
@@ -829,14 +961,60 @@
             <ac:spMk id="29" creationId="{128D5677-D9F9-4FC1-AB6D-3E99B3DAB615}"/>
           </ac:spMkLst>
         </pc:spChg>
+        <pc:spChg chg="add del mod">
+          <ac:chgData name="Judson Santiago" userId="ebb108da2f256286" providerId="LiveId" clId="{D5A28A64-E007-4591-89E8-0A7AF967E88A}" dt="2021-05-04T02:51:20.804" v="801" actId="22"/>
+          <ac:spMkLst>
+            <pc:docMk/>
+            <pc:sldMk cId="3596187209" sldId="355"/>
+            <ac:spMk id="30" creationId="{EAEB2E5C-F48C-4C06-B8CE-AD5FC596F3B1}"/>
+          </ac:spMkLst>
+        </pc:spChg>
         <pc:grpChg chg="add mod">
-          <ac:chgData name="Judson Santiago" userId="ebb108da2f256286" providerId="LiveId" clId="{D5A28A64-E007-4591-89E8-0A7AF967E88A}" dt="2021-05-03T21:20:51.967" v="209" actId="1037"/>
+          <ac:chgData name="Judson Santiago" userId="ebb108da2f256286" providerId="LiveId" clId="{D5A28A64-E007-4591-89E8-0A7AF967E88A}" dt="2021-05-04T03:13:07.555" v="958" actId="1076"/>
           <ac:grpSpMkLst>
             <pc:docMk/>
             <pc:sldMk cId="3596187209" sldId="355"/>
             <ac:grpSpMk id="5" creationId="{9DB308CF-5611-42B9-9FAE-D1D71E84F6AD}"/>
           </ac:grpSpMkLst>
         </pc:grpChg>
+      </pc:sldChg>
+      <pc:sldChg chg="addSp delSp modSp add del mod">
+        <pc:chgData name="Judson Santiago" userId="ebb108da2f256286" providerId="LiveId" clId="{D5A28A64-E007-4591-89E8-0A7AF967E88A}" dt="2021-05-04T03:55:35.985" v="1391" actId="47"/>
+        <pc:sldMkLst>
+          <pc:docMk/>
+          <pc:sldMk cId="3684414056" sldId="356"/>
+        </pc:sldMkLst>
+        <pc:spChg chg="add del mod">
+          <ac:chgData name="Judson Santiago" userId="ebb108da2f256286" providerId="LiveId" clId="{D5A28A64-E007-4591-89E8-0A7AF967E88A}" dt="2021-05-04T03:47:08.961" v="1149" actId="478"/>
+          <ac:spMkLst>
+            <pc:docMk/>
+            <pc:sldMk cId="3684414056" sldId="356"/>
+            <ac:spMk id="4" creationId="{00000000-0000-0000-0000-000000000000}"/>
+          </ac:spMkLst>
+        </pc:spChg>
+        <pc:spChg chg="add del mod">
+          <ac:chgData name="Judson Santiago" userId="ebb108da2f256286" providerId="LiveId" clId="{D5A28A64-E007-4591-89E8-0A7AF967E88A}" dt="2021-05-04T03:47:22.946" v="1176" actId="6549"/>
+          <ac:spMkLst>
+            <pc:docMk/>
+            <pc:sldMk cId="3684414056" sldId="356"/>
+            <ac:spMk id="5" creationId="{00000000-0000-0000-0000-000000000000}"/>
+          </ac:spMkLst>
+        </pc:spChg>
+      </pc:sldChg>
+      <pc:sldChg chg="modSp add del mod">
+        <pc:chgData name="Judson Santiago" userId="ebb108da2f256286" providerId="LiveId" clId="{D5A28A64-E007-4591-89E8-0A7AF967E88A}" dt="2021-05-04T03:55:33.748" v="1390" actId="47"/>
+        <pc:sldMkLst>
+          <pc:docMk/>
+          <pc:sldMk cId="3519383035" sldId="357"/>
+        </pc:sldMkLst>
+        <pc:spChg chg="mod">
+          <ac:chgData name="Judson Santiago" userId="ebb108da2f256286" providerId="LiveId" clId="{D5A28A64-E007-4591-89E8-0A7AF967E88A}" dt="2021-05-04T03:54:03.862" v="1350" actId="21"/>
+          <ac:spMkLst>
+            <pc:docMk/>
+            <pc:sldMk cId="3519383035" sldId="357"/>
+            <ac:spMk id="4" creationId="{00000000-0000-0000-0000-000000000000}"/>
+          </ac:spMkLst>
+        </pc:spChg>
       </pc:sldChg>
       <pc:sldMasterChg chg="setBg modSldLayout">
         <pc:chgData name="Judson Santiago" userId="ebb108da2f256286" providerId="LiveId" clId="{D5A28A64-E007-4591-89E8-0A7AF967E88A}" dt="2021-05-03T21:12:33.477" v="4"/>
@@ -9479,6 +9657,114 @@
       </p:grpSpPr>
       <p:sp>
         <p:nvSpPr>
+          <p:cNvPr id="6" name="Retângulo: Cantos Arredondados 5">
+            <a:extLst>
+              <a:ext uri="{FF2B5EF4-FFF2-40B4-BE49-F238E27FC236}">
+                <a16:creationId xmlns:a16="http://schemas.microsoft.com/office/drawing/2014/main" id="{C817239D-252E-4AE4-B28A-F0644E686A2B}"/>
+              </a:ext>
+            </a:extLst>
+          </p:cNvPr>
+          <p:cNvSpPr/>
+          <p:nvPr/>
+        </p:nvSpPr>
+        <p:spPr>
+          <a:xfrm>
+            <a:off x="4079776" y="2575682"/>
+            <a:ext cx="792088" cy="349262"/>
+          </a:xfrm>
+          <a:prstGeom prst="roundRect">
+            <a:avLst/>
+          </a:prstGeom>
+          <a:solidFill>
+            <a:schemeClr val="accent3">
+              <a:lumMod val="50000"/>
+            </a:schemeClr>
+          </a:solidFill>
+          <a:ln>
+            <a:noFill/>
+          </a:ln>
+        </p:spPr>
+        <p:style>
+          <a:lnRef idx="2">
+            <a:schemeClr val="accent3">
+              <a:shade val="50000"/>
+            </a:schemeClr>
+          </a:lnRef>
+          <a:fillRef idx="1">
+            <a:schemeClr val="accent3"/>
+          </a:fillRef>
+          <a:effectRef idx="0">
+            <a:schemeClr val="accent3"/>
+          </a:effectRef>
+          <a:fontRef idx="minor">
+            <a:schemeClr val="lt1"/>
+          </a:fontRef>
+        </p:style>
+        <p:txBody>
+          <a:bodyPr rtlCol="0" anchor="ctr"/>
+          <a:lstStyle/>
+          <a:p>
+            <a:pPr algn="ctr"/>
+            <a:endParaRPr lang="pt-BR"/>
+          </a:p>
+        </p:txBody>
+      </p:sp>
+      <p:sp>
+        <p:nvSpPr>
+          <p:cNvPr id="10" name="Retângulo: Cantos Arredondados 9">
+            <a:extLst>
+              <a:ext uri="{FF2B5EF4-FFF2-40B4-BE49-F238E27FC236}">
+                <a16:creationId xmlns:a16="http://schemas.microsoft.com/office/drawing/2014/main" id="{36640C53-F82C-4090-B147-959E217B61E8}"/>
+              </a:ext>
+            </a:extLst>
+          </p:cNvPr>
+          <p:cNvSpPr/>
+          <p:nvPr/>
+        </p:nvSpPr>
+        <p:spPr>
+          <a:xfrm>
+            <a:off x="3965239" y="3932938"/>
+            <a:ext cx="906625" cy="349262"/>
+          </a:xfrm>
+          <a:prstGeom prst="roundRect">
+            <a:avLst/>
+          </a:prstGeom>
+          <a:solidFill>
+            <a:schemeClr val="accent3">
+              <a:lumMod val="50000"/>
+            </a:schemeClr>
+          </a:solidFill>
+          <a:ln>
+            <a:noFill/>
+          </a:ln>
+        </p:spPr>
+        <p:style>
+          <a:lnRef idx="2">
+            <a:schemeClr val="accent3">
+              <a:shade val="50000"/>
+            </a:schemeClr>
+          </a:lnRef>
+          <a:fillRef idx="1">
+            <a:schemeClr val="accent3"/>
+          </a:fillRef>
+          <a:effectRef idx="0">
+            <a:schemeClr val="accent3"/>
+          </a:effectRef>
+          <a:fontRef idx="minor">
+            <a:schemeClr val="lt1"/>
+          </a:fontRef>
+        </p:style>
+        <p:txBody>
+          <a:bodyPr rtlCol="0" anchor="ctr"/>
+          <a:lstStyle/>
+          <a:p>
+            <a:pPr algn="ctr"/>
+            <a:endParaRPr lang="pt-BR"/>
+          </a:p>
+        </p:txBody>
+      </p:sp>
+      <p:sp>
+        <p:nvSpPr>
           <p:cNvPr id="2" name="Título 1"/>
           <p:cNvSpPr>
             <a:spLocks noGrp="1"/>
@@ -9582,313 +9868,302 @@
           </a:p>
         </p:txBody>
       </p:sp>
-      <p:grpSp>
-        <p:nvGrpSpPr>
-          <p:cNvPr id="16" name="Agrupar 15">
+      <p:sp>
+        <p:nvSpPr>
+          <p:cNvPr id="4" name="Retângulo 3"/>
+          <p:cNvSpPr/>
+          <p:nvPr/>
+        </p:nvSpPr>
+        <p:spPr>
+          <a:xfrm>
+            <a:off x="1703512" y="2551837"/>
+            <a:ext cx="7529625" cy="1754326"/>
+          </a:xfrm>
+          <a:prstGeom prst="rect">
+            <a:avLst/>
+          </a:prstGeom>
+        </p:spPr>
+        <p:txBody>
+          <a:bodyPr wrap="none">
+            <a:spAutoFit/>
+          </a:bodyPr>
+          <a:lstStyle/>
+          <a:p>
+            <a:r>
+              <a:rPr lang="pt-BR" dirty="0" err="1">
+                <a:solidFill>
+                  <a:schemeClr val="accent3">
+                    <a:lumMod val="75000"/>
+                  </a:schemeClr>
+                </a:solidFill>
+                <a:latin typeface="Consolas" pitchFamily="49" charset="0"/>
+                <a:cs typeface="Consolas" pitchFamily="49" charset="0"/>
+              </a:rPr>
+              <a:t>int</a:t>
+            </a:r>
+            <a:r>
+              <a:rPr lang="pt-BR" dirty="0">
+                <a:latin typeface="Consolas" pitchFamily="49" charset="0"/>
+                <a:cs typeface="Consolas" pitchFamily="49" charset="0"/>
+              </a:rPr>
+              <a:t> </a:t>
+            </a:r>
+            <a:r>
+              <a:rPr lang="pt-BR" dirty="0" err="1">
+                <a:latin typeface="Consolas" pitchFamily="49" charset="0"/>
+                <a:cs typeface="Consolas" pitchFamily="49" charset="0"/>
+              </a:rPr>
+              <a:t>somaVetor</a:t>
+            </a:r>
+            <a:r>
+              <a:rPr lang="pt-BR" dirty="0">
+                <a:latin typeface="Consolas" pitchFamily="49" charset="0"/>
+                <a:cs typeface="Consolas" pitchFamily="49" charset="0"/>
+              </a:rPr>
+              <a:t>(</a:t>
+            </a:r>
+            <a:r>
+              <a:rPr lang="pt-BR" dirty="0" err="1">
+                <a:solidFill>
+                  <a:schemeClr val="accent3">
+                    <a:lumMod val="75000"/>
+                  </a:schemeClr>
+                </a:solidFill>
+                <a:latin typeface="Consolas" pitchFamily="49" charset="0"/>
+                <a:cs typeface="Consolas" pitchFamily="49" charset="0"/>
+              </a:rPr>
+              <a:t>int</a:t>
+            </a:r>
+            <a:r>
+              <a:rPr lang="pt-BR" dirty="0">
+                <a:latin typeface="Consolas" pitchFamily="49" charset="0"/>
+                <a:cs typeface="Consolas" pitchFamily="49" charset="0"/>
+              </a:rPr>
+              <a:t>  </a:t>
+            </a:r>
+            <a:r>
+              <a:rPr lang="pt-BR" dirty="0" err="1">
+                <a:latin typeface="Consolas" pitchFamily="49" charset="0"/>
+                <a:cs typeface="Consolas" pitchFamily="49" charset="0"/>
+              </a:rPr>
+              <a:t>vet</a:t>
+            </a:r>
+            <a:r>
+              <a:rPr lang="pt-BR" dirty="0">
+                <a:latin typeface="Consolas" pitchFamily="49" charset="0"/>
+                <a:cs typeface="Consolas" pitchFamily="49" charset="0"/>
+              </a:rPr>
+              <a:t>[] , </a:t>
+            </a:r>
+            <a:r>
+              <a:rPr lang="pt-BR" dirty="0" err="1">
+                <a:solidFill>
+                  <a:schemeClr val="accent3">
+                    <a:lumMod val="75000"/>
+                  </a:schemeClr>
+                </a:solidFill>
+                <a:latin typeface="Consolas" pitchFamily="49" charset="0"/>
+                <a:cs typeface="Consolas" pitchFamily="49" charset="0"/>
+              </a:rPr>
+              <a:t>int</a:t>
+            </a:r>
+            <a:r>
+              <a:rPr lang="pt-BR" dirty="0">
+                <a:latin typeface="Consolas" pitchFamily="49" charset="0"/>
+                <a:cs typeface="Consolas" pitchFamily="49" charset="0"/>
+              </a:rPr>
+              <a:t> n);  </a:t>
+            </a:r>
+            <a:r>
+              <a:rPr lang="pt-BR" dirty="0">
+                <a:solidFill>
+                  <a:schemeClr val="tx1">
+                    <a:lumMod val="50000"/>
+                  </a:schemeClr>
+                </a:solidFill>
+                <a:latin typeface="Consolas" pitchFamily="49" charset="0"/>
+                <a:cs typeface="Consolas" pitchFamily="49" charset="0"/>
+              </a:rPr>
+              <a:t>// protótipo da função</a:t>
+            </a:r>
+          </a:p>
+          <a:p>
+            <a:endParaRPr lang="pt-BR" dirty="0">
+              <a:latin typeface="Consolas" pitchFamily="49" charset="0"/>
+              <a:cs typeface="Consolas" pitchFamily="49" charset="0"/>
+            </a:endParaRPr>
+          </a:p>
+          <a:p>
+            <a:endParaRPr lang="pt-BR" dirty="0">
+              <a:latin typeface="Consolas" pitchFamily="49" charset="0"/>
+              <a:cs typeface="Consolas" pitchFamily="49" charset="0"/>
+            </a:endParaRPr>
+          </a:p>
+          <a:p>
+            <a:br>
+              <a:rPr lang="pt-BR" dirty="0">
+                <a:latin typeface="Consolas" pitchFamily="49" charset="0"/>
+                <a:cs typeface="Consolas" pitchFamily="49" charset="0"/>
+              </a:rPr>
+            </a:br>
+            <a:br>
+              <a:rPr lang="pt-BR" dirty="0">
+                <a:latin typeface="Consolas" pitchFamily="49" charset="0"/>
+                <a:cs typeface="Consolas" pitchFamily="49" charset="0"/>
+              </a:rPr>
+            </a:br>
+            <a:r>
+              <a:rPr lang="pt-BR" dirty="0">
+                <a:latin typeface="Consolas" pitchFamily="49" charset="0"/>
+                <a:cs typeface="Consolas" pitchFamily="49" charset="0"/>
+              </a:rPr>
+              <a:t>       </a:t>
+            </a:r>
+            <a:r>
+              <a:rPr lang="pt-BR" dirty="0" err="1">
+                <a:latin typeface="Consolas" pitchFamily="49" charset="0"/>
+                <a:cs typeface="Consolas" pitchFamily="49" charset="0"/>
+              </a:rPr>
+              <a:t>somaVetor</a:t>
+            </a:r>
+            <a:r>
+              <a:rPr lang="pt-BR" dirty="0">
+                <a:latin typeface="Consolas" pitchFamily="49" charset="0"/>
+                <a:cs typeface="Consolas" pitchFamily="49" charset="0"/>
+              </a:rPr>
+              <a:t>( vendas , </a:t>
+            </a:r>
+            <a:r>
+              <a:rPr lang="pt-BR" dirty="0" err="1">
+                <a:latin typeface="Consolas" pitchFamily="49" charset="0"/>
+                <a:cs typeface="Consolas" pitchFamily="49" charset="0"/>
+              </a:rPr>
+              <a:t>Qtd</a:t>
+            </a:r>
+            <a:r>
+              <a:rPr lang="pt-BR" dirty="0">
+                <a:latin typeface="Consolas" pitchFamily="49" charset="0"/>
+                <a:cs typeface="Consolas" pitchFamily="49" charset="0"/>
+              </a:rPr>
+              <a:t>);    </a:t>
+            </a:r>
+            <a:r>
+              <a:rPr lang="pt-BR" dirty="0">
+                <a:solidFill>
+                  <a:schemeClr val="tx1">
+                    <a:lumMod val="50000"/>
+                  </a:schemeClr>
+                </a:solidFill>
+                <a:latin typeface="Consolas" pitchFamily="49" charset="0"/>
+                <a:cs typeface="Consolas" pitchFamily="49" charset="0"/>
+              </a:rPr>
+              <a:t>// chamada da função</a:t>
+            </a:r>
+            <a:endParaRPr lang="pt-BR" dirty="0">
+              <a:latin typeface="Consolas" pitchFamily="49" charset="0"/>
+              <a:cs typeface="Consolas" pitchFamily="49" charset="0"/>
+            </a:endParaRPr>
+          </a:p>
+        </p:txBody>
+      </p:sp>
+      <p:sp>
+        <p:nvSpPr>
+          <p:cNvPr id="8" name="Retângulo 7"/>
+          <p:cNvSpPr/>
+          <p:nvPr/>
+        </p:nvSpPr>
+        <p:spPr>
+          <a:xfrm>
+            <a:off x="2639616" y="3125215"/>
+            <a:ext cx="1584176" cy="584775"/>
+          </a:xfrm>
+          <a:prstGeom prst="rect">
+            <a:avLst/>
+          </a:prstGeom>
+        </p:spPr>
+        <p:txBody>
+          <a:bodyPr wrap="square">
+            <a:spAutoFit/>
+          </a:bodyPr>
+          <a:lstStyle/>
+          <a:p>
+            <a:pPr algn="r"/>
+            <a:r>
+              <a:rPr lang="pt-BR" sz="1600" dirty="0">
+                <a:solidFill>
+                  <a:schemeClr val="accent3">
+                    <a:lumMod val="75000"/>
+                  </a:schemeClr>
+                </a:solidFill>
+                <a:latin typeface="Consolas" pitchFamily="49" charset="0"/>
+                <a:cs typeface="Consolas" pitchFamily="49" charset="0"/>
+              </a:rPr>
+              <a:t>Endereço do vetor vendas</a:t>
+            </a:r>
+            <a:endParaRPr lang="pt-BR" sz="1600" dirty="0">
+              <a:solidFill>
+                <a:schemeClr val="accent3">
+                  <a:lumMod val="75000"/>
+                </a:schemeClr>
+              </a:solidFill>
+            </a:endParaRPr>
+          </a:p>
+        </p:txBody>
+      </p:sp>
+      <p:sp>
+        <p:nvSpPr>
+          <p:cNvPr id="5" name="Seta: para Baixo 4">
             <a:extLst>
               <a:ext uri="{FF2B5EF4-FFF2-40B4-BE49-F238E27FC236}">
-                <a16:creationId xmlns:a16="http://schemas.microsoft.com/office/drawing/2014/main" id="{2BBC7A7D-2193-4B3B-B4A3-D01D9EB67C13}"/>
+                <a16:creationId xmlns:a16="http://schemas.microsoft.com/office/drawing/2014/main" id="{1F316824-41A4-4FBD-9BA0-3C33D69278D3}"/>
               </a:ext>
             </a:extLst>
           </p:cNvPr>
-          <p:cNvGrpSpPr/>
+          <p:cNvSpPr/>
           <p:nvPr/>
-        </p:nvGrpSpPr>
-        <p:grpSpPr>
-          <a:xfrm>
-            <a:off x="1703512" y="2551837"/>
-            <a:ext cx="7276351" cy="1754326"/>
-            <a:chOff x="1703511" y="2832302"/>
-            <a:chExt cx="7276351" cy="1754326"/>
+        </p:nvSpPr>
+        <p:spPr>
+          <a:xfrm rot="10800000">
+            <a:off x="4367808" y="2924944"/>
+            <a:ext cx="188117" cy="1059751"/>
           </a:xfrm>
-        </p:grpSpPr>
-        <p:sp>
-          <p:nvSpPr>
-            <p:cNvPr id="4" name="Retângulo 3"/>
-            <p:cNvSpPr/>
-            <p:nvPr/>
-          </p:nvSpPr>
-          <p:spPr>
-            <a:xfrm>
-              <a:off x="1703511" y="2832302"/>
-              <a:ext cx="7276351" cy="1754326"/>
-            </a:xfrm>
-            <a:prstGeom prst="rect">
-              <a:avLst/>
-            </a:prstGeom>
-          </p:spPr>
-          <p:txBody>
-            <a:bodyPr wrap="none">
-              <a:spAutoFit/>
-            </a:bodyPr>
-            <a:lstStyle/>
-            <a:p>
-              <a:r>
-                <a:rPr lang="pt-BR" dirty="0" err="1">
-                  <a:solidFill>
-                    <a:schemeClr val="accent3">
-                      <a:lumMod val="75000"/>
-                    </a:schemeClr>
-                  </a:solidFill>
-                  <a:latin typeface="Consolas" pitchFamily="49" charset="0"/>
-                  <a:cs typeface="Consolas" pitchFamily="49" charset="0"/>
-                </a:rPr>
-                <a:t>int</a:t>
-              </a:r>
-              <a:r>
-                <a:rPr lang="pt-BR" dirty="0">
-                  <a:latin typeface="Consolas" pitchFamily="49" charset="0"/>
-                  <a:cs typeface="Consolas" pitchFamily="49" charset="0"/>
-                </a:rPr>
-                <a:t> </a:t>
-              </a:r>
-              <a:r>
-                <a:rPr lang="pt-BR" dirty="0" err="1">
-                  <a:latin typeface="Consolas" pitchFamily="49" charset="0"/>
-                  <a:cs typeface="Consolas" pitchFamily="49" charset="0"/>
-                </a:rPr>
-                <a:t>somaVetor</a:t>
-              </a:r>
-              <a:r>
-                <a:rPr lang="pt-BR" dirty="0">
-                  <a:latin typeface="Consolas" pitchFamily="49" charset="0"/>
-                  <a:cs typeface="Consolas" pitchFamily="49" charset="0"/>
-                </a:rPr>
-                <a:t>(</a:t>
-              </a:r>
-              <a:r>
-                <a:rPr lang="pt-BR" dirty="0" err="1">
-                  <a:solidFill>
-                    <a:schemeClr val="accent3">
-                      <a:lumMod val="75000"/>
-                    </a:schemeClr>
-                  </a:solidFill>
-                  <a:latin typeface="Consolas" pitchFamily="49" charset="0"/>
-                  <a:cs typeface="Consolas" pitchFamily="49" charset="0"/>
-                </a:rPr>
-                <a:t>int</a:t>
-              </a:r>
-              <a:r>
-                <a:rPr lang="pt-BR" dirty="0">
-                  <a:latin typeface="Consolas" pitchFamily="49" charset="0"/>
-                  <a:cs typeface="Consolas" pitchFamily="49" charset="0"/>
-                </a:rPr>
-                <a:t> </a:t>
-              </a:r>
-              <a:r>
-                <a:rPr lang="pt-BR" dirty="0" err="1">
-                  <a:latin typeface="Consolas" pitchFamily="49" charset="0"/>
-                  <a:cs typeface="Consolas" pitchFamily="49" charset="0"/>
-                </a:rPr>
-                <a:t>vet</a:t>
-              </a:r>
-              <a:r>
-                <a:rPr lang="pt-BR" dirty="0">
-                  <a:latin typeface="Consolas" pitchFamily="49" charset="0"/>
-                  <a:cs typeface="Consolas" pitchFamily="49" charset="0"/>
-                </a:rPr>
-                <a:t>[], </a:t>
-              </a:r>
-              <a:r>
-                <a:rPr lang="pt-BR" dirty="0" err="1">
-                  <a:solidFill>
-                    <a:schemeClr val="accent3">
-                      <a:lumMod val="75000"/>
-                    </a:schemeClr>
-                  </a:solidFill>
-                  <a:latin typeface="Consolas" pitchFamily="49" charset="0"/>
-                  <a:cs typeface="Consolas" pitchFamily="49" charset="0"/>
-                </a:rPr>
-                <a:t>int</a:t>
-              </a:r>
-              <a:r>
-                <a:rPr lang="pt-BR" dirty="0">
-                  <a:latin typeface="Consolas" pitchFamily="49" charset="0"/>
-                  <a:cs typeface="Consolas" pitchFamily="49" charset="0"/>
-                </a:rPr>
-                <a:t> n);  </a:t>
-              </a:r>
-              <a:r>
-                <a:rPr lang="pt-BR" dirty="0">
-                  <a:solidFill>
-                    <a:schemeClr val="tx1">
-                      <a:lumMod val="50000"/>
-                    </a:schemeClr>
-                  </a:solidFill>
-                  <a:latin typeface="Consolas" pitchFamily="49" charset="0"/>
-                  <a:cs typeface="Consolas" pitchFamily="49" charset="0"/>
-                </a:rPr>
-                <a:t>// protótipo da função</a:t>
-              </a:r>
-            </a:p>
-            <a:p>
-              <a:endParaRPr lang="pt-BR" dirty="0">
-                <a:latin typeface="Consolas" pitchFamily="49" charset="0"/>
-                <a:cs typeface="Consolas" pitchFamily="49" charset="0"/>
-              </a:endParaRPr>
-            </a:p>
-            <a:p>
-              <a:endParaRPr lang="pt-BR" dirty="0">
-                <a:latin typeface="Consolas" pitchFamily="49" charset="0"/>
-                <a:cs typeface="Consolas" pitchFamily="49" charset="0"/>
-              </a:endParaRPr>
-            </a:p>
-            <a:p>
-              <a:br>
-                <a:rPr lang="pt-BR" dirty="0">
-                  <a:latin typeface="Consolas" pitchFamily="49" charset="0"/>
-                  <a:cs typeface="Consolas" pitchFamily="49" charset="0"/>
-                </a:rPr>
-              </a:br>
-              <a:br>
-                <a:rPr lang="pt-BR" dirty="0">
-                  <a:latin typeface="Consolas" pitchFamily="49" charset="0"/>
-                  <a:cs typeface="Consolas" pitchFamily="49" charset="0"/>
-                </a:rPr>
-              </a:br>
-              <a:r>
-                <a:rPr lang="pt-BR" dirty="0">
-                  <a:latin typeface="Consolas" pitchFamily="49" charset="0"/>
-                  <a:cs typeface="Consolas" pitchFamily="49" charset="0"/>
-                </a:rPr>
-                <a:t>       </a:t>
-              </a:r>
-              <a:r>
-                <a:rPr lang="pt-BR" dirty="0" err="1">
-                  <a:latin typeface="Consolas" pitchFamily="49" charset="0"/>
-                  <a:cs typeface="Consolas" pitchFamily="49" charset="0"/>
-                </a:rPr>
-                <a:t>somaVetor</a:t>
-              </a:r>
-              <a:r>
-                <a:rPr lang="pt-BR" dirty="0">
-                  <a:latin typeface="Consolas" pitchFamily="49" charset="0"/>
-                  <a:cs typeface="Consolas" pitchFamily="49" charset="0"/>
-                </a:rPr>
-                <a:t>(vendas, </a:t>
-              </a:r>
-              <a:r>
-                <a:rPr lang="pt-BR" dirty="0" err="1">
-                  <a:latin typeface="Consolas" pitchFamily="49" charset="0"/>
-                  <a:cs typeface="Consolas" pitchFamily="49" charset="0"/>
-                </a:rPr>
-                <a:t>Qtd</a:t>
-              </a:r>
-              <a:r>
-                <a:rPr lang="pt-BR" dirty="0">
-                  <a:latin typeface="Consolas" pitchFamily="49" charset="0"/>
-                  <a:cs typeface="Consolas" pitchFamily="49" charset="0"/>
-                </a:rPr>
-                <a:t>);    </a:t>
-              </a:r>
-              <a:r>
-                <a:rPr lang="pt-BR" dirty="0">
-                  <a:solidFill>
-                    <a:schemeClr val="tx1">
-                      <a:lumMod val="50000"/>
-                    </a:schemeClr>
-                  </a:solidFill>
-                  <a:latin typeface="Consolas" pitchFamily="49" charset="0"/>
-                  <a:cs typeface="Consolas" pitchFamily="49" charset="0"/>
-                </a:rPr>
-                <a:t>// chamada da função</a:t>
-              </a:r>
-              <a:endParaRPr lang="pt-BR" dirty="0">
-                <a:latin typeface="Consolas" pitchFamily="49" charset="0"/>
-                <a:cs typeface="Consolas" pitchFamily="49" charset="0"/>
-              </a:endParaRPr>
-            </a:p>
-          </p:txBody>
-        </p:sp>
-        <p:sp>
-          <p:nvSpPr>
-            <p:cNvPr id="8" name="Retângulo 7"/>
-            <p:cNvSpPr/>
-            <p:nvPr/>
-          </p:nvSpPr>
-          <p:spPr>
-            <a:xfrm>
-              <a:off x="2423592" y="3429000"/>
-              <a:ext cx="1584176" cy="584775"/>
-            </a:xfrm>
-            <a:prstGeom prst="rect">
-              <a:avLst/>
-            </a:prstGeom>
-          </p:spPr>
-          <p:txBody>
-            <a:bodyPr wrap="square">
-              <a:spAutoFit/>
-            </a:bodyPr>
-            <a:lstStyle/>
-            <a:p>
-              <a:pPr algn="ctr"/>
-              <a:r>
-                <a:rPr lang="pt-BR" sz="1600" dirty="0">
-                  <a:solidFill>
-                    <a:schemeClr val="accent3">
-                      <a:lumMod val="75000"/>
-                    </a:schemeClr>
-                  </a:solidFill>
-                  <a:latin typeface="Consolas" pitchFamily="49" charset="0"/>
-                  <a:cs typeface="Consolas" pitchFamily="49" charset="0"/>
-                </a:rPr>
-                <a:t>Endereço do vetor vendas</a:t>
-              </a:r>
-              <a:endParaRPr lang="pt-BR" sz="1600" dirty="0">
-                <a:solidFill>
-                  <a:schemeClr val="accent3">
-                    <a:lumMod val="75000"/>
-                  </a:schemeClr>
-                </a:solidFill>
-              </a:endParaRPr>
-            </a:p>
-          </p:txBody>
-        </p:sp>
-        <p:cxnSp>
-          <p:nvCxnSpPr>
-            <p:cNvPr id="9" name="Conector de Seta Reta 8">
-              <a:extLst>
-                <a:ext uri="{FF2B5EF4-FFF2-40B4-BE49-F238E27FC236}">
-                  <a16:creationId xmlns:a16="http://schemas.microsoft.com/office/drawing/2014/main" id="{CDFBCD2E-7CB2-4208-8887-CE94F2CA6C70}"/>
-                </a:ext>
-              </a:extLst>
-            </p:cNvPr>
-            <p:cNvCxnSpPr>
-              <a:cxnSpLocks/>
-            </p:cNvCxnSpPr>
-            <p:nvPr/>
-          </p:nvCxnSpPr>
-          <p:spPr>
-            <a:xfrm flipV="1">
-              <a:off x="4236491" y="3221442"/>
-              <a:ext cx="0" cy="936104"/>
-            </a:xfrm>
-            <a:prstGeom prst="straightConnector1">
-              <a:avLst/>
-            </a:prstGeom>
-            <a:ln>
-              <a:solidFill>
-                <a:schemeClr val="tx1"/>
-              </a:solidFill>
-              <a:tailEnd type="triangle"/>
-            </a:ln>
-          </p:spPr>
-          <p:style>
-            <a:lnRef idx="1">
-              <a:schemeClr val="accent1"/>
-            </a:lnRef>
-            <a:fillRef idx="0">
-              <a:schemeClr val="accent1"/>
-            </a:fillRef>
-            <a:effectRef idx="0">
-              <a:schemeClr val="accent1"/>
-            </a:effectRef>
-            <a:fontRef idx="minor">
-              <a:schemeClr val="tx1"/>
-            </a:fontRef>
-          </p:style>
-        </p:cxnSp>
-      </p:grpSp>
+          <a:prstGeom prst="downArrow">
+            <a:avLst/>
+          </a:prstGeom>
+          <a:solidFill>
+            <a:schemeClr val="accent3">
+              <a:lumMod val="50000"/>
+            </a:schemeClr>
+          </a:solidFill>
+          <a:ln w="9525">
+            <a:noFill/>
+          </a:ln>
+        </p:spPr>
+        <p:style>
+          <a:lnRef idx="2">
+            <a:schemeClr val="accent3">
+              <a:shade val="50000"/>
+            </a:schemeClr>
+          </a:lnRef>
+          <a:fillRef idx="1">
+            <a:schemeClr val="accent3"/>
+          </a:fillRef>
+          <a:effectRef idx="0">
+            <a:schemeClr val="accent3"/>
+          </a:effectRef>
+          <a:fontRef idx="minor">
+            <a:schemeClr val="lt1"/>
+          </a:fontRef>
+        </p:style>
+        <p:txBody>
+          <a:bodyPr rtlCol="0" anchor="ctr"/>
+          <a:lstStyle/>
+          <a:p>
+            <a:pPr algn="ctr"/>
+            <a:endParaRPr lang="pt-BR"/>
+          </a:p>
+        </p:txBody>
+      </p:sp>
     </p:spTree>
     <p:extLst>
       <p:ext uri="{BB962C8B-B14F-4D97-AF65-F5344CB8AC3E}">
@@ -10452,8 +10727,8 @@
         </p:nvSpPr>
         <p:spPr>
           <a:xfrm>
-            <a:off x="1219200" y="1782430"/>
-            <a:ext cx="10363200" cy="4524315"/>
+            <a:off x="7104112" y="3352929"/>
+            <a:ext cx="3987531" cy="2893100"/>
           </a:xfrm>
           <a:prstGeom prst="rect">
             <a:avLst/>
@@ -10467,19 +10742,110 @@
           <a:lstStyle/>
           <a:p>
             <a:r>
-              <a:rPr lang="pt-BR" sz="1600" dirty="0">
-                <a:solidFill>
-                  <a:schemeClr val="accent3">
-                    <a:lumMod val="75000"/>
-                  </a:schemeClr>
-                </a:solidFill>
-                <a:latin typeface="Consolas" pitchFamily="49" charset="0"/>
-                <a:cs typeface="Consolas" pitchFamily="49" charset="0"/>
-              </a:rPr>
-              <a:t>#include </a:t>
-            </a:r>
-            <a:r>
-              <a:rPr lang="pt-BR" sz="1600" dirty="0">
+              <a:rPr lang="pt-BR" sz="1400" dirty="0" err="1">
+                <a:solidFill>
+                  <a:schemeClr val="accent3">
+                    <a:lumMod val="75000"/>
+                  </a:schemeClr>
+                </a:solidFill>
+                <a:latin typeface="Consolas" pitchFamily="49" charset="0"/>
+                <a:cs typeface="Consolas" pitchFamily="49" charset="0"/>
+              </a:rPr>
+              <a:t>int</a:t>
+            </a:r>
+            <a:r>
+              <a:rPr lang="pt-BR" sz="1400" dirty="0">
+                <a:latin typeface="Consolas" pitchFamily="49" charset="0"/>
+                <a:cs typeface="Consolas" pitchFamily="49" charset="0"/>
+              </a:rPr>
+              <a:t> </a:t>
+            </a:r>
+            <a:r>
+              <a:rPr lang="pt-BR" sz="1400" dirty="0" err="1">
+                <a:latin typeface="Consolas" pitchFamily="49" charset="0"/>
+                <a:cs typeface="Consolas" pitchFamily="49" charset="0"/>
+              </a:rPr>
+              <a:t>somaVetor</a:t>
+            </a:r>
+            <a:r>
+              <a:rPr lang="pt-BR" sz="1400" dirty="0">
+                <a:latin typeface="Consolas" pitchFamily="49" charset="0"/>
+                <a:cs typeface="Consolas" pitchFamily="49" charset="0"/>
+              </a:rPr>
+              <a:t>(</a:t>
+            </a:r>
+            <a:r>
+              <a:rPr lang="pt-BR" sz="1400" dirty="0" err="1">
+                <a:solidFill>
+                  <a:schemeClr val="accent3">
+                    <a:lumMod val="75000"/>
+                  </a:schemeClr>
+                </a:solidFill>
+                <a:latin typeface="Consolas" pitchFamily="49" charset="0"/>
+                <a:cs typeface="Consolas" pitchFamily="49" charset="0"/>
+              </a:rPr>
+              <a:t>int</a:t>
+            </a:r>
+            <a:r>
+              <a:rPr lang="pt-BR" sz="1400" dirty="0">
+                <a:latin typeface="Consolas" pitchFamily="49" charset="0"/>
+                <a:cs typeface="Consolas" pitchFamily="49" charset="0"/>
+              </a:rPr>
+              <a:t> </a:t>
+            </a:r>
+            <a:r>
+              <a:rPr lang="pt-BR" sz="1400" dirty="0" err="1">
+                <a:latin typeface="Consolas" pitchFamily="49" charset="0"/>
+                <a:cs typeface="Consolas" pitchFamily="49" charset="0"/>
+              </a:rPr>
+              <a:t>vet</a:t>
+            </a:r>
+            <a:r>
+              <a:rPr lang="pt-BR" sz="1400" dirty="0">
+                <a:latin typeface="Consolas" pitchFamily="49" charset="0"/>
+                <a:cs typeface="Consolas" pitchFamily="49" charset="0"/>
+              </a:rPr>
+              <a:t>[], </a:t>
+            </a:r>
+            <a:r>
+              <a:rPr lang="pt-BR" sz="1400" dirty="0" err="1">
+                <a:solidFill>
+                  <a:schemeClr val="accent3">
+                    <a:lumMod val="75000"/>
+                  </a:schemeClr>
+                </a:solidFill>
+                <a:latin typeface="Consolas" pitchFamily="49" charset="0"/>
+                <a:cs typeface="Consolas" pitchFamily="49" charset="0"/>
+              </a:rPr>
+              <a:t>int</a:t>
+            </a:r>
+            <a:r>
+              <a:rPr lang="pt-BR" sz="1400" dirty="0">
+                <a:latin typeface="Consolas" pitchFamily="49" charset="0"/>
+                <a:cs typeface="Consolas" pitchFamily="49" charset="0"/>
+              </a:rPr>
+              <a:t> n)</a:t>
+            </a:r>
+          </a:p>
+          <a:p>
+            <a:r>
+              <a:rPr lang="pt-BR" sz="1400" dirty="0">
+                <a:latin typeface="Consolas" pitchFamily="49" charset="0"/>
+                <a:cs typeface="Consolas" pitchFamily="49" charset="0"/>
+              </a:rPr>
+              <a:t>{ </a:t>
+            </a:r>
+          </a:p>
+          <a:p>
+            <a:r>
+              <a:rPr lang="pt-BR" sz="1400" dirty="0">
+                <a:latin typeface="Consolas" pitchFamily="49" charset="0"/>
+                <a:cs typeface="Consolas" pitchFamily="49" charset="0"/>
+              </a:rPr>
+              <a:t>     cout &lt;&lt; </a:t>
+            </a:r>
+            <a:r>
+              <a:rPr lang="pt-BR" sz="1400" dirty="0">
                 <a:solidFill>
                   <a:schemeClr val="accent2">
                     <a:lumMod val="60000"/>
@@ -10489,10 +10855,10 @@
                 <a:latin typeface="Consolas" pitchFamily="49" charset="0"/>
                 <a:cs typeface="Consolas" pitchFamily="49" charset="0"/>
               </a:rPr>
-              <a:t>&lt;</a:t>
-            </a:r>
-            <a:r>
-              <a:rPr lang="pt-BR" sz="1600" dirty="0" err="1">
+              <a:t>"(</a:t>
+            </a:r>
+            <a:r>
+              <a:rPr lang="pt-BR" sz="1400" dirty="0" err="1">
                 <a:solidFill>
                   <a:schemeClr val="accent2">
                     <a:lumMod val="60000"/>
@@ -10502,10 +10868,10 @@
                 <a:latin typeface="Consolas" pitchFamily="49" charset="0"/>
                 <a:cs typeface="Consolas" pitchFamily="49" charset="0"/>
               </a:rPr>
-              <a:t>iostream</a:t>
-            </a:r>
-            <a:r>
-              <a:rPr lang="pt-BR" sz="1600" dirty="0">
+              <a:t>vet</a:t>
+            </a:r>
+            <a:r>
+              <a:rPr lang="pt-BR" sz="1400" dirty="0">
                 <a:solidFill>
                   <a:schemeClr val="accent2">
                     <a:lumMod val="60000"/>
@@ -10515,48 +10881,112 @@
                 <a:latin typeface="Consolas" pitchFamily="49" charset="0"/>
                 <a:cs typeface="Consolas" pitchFamily="49" charset="0"/>
               </a:rPr>
-              <a:t>&gt;</a:t>
-            </a:r>
-          </a:p>
-          <a:p>
-            <a:r>
-              <a:rPr lang="pt-BR" sz="1600" dirty="0" err="1">
-                <a:solidFill>
-                  <a:schemeClr val="accent3">
-                    <a:lumMod val="75000"/>
-                  </a:schemeClr>
-                </a:solidFill>
-                <a:latin typeface="Consolas" pitchFamily="49" charset="0"/>
-                <a:cs typeface="Consolas" pitchFamily="49" charset="0"/>
-              </a:rPr>
-              <a:t>using</a:t>
-            </a:r>
-            <a:r>
-              <a:rPr lang="pt-BR" sz="1600" dirty="0">
-                <a:solidFill>
-                  <a:schemeClr val="accent3">
-                    <a:lumMod val="75000"/>
-                  </a:schemeClr>
-                </a:solidFill>
+              <a:t> = " </a:t>
+            </a:r>
+            <a:br>
+              <a:rPr lang="pt-BR" sz="1400" dirty="0">
+                <a:solidFill>
+                  <a:schemeClr val="accent2">
+                    <a:lumMod val="60000"/>
+                    <a:lumOff val="40000"/>
+                  </a:schemeClr>
+                </a:solidFill>
+                <a:latin typeface="Consolas" pitchFamily="49" charset="0"/>
+                <a:cs typeface="Consolas" pitchFamily="49" charset="0"/>
+              </a:rPr>
+            </a:br>
+            <a:r>
+              <a:rPr lang="pt-BR" sz="1400" dirty="0">
+                <a:solidFill>
+                  <a:schemeClr val="accent2">
+                    <a:lumMod val="60000"/>
+                    <a:lumOff val="40000"/>
+                  </a:schemeClr>
+                </a:solidFill>
+                <a:latin typeface="Consolas" pitchFamily="49" charset="0"/>
+                <a:cs typeface="Consolas" pitchFamily="49" charset="0"/>
+              </a:rPr>
+              <a:t>          </a:t>
+            </a:r>
+            <a:r>
+              <a:rPr lang="pt-BR" sz="1400" dirty="0">
+                <a:latin typeface="Consolas" pitchFamily="49" charset="0"/>
+                <a:cs typeface="Consolas" pitchFamily="49" charset="0"/>
+              </a:rPr>
+              <a:t>&lt;&lt; </a:t>
+            </a:r>
+            <a:r>
+              <a:rPr lang="pt-BR" sz="1400" dirty="0" err="1">
+                <a:latin typeface="Consolas" pitchFamily="49" charset="0"/>
+                <a:cs typeface="Consolas" pitchFamily="49" charset="0"/>
+              </a:rPr>
+              <a:t>vet</a:t>
+            </a:r>
+            <a:r>
+              <a:rPr lang="pt-BR" sz="1400" dirty="0">
                 <a:latin typeface="Consolas" pitchFamily="49" charset="0"/>
                 <a:cs typeface="Consolas" pitchFamily="49" charset="0"/>
               </a:rPr>
               <a:t> </a:t>
             </a:r>
-            <a:r>
-              <a:rPr lang="pt-BR" sz="1600" dirty="0" err="1">
-                <a:solidFill>
-                  <a:schemeClr val="accent3">
-                    <a:lumMod val="75000"/>
-                  </a:schemeClr>
-                </a:solidFill>
-                <a:latin typeface="Consolas" pitchFamily="49" charset="0"/>
-                <a:cs typeface="Consolas" pitchFamily="49" charset="0"/>
-              </a:rPr>
-              <a:t>namespace</a:t>
-            </a:r>
-            <a:r>
-              <a:rPr lang="pt-BR" sz="1600" dirty="0">
+          </a:p>
+          <a:p>
+            <a:r>
+              <a:rPr lang="pt-BR" sz="1400" dirty="0">
+                <a:latin typeface="Consolas" pitchFamily="49" charset="0"/>
+                <a:cs typeface="Consolas" pitchFamily="49" charset="0"/>
+              </a:rPr>
+              <a:t>          &lt;&lt; </a:t>
+            </a:r>
+            <a:r>
+              <a:rPr lang="pt-BR" sz="1400" dirty="0">
+                <a:solidFill>
+                  <a:schemeClr val="accent2">
+                    <a:lumMod val="60000"/>
+                    <a:lumOff val="40000"/>
+                  </a:schemeClr>
+                </a:solidFill>
+                <a:latin typeface="Consolas" pitchFamily="49" charset="0"/>
+                <a:cs typeface="Consolas" pitchFamily="49" charset="0"/>
+              </a:rPr>
+              <a:t>", tamanho = " </a:t>
+            </a:r>
+          </a:p>
+          <a:p>
+            <a:r>
+              <a:rPr lang="pt-BR" sz="1400" dirty="0">
+                <a:solidFill>
+                  <a:schemeClr val="accent2">
+                    <a:lumMod val="60000"/>
+                    <a:lumOff val="40000"/>
+                  </a:schemeClr>
+                </a:solidFill>
+                <a:latin typeface="Consolas" pitchFamily="49" charset="0"/>
+                <a:cs typeface="Consolas" pitchFamily="49" charset="0"/>
+              </a:rPr>
+              <a:t>          </a:t>
+            </a:r>
+            <a:r>
+              <a:rPr lang="pt-BR" sz="1400" dirty="0">
+                <a:latin typeface="Consolas" pitchFamily="49" charset="0"/>
+                <a:cs typeface="Consolas" pitchFamily="49" charset="0"/>
+              </a:rPr>
+              <a:t>&lt;&lt; </a:t>
+            </a:r>
+            <a:r>
+              <a:rPr lang="pt-BR" sz="1400" dirty="0" err="1">
+                <a:solidFill>
+                  <a:schemeClr val="accent3">
+                    <a:lumMod val="75000"/>
+                  </a:schemeClr>
+                </a:solidFill>
+                <a:latin typeface="Consolas" pitchFamily="49" charset="0"/>
+                <a:cs typeface="Consolas" pitchFamily="49" charset="0"/>
+              </a:rPr>
+              <a:t>sizeof</a:t>
+            </a:r>
+            <a:r>
+              <a:rPr lang="pt-BR" sz="1400" dirty="0">
                 <a:solidFill>
                   <a:schemeClr val="accent3">
                     <a:lumMod val="75000"/>
@@ -10568,34 +10998,73 @@
               <a:t> </a:t>
             </a:r>
             <a:r>
-              <a:rPr lang="pt-BR" sz="1600" dirty="0" err="1">
-                <a:latin typeface="Consolas" pitchFamily="49" charset="0"/>
-                <a:cs typeface="Consolas" pitchFamily="49" charset="0"/>
-              </a:rPr>
-              <a:t>std</a:t>
-            </a:r>
-            <a:r>
-              <a:rPr lang="pt-BR" sz="1600" dirty="0">
-                <a:latin typeface="Consolas" pitchFamily="49" charset="0"/>
-                <a:cs typeface="Consolas" pitchFamily="49" charset="0"/>
-              </a:rPr>
-              <a:t>; </a:t>
-            </a:r>
-          </a:p>
-          <a:p>
-            <a:endParaRPr lang="pt-BR" sz="1600" dirty="0">
-              <a:solidFill>
-                <a:schemeClr val="accent3">
-                  <a:lumMod val="75000"/>
-                </a:schemeClr>
-              </a:solidFill>
+              <a:rPr lang="pt-BR" sz="1400" dirty="0" err="1">
+                <a:latin typeface="Consolas" pitchFamily="49" charset="0"/>
+                <a:cs typeface="Consolas" pitchFamily="49" charset="0"/>
+              </a:rPr>
+              <a:t>vet</a:t>
+            </a:r>
+            <a:r>
+              <a:rPr lang="pt-BR" sz="1400" dirty="0">
+                <a:latin typeface="Consolas" pitchFamily="49" charset="0"/>
+                <a:cs typeface="Consolas" pitchFamily="49" charset="0"/>
+              </a:rPr>
+              <a:t> </a:t>
+            </a:r>
+            <a:br>
+              <a:rPr lang="pt-BR" sz="1400" dirty="0">
+                <a:latin typeface="Consolas" pitchFamily="49" charset="0"/>
+                <a:cs typeface="Consolas" pitchFamily="49" charset="0"/>
+              </a:rPr>
+            </a:br>
+            <a:r>
+              <a:rPr lang="pt-BR" sz="1400" dirty="0">
+                <a:latin typeface="Consolas" pitchFamily="49" charset="0"/>
+                <a:cs typeface="Consolas" pitchFamily="49" charset="0"/>
+              </a:rPr>
+              <a:t>          &lt;&lt; </a:t>
+            </a:r>
+            <a:r>
+              <a:rPr lang="pt-BR" sz="1400" dirty="0">
+                <a:solidFill>
+                  <a:schemeClr val="accent2">
+                    <a:lumMod val="60000"/>
+                    <a:lumOff val="40000"/>
+                  </a:schemeClr>
+                </a:solidFill>
+                <a:latin typeface="Consolas" pitchFamily="49" charset="0"/>
+              </a:rPr>
+              <a:t>"): "</a:t>
+            </a:r>
+            <a:r>
+              <a:rPr lang="pt-BR" sz="1400" dirty="0">
+                <a:latin typeface="Consolas" pitchFamily="49" charset="0"/>
+                <a:cs typeface="Consolas" pitchFamily="49" charset="0"/>
+              </a:rPr>
+              <a:t>;</a:t>
+            </a:r>
+          </a:p>
+          <a:p>
+            <a:endParaRPr lang="pt-BR" sz="1400" dirty="0">
               <a:latin typeface="Consolas" pitchFamily="49" charset="0"/>
               <a:cs typeface="Consolas" pitchFamily="49" charset="0"/>
             </a:endParaRPr>
           </a:p>
           <a:p>
             <a:r>
-              <a:rPr lang="pt-BR" sz="1600" dirty="0" err="1">
+              <a:rPr lang="pt-BR" sz="1400" dirty="0">
+                <a:solidFill>
+                  <a:schemeClr val="accent3">
+                    <a:lumMod val="75000"/>
+                  </a:schemeClr>
+                </a:solidFill>
+                <a:latin typeface="Consolas" pitchFamily="49" charset="0"/>
+                <a:cs typeface="Consolas" pitchFamily="49" charset="0"/>
+              </a:rPr>
+              <a:t>     </a:t>
+            </a:r>
+            <a:r>
+              <a:rPr lang="pt-BR" sz="1400" dirty="0" err="1">
                 <a:solidFill>
                   <a:schemeClr val="accent3">
                     <a:lumMod val="75000"/>
@@ -10607,28 +11076,23 @@
               <a:t>int</a:t>
             </a:r>
             <a:r>
-              <a:rPr lang="pt-BR" sz="1600" dirty="0">
-                <a:latin typeface="Consolas" pitchFamily="49" charset="0"/>
-                <a:cs typeface="Consolas" pitchFamily="49" charset="0"/>
-              </a:rPr>
-              <a:t> </a:t>
-            </a:r>
-            <a:r>
-              <a:rPr lang="pt-BR" sz="1600" dirty="0" err="1">
-                <a:latin typeface="Consolas" pitchFamily="49" charset="0"/>
-                <a:cs typeface="Consolas" pitchFamily="49" charset="0"/>
-              </a:rPr>
-              <a:t>somaVetor</a:t>
-            </a:r>
-            <a:r>
-              <a:rPr lang="pt-BR" sz="1600" dirty="0">
-                <a:latin typeface="Consolas" pitchFamily="49" charset="0"/>
-                <a:cs typeface="Consolas" pitchFamily="49" charset="0"/>
-              </a:rPr>
-              <a:t>(</a:t>
-            </a:r>
-            <a:r>
-              <a:rPr lang="pt-BR" sz="1600" dirty="0" err="1">
+              <a:rPr lang="pt-BR" sz="1400" dirty="0">
+                <a:latin typeface="Consolas" pitchFamily="49" charset="0"/>
+                <a:cs typeface="Consolas" pitchFamily="49" charset="0"/>
+              </a:rPr>
+              <a:t> soma = 0;</a:t>
+            </a:r>
+          </a:p>
+          <a:p>
+            <a:r>
+              <a:rPr lang="pt-BR" sz="1400" dirty="0">
+                <a:latin typeface="Consolas" pitchFamily="49" charset="0"/>
+                <a:cs typeface="Consolas" pitchFamily="49" charset="0"/>
+              </a:rPr>
+              <a:t>     for (</a:t>
+            </a:r>
+            <a:r>
+              <a:rPr lang="pt-BR" sz="1400" dirty="0" err="1">
                 <a:solidFill>
                   <a:schemeClr val="accent3">
                     <a:lumMod val="75000"/>
@@ -10640,1045 +11104,72 @@
               <a:t>int</a:t>
             </a:r>
             <a:r>
-              <a:rPr lang="pt-BR" sz="1600" dirty="0">
-                <a:latin typeface="Consolas" pitchFamily="49" charset="0"/>
-                <a:cs typeface="Consolas" pitchFamily="49" charset="0"/>
-              </a:rPr>
-              <a:t> </a:t>
-            </a:r>
-            <a:r>
-              <a:rPr lang="pt-BR" sz="1600" dirty="0" err="1">
+              <a:rPr lang="pt-BR" sz="1400" dirty="0">
+                <a:latin typeface="Consolas" pitchFamily="49" charset="0"/>
+                <a:cs typeface="Consolas" pitchFamily="49" charset="0"/>
+              </a:rPr>
+              <a:t> i = 0; i &lt; n; i++)</a:t>
+            </a:r>
+          </a:p>
+          <a:p>
+            <a:r>
+              <a:rPr lang="pt-BR" sz="1400" dirty="0">
+                <a:latin typeface="Consolas" pitchFamily="49" charset="0"/>
+                <a:cs typeface="Consolas" pitchFamily="49" charset="0"/>
+              </a:rPr>
+              <a:t>        soma += </a:t>
+            </a:r>
+            <a:r>
+              <a:rPr lang="pt-BR" sz="1400" dirty="0" err="1">
                 <a:latin typeface="Consolas" pitchFamily="49" charset="0"/>
                 <a:cs typeface="Consolas" pitchFamily="49" charset="0"/>
               </a:rPr>
               <a:t>vet</a:t>
             </a:r>
             <a:r>
-              <a:rPr lang="pt-BR" sz="1600" dirty="0">
-                <a:latin typeface="Consolas" pitchFamily="49" charset="0"/>
-                <a:cs typeface="Consolas" pitchFamily="49" charset="0"/>
-              </a:rPr>
-              <a:t>[], </a:t>
-            </a:r>
-            <a:r>
-              <a:rPr lang="pt-BR" sz="1600" dirty="0" err="1">
-                <a:solidFill>
-                  <a:schemeClr val="accent3">
-                    <a:lumMod val="75000"/>
-                  </a:schemeClr>
-                </a:solidFill>
-                <a:latin typeface="Consolas" pitchFamily="49" charset="0"/>
-                <a:cs typeface="Consolas" pitchFamily="49" charset="0"/>
-              </a:rPr>
-              <a:t>int</a:t>
-            </a:r>
-            <a:r>
-              <a:rPr lang="pt-BR" sz="1600" dirty="0">
-                <a:solidFill>
-                  <a:schemeClr val="accent3">
-                    <a:lumMod val="75000"/>
-                  </a:schemeClr>
-                </a:solidFill>
-                <a:latin typeface="Consolas" pitchFamily="49" charset="0"/>
-                <a:cs typeface="Consolas" pitchFamily="49" charset="0"/>
-              </a:rPr>
-              <a:t> </a:t>
-            </a:r>
-            <a:r>
-              <a:rPr lang="pt-BR" sz="1600" dirty="0">
-                <a:latin typeface="Consolas" pitchFamily="49" charset="0"/>
-                <a:cs typeface="Consolas" pitchFamily="49" charset="0"/>
-              </a:rPr>
-              <a:t>n);</a:t>
-            </a:r>
-            <a:endParaRPr lang="pt-BR" sz="1600" dirty="0">
-              <a:solidFill>
-                <a:schemeClr val="tx1">
-                  <a:lumMod val="50000"/>
-                </a:schemeClr>
-              </a:solidFill>
-              <a:latin typeface="Consolas" pitchFamily="49" charset="0"/>
-              <a:cs typeface="Consolas" pitchFamily="49" charset="0"/>
-            </a:endParaRPr>
-          </a:p>
-          <a:p>
-            <a:endParaRPr lang="pt-BR" sz="1600" dirty="0">
-              <a:solidFill>
-                <a:schemeClr val="accent3">
-                  <a:lumMod val="75000"/>
-                </a:schemeClr>
-              </a:solidFill>
-              <a:latin typeface="Consolas" pitchFamily="49" charset="0"/>
-              <a:cs typeface="Consolas" pitchFamily="49" charset="0"/>
-            </a:endParaRPr>
-          </a:p>
-          <a:p>
-            <a:r>
-              <a:rPr lang="pt-BR" sz="1600" dirty="0" err="1">
-                <a:solidFill>
-                  <a:schemeClr val="accent3">
-                    <a:lumMod val="75000"/>
-                  </a:schemeClr>
-                </a:solidFill>
-                <a:latin typeface="Consolas" pitchFamily="49" charset="0"/>
-                <a:cs typeface="Consolas" pitchFamily="49" charset="0"/>
-              </a:rPr>
-              <a:t>int</a:t>
-            </a:r>
-            <a:r>
-              <a:rPr lang="pt-BR" sz="1600" dirty="0">
-                <a:latin typeface="Consolas" pitchFamily="49" charset="0"/>
-                <a:cs typeface="Consolas" pitchFamily="49" charset="0"/>
-              </a:rPr>
-              <a:t> </a:t>
-            </a:r>
-            <a:r>
-              <a:rPr lang="pt-BR" sz="1600" dirty="0" err="1">
-                <a:latin typeface="Consolas" pitchFamily="49" charset="0"/>
-                <a:cs typeface="Consolas" pitchFamily="49" charset="0"/>
-              </a:rPr>
-              <a:t>main</a:t>
-            </a:r>
-            <a:r>
-              <a:rPr lang="pt-BR" sz="1600" dirty="0">
-                <a:latin typeface="Consolas" pitchFamily="49" charset="0"/>
-                <a:cs typeface="Consolas" pitchFamily="49" charset="0"/>
-              </a:rPr>
-              <a:t>()</a:t>
-            </a:r>
-          </a:p>
-          <a:p>
-            <a:r>
-              <a:rPr lang="pt-BR" sz="1600" dirty="0">
-                <a:latin typeface="Consolas" pitchFamily="49" charset="0"/>
-                <a:cs typeface="Consolas" pitchFamily="49" charset="0"/>
-              </a:rPr>
-              <a:t>{</a:t>
-            </a:r>
-          </a:p>
-          <a:p>
-            <a:r>
-              <a:rPr lang="pt-BR" sz="1600" dirty="0">
+              <a:rPr lang="pt-BR" sz="1400" dirty="0">
+                <a:latin typeface="Consolas" pitchFamily="49" charset="0"/>
+                <a:cs typeface="Consolas" pitchFamily="49" charset="0"/>
+              </a:rPr>
+              <a:t>[i];</a:t>
+            </a:r>
+          </a:p>
+          <a:p>
+            <a:r>
+              <a:rPr lang="pt-BR" sz="1400" dirty="0">
                 <a:latin typeface="Consolas" pitchFamily="49" charset="0"/>
                 <a:cs typeface="Consolas" pitchFamily="49" charset="0"/>
               </a:rPr>
               <a:t>     </a:t>
             </a:r>
             <a:r>
-              <a:rPr lang="pt-BR" sz="1600" dirty="0" err="1">
-                <a:solidFill>
-                  <a:schemeClr val="accent3">
-                    <a:lumMod val="75000"/>
-                  </a:schemeClr>
-                </a:solidFill>
-                <a:latin typeface="Consolas" pitchFamily="49" charset="0"/>
-                <a:cs typeface="Consolas" pitchFamily="49" charset="0"/>
-              </a:rPr>
-              <a:t>const</a:t>
-            </a:r>
-            <a:r>
-              <a:rPr lang="pt-BR" sz="1600" dirty="0">
-                <a:solidFill>
-                  <a:schemeClr val="accent3">
-                    <a:lumMod val="75000"/>
-                  </a:schemeClr>
-                </a:solidFill>
-                <a:latin typeface="Consolas" pitchFamily="49" charset="0"/>
-                <a:cs typeface="Consolas" pitchFamily="49" charset="0"/>
-              </a:rPr>
-              <a:t> </a:t>
-            </a:r>
-            <a:r>
-              <a:rPr lang="pt-BR" sz="1600" dirty="0" err="1">
-                <a:solidFill>
-                  <a:schemeClr val="accent3">
-                    <a:lumMod val="75000"/>
-                  </a:schemeClr>
-                </a:solidFill>
-                <a:latin typeface="Consolas" pitchFamily="49" charset="0"/>
-                <a:cs typeface="Consolas" pitchFamily="49" charset="0"/>
-              </a:rPr>
-              <a:t>int</a:t>
-            </a:r>
-            <a:r>
-              <a:rPr lang="pt-BR" sz="1600" dirty="0">
-                <a:solidFill>
-                  <a:schemeClr val="accent3">
-                    <a:lumMod val="75000"/>
-                  </a:schemeClr>
-                </a:solidFill>
-                <a:latin typeface="Consolas" pitchFamily="49" charset="0"/>
-                <a:cs typeface="Consolas" pitchFamily="49" charset="0"/>
-              </a:rPr>
-              <a:t> </a:t>
-            </a:r>
-            <a:r>
-              <a:rPr lang="pt-BR" sz="1600" dirty="0" err="1">
-                <a:latin typeface="Consolas" pitchFamily="49" charset="0"/>
-                <a:cs typeface="Consolas" pitchFamily="49" charset="0"/>
-              </a:rPr>
-              <a:t>Qtd</a:t>
-            </a:r>
-            <a:r>
-              <a:rPr lang="pt-BR" sz="1600" dirty="0">
-                <a:latin typeface="Consolas" pitchFamily="49" charset="0"/>
-                <a:cs typeface="Consolas" pitchFamily="49" charset="0"/>
-              </a:rPr>
-              <a:t> = 7;</a:t>
-            </a:r>
-          </a:p>
-          <a:p>
-            <a:endParaRPr lang="pt-BR" sz="1600" dirty="0">
-              <a:latin typeface="Consolas" pitchFamily="49" charset="0"/>
-              <a:cs typeface="Consolas" pitchFamily="49" charset="0"/>
-            </a:endParaRPr>
-          </a:p>
-          <a:p>
-            <a:r>
-              <a:rPr lang="pt-BR" sz="1600" dirty="0">
-                <a:latin typeface="Consolas" pitchFamily="49" charset="0"/>
-                <a:cs typeface="Consolas" pitchFamily="49" charset="0"/>
-              </a:rPr>
-              <a:t>     </a:t>
-            </a:r>
-            <a:r>
-              <a:rPr lang="pt-BR" sz="1600" dirty="0" err="1">
-                <a:solidFill>
-                  <a:schemeClr val="accent3">
-                    <a:lumMod val="75000"/>
-                  </a:schemeClr>
-                </a:solidFill>
-                <a:latin typeface="Consolas" pitchFamily="49" charset="0"/>
-                <a:cs typeface="Consolas" pitchFamily="49" charset="0"/>
-              </a:rPr>
-              <a:t>int</a:t>
-            </a:r>
-            <a:r>
-              <a:rPr lang="pt-BR" sz="1600" dirty="0">
-                <a:latin typeface="Consolas" pitchFamily="49" charset="0"/>
-                <a:cs typeface="Consolas" pitchFamily="49" charset="0"/>
-              </a:rPr>
-              <a:t> vendas[</a:t>
-            </a:r>
-            <a:r>
-              <a:rPr lang="pt-BR" sz="1600" dirty="0" err="1">
-                <a:latin typeface="Consolas" pitchFamily="49" charset="0"/>
-                <a:cs typeface="Consolas" pitchFamily="49" charset="0"/>
-              </a:rPr>
-              <a:t>Qtd</a:t>
-            </a:r>
-            <a:r>
-              <a:rPr lang="pt-BR" sz="1600" dirty="0">
-                <a:latin typeface="Consolas" pitchFamily="49" charset="0"/>
-                <a:cs typeface="Consolas" pitchFamily="49" charset="0"/>
-              </a:rPr>
-              <a:t>] = { 1, 1, 0, 4, 1, 3, 0 };</a:t>
-            </a:r>
-          </a:p>
-          <a:p>
-            <a:r>
-              <a:rPr lang="pt-BR" sz="1600" dirty="0">
-                <a:latin typeface="Consolas" pitchFamily="49" charset="0"/>
-                <a:cs typeface="Consolas" pitchFamily="49" charset="0"/>
-              </a:rPr>
-              <a:t>     </a:t>
-            </a:r>
-          </a:p>
-          <a:p>
-            <a:r>
-              <a:rPr lang="pt-BR" sz="1600" dirty="0">
-                <a:latin typeface="Consolas" pitchFamily="49" charset="0"/>
-                <a:cs typeface="Consolas" pitchFamily="49" charset="0"/>
-              </a:rPr>
-              <a:t>     </a:t>
-            </a:r>
-            <a:r>
-              <a:rPr lang="pt-BR" sz="1600" dirty="0" err="1">
-                <a:latin typeface="Consolas" pitchFamily="49" charset="0"/>
-                <a:cs typeface="Consolas" pitchFamily="49" charset="0"/>
-              </a:rPr>
-              <a:t>cout</a:t>
-            </a:r>
-            <a:r>
-              <a:rPr lang="pt-BR" sz="1600" dirty="0">
-                <a:latin typeface="Consolas" pitchFamily="49" charset="0"/>
-                <a:cs typeface="Consolas" pitchFamily="49" charset="0"/>
-              </a:rPr>
-              <a:t> &lt;&lt; </a:t>
-            </a:r>
-            <a:r>
-              <a:rPr lang="pt-BR" sz="1600" dirty="0">
-                <a:solidFill>
-                  <a:schemeClr val="accent2">
-                    <a:lumMod val="60000"/>
-                    <a:lumOff val="40000"/>
-                  </a:schemeClr>
-                </a:solidFill>
-                <a:latin typeface="Consolas" pitchFamily="49" charset="0"/>
-                <a:cs typeface="Consolas" pitchFamily="49" charset="0"/>
-              </a:rPr>
-              <a:t>"Endereço de vendas = " </a:t>
-            </a:r>
-            <a:r>
-              <a:rPr lang="pt-BR" sz="1600" dirty="0">
-                <a:latin typeface="Consolas" pitchFamily="49" charset="0"/>
-                <a:cs typeface="Consolas" pitchFamily="49" charset="0"/>
-              </a:rPr>
-              <a:t>&lt;&lt; vendas;</a:t>
-            </a:r>
-          </a:p>
-          <a:p>
-            <a:r>
-              <a:rPr lang="pt-BR" sz="1600" dirty="0">
-                <a:latin typeface="Consolas" pitchFamily="49" charset="0"/>
-                <a:cs typeface="Consolas" pitchFamily="49" charset="0"/>
-              </a:rPr>
-              <a:t>     cout &lt;&lt; </a:t>
-            </a:r>
-            <a:r>
-              <a:rPr lang="pt-BR" sz="1600" dirty="0">
-                <a:solidFill>
-                  <a:schemeClr val="accent2">
-                    <a:lumMod val="60000"/>
-                    <a:lumOff val="40000"/>
-                  </a:schemeClr>
-                </a:solidFill>
-                <a:latin typeface="Consolas" pitchFamily="49" charset="0"/>
-                <a:cs typeface="Consolas" pitchFamily="49" charset="0"/>
-              </a:rPr>
-              <a:t>", tamanho de vendas = " </a:t>
-            </a:r>
-            <a:r>
-              <a:rPr lang="pt-BR" sz="1600" dirty="0">
-                <a:latin typeface="Consolas" pitchFamily="49" charset="0"/>
-                <a:cs typeface="Consolas" pitchFamily="49" charset="0"/>
-              </a:rPr>
-              <a:t>&lt;&lt; </a:t>
-            </a:r>
-            <a:r>
-              <a:rPr lang="pt-BR" sz="1600" dirty="0" err="1">
-                <a:solidFill>
-                  <a:schemeClr val="accent3">
-                    <a:lumMod val="75000"/>
-                  </a:schemeClr>
-                </a:solidFill>
-                <a:latin typeface="Consolas" pitchFamily="49" charset="0"/>
-                <a:cs typeface="Consolas" pitchFamily="49" charset="0"/>
-              </a:rPr>
-              <a:t>sizeof</a:t>
-            </a:r>
-            <a:r>
-              <a:rPr lang="pt-BR" sz="1600" dirty="0">
-                <a:solidFill>
-                  <a:schemeClr val="accent3">
-                    <a:lumMod val="75000"/>
-                  </a:schemeClr>
-                </a:solidFill>
-                <a:latin typeface="Consolas" pitchFamily="49" charset="0"/>
-                <a:cs typeface="Consolas" pitchFamily="49" charset="0"/>
-              </a:rPr>
-              <a:t> </a:t>
-            </a:r>
-            <a:r>
-              <a:rPr lang="pt-BR" sz="1600" dirty="0">
-                <a:latin typeface="Consolas" pitchFamily="49" charset="0"/>
-                <a:cs typeface="Consolas" pitchFamily="49" charset="0"/>
-              </a:rPr>
-              <a:t>vendas &lt;&lt; </a:t>
-            </a:r>
-            <a:r>
-              <a:rPr lang="pt-BR" sz="1600" dirty="0" err="1">
-                <a:latin typeface="Consolas" pitchFamily="49" charset="0"/>
-                <a:cs typeface="Consolas" pitchFamily="49" charset="0"/>
-              </a:rPr>
-              <a:t>endl</a:t>
-            </a:r>
-            <a:r>
-              <a:rPr lang="pt-BR" sz="1600" dirty="0">
-                <a:latin typeface="Consolas" pitchFamily="49" charset="0"/>
-                <a:cs typeface="Consolas" pitchFamily="49" charset="0"/>
-              </a:rPr>
-              <a:t> &lt;&lt; </a:t>
-            </a:r>
-            <a:r>
-              <a:rPr lang="pt-BR" sz="1600" dirty="0" err="1">
-                <a:latin typeface="Consolas" pitchFamily="49" charset="0"/>
-                <a:cs typeface="Consolas" pitchFamily="49" charset="0"/>
-              </a:rPr>
-              <a:t>endl</a:t>
-            </a:r>
-            <a:r>
-              <a:rPr lang="pt-BR" sz="1600" dirty="0">
-                <a:latin typeface="Consolas" pitchFamily="49" charset="0"/>
-                <a:cs typeface="Consolas" pitchFamily="49" charset="0"/>
-              </a:rPr>
-              <a:t>;</a:t>
-            </a:r>
-          </a:p>
-          <a:p>
-            <a:endParaRPr lang="pt-BR" sz="1600" dirty="0">
-              <a:latin typeface="Consolas" pitchFamily="49" charset="0"/>
-              <a:cs typeface="Consolas" pitchFamily="49" charset="0"/>
-            </a:endParaRPr>
-          </a:p>
-          <a:p>
-            <a:r>
-              <a:rPr lang="pt-BR" sz="1600" dirty="0">
-                <a:latin typeface="Consolas" pitchFamily="49" charset="0"/>
-                <a:cs typeface="Consolas" pitchFamily="49" charset="0"/>
-              </a:rPr>
-              <a:t>     cout &lt;&lt; </a:t>
-            </a:r>
-            <a:r>
-              <a:rPr lang="pt-BR" sz="1600" dirty="0">
-                <a:solidFill>
-                  <a:schemeClr val="accent2">
-                    <a:lumMod val="60000"/>
-                    <a:lumOff val="40000"/>
-                  </a:schemeClr>
-                </a:solidFill>
-                <a:latin typeface="Consolas" pitchFamily="49" charset="0"/>
-                <a:cs typeface="Consolas" pitchFamily="49" charset="0"/>
-              </a:rPr>
-              <a:t>"Total de vendas " </a:t>
-            </a:r>
-            <a:r>
-              <a:rPr lang="pt-BR" sz="1600" dirty="0">
-                <a:latin typeface="Consolas" pitchFamily="49" charset="0"/>
-                <a:cs typeface="Consolas" pitchFamily="49" charset="0"/>
-              </a:rPr>
-              <a:t>&lt;&lt; </a:t>
-            </a:r>
-            <a:r>
-              <a:rPr lang="pt-BR" sz="1600" dirty="0" err="1">
-                <a:latin typeface="Consolas" pitchFamily="49" charset="0"/>
-                <a:cs typeface="Consolas" pitchFamily="49" charset="0"/>
-              </a:rPr>
-              <a:t>somaVetor</a:t>
-            </a:r>
-            <a:r>
-              <a:rPr lang="pt-BR" sz="1600" dirty="0">
-                <a:latin typeface="Consolas" pitchFamily="49" charset="0"/>
-                <a:cs typeface="Consolas" pitchFamily="49" charset="0"/>
-              </a:rPr>
-              <a:t>(vendas, </a:t>
-            </a:r>
-            <a:r>
-              <a:rPr lang="pt-BR" sz="1600" dirty="0" err="1">
-                <a:latin typeface="Consolas" pitchFamily="49" charset="0"/>
-                <a:cs typeface="Consolas" pitchFamily="49" charset="0"/>
-              </a:rPr>
-              <a:t>Qtd</a:t>
-            </a:r>
-            <a:r>
-              <a:rPr lang="pt-BR" sz="1600" dirty="0">
-                <a:latin typeface="Consolas" pitchFamily="49" charset="0"/>
-                <a:cs typeface="Consolas" pitchFamily="49" charset="0"/>
-              </a:rPr>
-              <a:t>)    &lt;&lt; </a:t>
-            </a:r>
-            <a:r>
-              <a:rPr lang="pt-BR" sz="1600" dirty="0" err="1">
-                <a:latin typeface="Consolas" pitchFamily="49" charset="0"/>
-                <a:cs typeface="Consolas" pitchFamily="49" charset="0"/>
-              </a:rPr>
-              <a:t>endl</a:t>
-            </a:r>
-            <a:r>
-              <a:rPr lang="pt-BR" sz="1600" dirty="0">
-                <a:latin typeface="Consolas" pitchFamily="49" charset="0"/>
-                <a:cs typeface="Consolas" pitchFamily="49" charset="0"/>
-              </a:rPr>
-              <a:t>;</a:t>
-            </a:r>
-          </a:p>
-          <a:p>
-            <a:r>
-              <a:rPr lang="pt-BR" sz="1600" dirty="0">
-                <a:latin typeface="Consolas" pitchFamily="49" charset="0"/>
-                <a:cs typeface="Consolas" pitchFamily="49" charset="0"/>
-              </a:rPr>
-              <a:t>     cout &lt;&lt; </a:t>
-            </a:r>
-            <a:r>
-              <a:rPr lang="pt-BR" sz="1600" dirty="0">
-                <a:solidFill>
-                  <a:schemeClr val="accent2">
-                    <a:lumMod val="60000"/>
-                    <a:lumOff val="40000"/>
-                  </a:schemeClr>
-                </a:solidFill>
-                <a:latin typeface="Consolas" pitchFamily="49" charset="0"/>
-                <a:cs typeface="Consolas" pitchFamily="49" charset="0"/>
-              </a:rPr>
-              <a:t>"Três primeiros  "</a:t>
-            </a:r>
-            <a:r>
-              <a:rPr lang="pt-BR" sz="1600" dirty="0">
-                <a:latin typeface="Consolas" pitchFamily="49" charset="0"/>
-                <a:cs typeface="Consolas" pitchFamily="49" charset="0"/>
-              </a:rPr>
-              <a:t> &lt;&lt; </a:t>
-            </a:r>
-            <a:r>
-              <a:rPr lang="pt-BR" sz="1600" dirty="0" err="1">
-                <a:latin typeface="Consolas" pitchFamily="49" charset="0"/>
-                <a:cs typeface="Consolas" pitchFamily="49" charset="0"/>
-              </a:rPr>
-              <a:t>somaVetor</a:t>
-            </a:r>
-            <a:r>
-              <a:rPr lang="pt-BR" sz="1600" dirty="0">
-                <a:latin typeface="Consolas" pitchFamily="49" charset="0"/>
-                <a:cs typeface="Consolas" pitchFamily="49" charset="0"/>
-              </a:rPr>
-              <a:t>(vendas, 3)      &lt;&lt; </a:t>
-            </a:r>
-            <a:r>
-              <a:rPr lang="pt-BR" sz="1600" dirty="0" err="1">
-                <a:latin typeface="Consolas" pitchFamily="49" charset="0"/>
-                <a:cs typeface="Consolas" pitchFamily="49" charset="0"/>
-              </a:rPr>
-              <a:t>endl</a:t>
-            </a:r>
-            <a:r>
-              <a:rPr lang="pt-BR" sz="1600" dirty="0">
-                <a:latin typeface="Consolas" pitchFamily="49" charset="0"/>
-                <a:cs typeface="Consolas" pitchFamily="49" charset="0"/>
-              </a:rPr>
-              <a:t>;</a:t>
-            </a:r>
-          </a:p>
-          <a:p>
-            <a:r>
-              <a:rPr lang="pt-BR" sz="1600" dirty="0">
-                <a:latin typeface="Consolas" pitchFamily="49" charset="0"/>
-                <a:cs typeface="Consolas" pitchFamily="49" charset="0"/>
-              </a:rPr>
-              <a:t>     cout &lt;&lt; </a:t>
-            </a:r>
-            <a:r>
-              <a:rPr lang="pt-BR" sz="1600" dirty="0">
-                <a:solidFill>
-                  <a:schemeClr val="accent2">
-                    <a:lumMod val="60000"/>
-                    <a:lumOff val="40000"/>
-                  </a:schemeClr>
-                </a:solidFill>
-                <a:latin typeface="Consolas" pitchFamily="49" charset="0"/>
-                <a:cs typeface="Consolas" pitchFamily="49" charset="0"/>
-              </a:rPr>
-              <a:t>"Quatro últimos  "</a:t>
-            </a:r>
-            <a:r>
-              <a:rPr lang="pt-BR" sz="1600" dirty="0">
-                <a:latin typeface="Consolas" pitchFamily="49" charset="0"/>
-                <a:cs typeface="Consolas" pitchFamily="49" charset="0"/>
-              </a:rPr>
-              <a:t> &lt;&lt; </a:t>
-            </a:r>
-            <a:r>
-              <a:rPr lang="pt-BR" sz="1600" dirty="0" err="1">
-                <a:latin typeface="Consolas" pitchFamily="49" charset="0"/>
-                <a:cs typeface="Consolas" pitchFamily="49" charset="0"/>
-              </a:rPr>
-              <a:t>somaVetor</a:t>
-            </a:r>
-            <a:r>
-              <a:rPr lang="pt-BR" sz="1600" dirty="0">
-                <a:latin typeface="Consolas" pitchFamily="49" charset="0"/>
-                <a:cs typeface="Consolas" pitchFamily="49" charset="0"/>
-              </a:rPr>
-              <a:t>(vendas + 3, 4)  &lt;&lt; </a:t>
-            </a:r>
-            <a:r>
-              <a:rPr lang="pt-BR" sz="1600" dirty="0" err="1">
-                <a:latin typeface="Consolas" pitchFamily="49" charset="0"/>
-                <a:cs typeface="Consolas" pitchFamily="49" charset="0"/>
-              </a:rPr>
-              <a:t>endl</a:t>
-            </a:r>
-            <a:r>
-              <a:rPr lang="pt-BR" sz="1600" dirty="0">
-                <a:latin typeface="Consolas" pitchFamily="49" charset="0"/>
-                <a:cs typeface="Consolas" pitchFamily="49" charset="0"/>
-              </a:rPr>
-              <a:t>;</a:t>
-            </a:r>
-          </a:p>
-          <a:p>
-            <a:r>
-              <a:rPr lang="pt-BR" sz="1600" dirty="0">
+              <a:rPr lang="pt-BR" sz="1400" dirty="0" err="1">
+                <a:solidFill>
+                  <a:schemeClr val="accent3">
+                    <a:lumMod val="75000"/>
+                  </a:schemeClr>
+                </a:solidFill>
+                <a:latin typeface="Consolas" pitchFamily="49" charset="0"/>
+                <a:cs typeface="Consolas" pitchFamily="49" charset="0"/>
+              </a:rPr>
+              <a:t>return</a:t>
+            </a:r>
+            <a:r>
+              <a:rPr lang="pt-BR" sz="1400" dirty="0">
+                <a:latin typeface="Consolas" pitchFamily="49" charset="0"/>
+                <a:cs typeface="Consolas" pitchFamily="49" charset="0"/>
+              </a:rPr>
+              <a:t> soma;</a:t>
+            </a:r>
+          </a:p>
+          <a:p>
+            <a:r>
+              <a:rPr lang="pt-BR" sz="1400" dirty="0">
                 <a:latin typeface="Consolas" pitchFamily="49" charset="0"/>
                 <a:cs typeface="Consolas" pitchFamily="49" charset="0"/>
               </a:rPr>
               <a:t>}</a:t>
             </a:r>
-          </a:p>
-        </p:txBody>
-      </p:sp>
-      <p:sp>
-        <p:nvSpPr>
-          <p:cNvPr id="5" name="Retângulo 4"/>
-          <p:cNvSpPr/>
-          <p:nvPr/>
-        </p:nvSpPr>
-        <p:spPr>
-          <a:xfrm>
-            <a:off x="7392144" y="620688"/>
-            <a:ext cx="4464496" cy="3293209"/>
-          </a:xfrm>
-          <a:prstGeom prst="rect">
-            <a:avLst/>
-          </a:prstGeom>
-          <a:ln>
-            <a:noFill/>
-          </a:ln>
-          <a:effectLst>
-            <a:outerShdw blurRad="225425" dist="50800" dir="5220000" algn="ctr">
-              <a:srgbClr val="000000">
-                <a:alpha val="33000"/>
-              </a:srgbClr>
-            </a:outerShdw>
-          </a:effectLst>
-        </p:spPr>
-        <p:txBody>
-          <a:bodyPr wrap="square" lIns="252000">
-            <a:spAutoFit/>
-          </a:bodyPr>
-          <a:lstStyle/>
-          <a:p>
-            <a:endParaRPr lang="pt-BR" sz="1600" dirty="0">
-              <a:solidFill>
-                <a:schemeClr val="accent3">
-                  <a:lumMod val="75000"/>
-                </a:schemeClr>
-              </a:solidFill>
-              <a:latin typeface="Consolas" pitchFamily="49" charset="0"/>
-              <a:cs typeface="Consolas" pitchFamily="49" charset="0"/>
-            </a:endParaRPr>
-          </a:p>
-          <a:p>
-            <a:r>
-              <a:rPr lang="pt-BR" sz="1600" dirty="0" err="1">
-                <a:solidFill>
-                  <a:schemeClr val="accent3">
-                    <a:lumMod val="75000"/>
-                  </a:schemeClr>
-                </a:solidFill>
-                <a:latin typeface="Consolas" pitchFamily="49" charset="0"/>
-                <a:cs typeface="Consolas" pitchFamily="49" charset="0"/>
-              </a:rPr>
-              <a:t>int</a:t>
-            </a:r>
-            <a:r>
-              <a:rPr lang="pt-BR" sz="1600" dirty="0">
-                <a:latin typeface="Consolas" pitchFamily="49" charset="0"/>
-                <a:cs typeface="Consolas" pitchFamily="49" charset="0"/>
-              </a:rPr>
-              <a:t> </a:t>
-            </a:r>
-            <a:r>
-              <a:rPr lang="pt-BR" sz="1600" dirty="0" err="1">
-                <a:latin typeface="Consolas" pitchFamily="49" charset="0"/>
-                <a:cs typeface="Consolas" pitchFamily="49" charset="0"/>
-              </a:rPr>
-              <a:t>somaVetor</a:t>
-            </a:r>
-            <a:r>
-              <a:rPr lang="pt-BR" sz="1600" dirty="0">
-                <a:latin typeface="Consolas" pitchFamily="49" charset="0"/>
-                <a:cs typeface="Consolas" pitchFamily="49" charset="0"/>
-              </a:rPr>
-              <a:t>(</a:t>
-            </a:r>
-            <a:r>
-              <a:rPr lang="pt-BR" sz="1600" dirty="0" err="1">
-                <a:solidFill>
-                  <a:schemeClr val="accent3">
-                    <a:lumMod val="75000"/>
-                  </a:schemeClr>
-                </a:solidFill>
-                <a:latin typeface="Consolas" pitchFamily="49" charset="0"/>
-                <a:cs typeface="Consolas" pitchFamily="49" charset="0"/>
-              </a:rPr>
-              <a:t>int</a:t>
-            </a:r>
-            <a:r>
-              <a:rPr lang="pt-BR" sz="1600" dirty="0">
-                <a:latin typeface="Consolas" pitchFamily="49" charset="0"/>
-                <a:cs typeface="Consolas" pitchFamily="49" charset="0"/>
-              </a:rPr>
-              <a:t> </a:t>
-            </a:r>
-            <a:r>
-              <a:rPr lang="pt-BR" sz="1600" dirty="0" err="1">
-                <a:latin typeface="Consolas" pitchFamily="49" charset="0"/>
-                <a:cs typeface="Consolas" pitchFamily="49" charset="0"/>
-              </a:rPr>
-              <a:t>vet</a:t>
-            </a:r>
-            <a:r>
-              <a:rPr lang="pt-BR" sz="1600" dirty="0">
-                <a:latin typeface="Consolas" pitchFamily="49" charset="0"/>
-                <a:cs typeface="Consolas" pitchFamily="49" charset="0"/>
-              </a:rPr>
-              <a:t>[], </a:t>
-            </a:r>
-            <a:r>
-              <a:rPr lang="pt-BR" sz="1600" dirty="0" err="1">
-                <a:solidFill>
-                  <a:schemeClr val="accent3">
-                    <a:lumMod val="75000"/>
-                  </a:schemeClr>
-                </a:solidFill>
-                <a:latin typeface="Consolas" pitchFamily="49" charset="0"/>
-                <a:cs typeface="Consolas" pitchFamily="49" charset="0"/>
-              </a:rPr>
-              <a:t>int</a:t>
-            </a:r>
-            <a:r>
-              <a:rPr lang="pt-BR" sz="1600" dirty="0">
-                <a:latin typeface="Consolas" pitchFamily="49" charset="0"/>
-                <a:cs typeface="Consolas" pitchFamily="49" charset="0"/>
-              </a:rPr>
-              <a:t> n)</a:t>
-            </a:r>
-          </a:p>
-          <a:p>
-            <a:r>
-              <a:rPr lang="pt-BR" sz="1600" dirty="0">
-                <a:latin typeface="Consolas" pitchFamily="49" charset="0"/>
-                <a:cs typeface="Consolas" pitchFamily="49" charset="0"/>
-              </a:rPr>
-              <a:t>{ </a:t>
-            </a:r>
-          </a:p>
-          <a:p>
-            <a:r>
-              <a:rPr lang="pt-BR" sz="1600" dirty="0">
-                <a:latin typeface="Consolas" pitchFamily="49" charset="0"/>
-                <a:cs typeface="Consolas" pitchFamily="49" charset="0"/>
-              </a:rPr>
-              <a:t>     cout &lt;&lt; </a:t>
-            </a:r>
-            <a:r>
-              <a:rPr lang="pt-BR" sz="1600" dirty="0">
-                <a:solidFill>
-                  <a:schemeClr val="accent2">
-                    <a:lumMod val="60000"/>
-                    <a:lumOff val="40000"/>
-                  </a:schemeClr>
-                </a:solidFill>
-                <a:latin typeface="Consolas" pitchFamily="49" charset="0"/>
-                <a:cs typeface="Consolas" pitchFamily="49" charset="0"/>
-              </a:rPr>
-              <a:t>"(</a:t>
-            </a:r>
-            <a:r>
-              <a:rPr lang="pt-BR" sz="1600" dirty="0" err="1">
-                <a:solidFill>
-                  <a:schemeClr val="accent2">
-                    <a:lumMod val="60000"/>
-                    <a:lumOff val="40000"/>
-                  </a:schemeClr>
-                </a:solidFill>
-                <a:latin typeface="Consolas" pitchFamily="49" charset="0"/>
-                <a:cs typeface="Consolas" pitchFamily="49" charset="0"/>
-              </a:rPr>
-              <a:t>vet</a:t>
-            </a:r>
-            <a:r>
-              <a:rPr lang="pt-BR" sz="1600" dirty="0">
-                <a:solidFill>
-                  <a:schemeClr val="accent2">
-                    <a:lumMod val="60000"/>
-                    <a:lumOff val="40000"/>
-                  </a:schemeClr>
-                </a:solidFill>
-                <a:latin typeface="Consolas" pitchFamily="49" charset="0"/>
-                <a:cs typeface="Consolas" pitchFamily="49" charset="0"/>
-              </a:rPr>
-              <a:t> = " </a:t>
-            </a:r>
-            <a:r>
-              <a:rPr lang="pt-BR" sz="1600" dirty="0">
-                <a:latin typeface="Consolas" pitchFamily="49" charset="0"/>
-                <a:cs typeface="Consolas" pitchFamily="49" charset="0"/>
-              </a:rPr>
-              <a:t>&lt;&lt; </a:t>
-            </a:r>
-            <a:r>
-              <a:rPr lang="pt-BR" sz="1600" dirty="0" err="1">
-                <a:latin typeface="Consolas" pitchFamily="49" charset="0"/>
-                <a:cs typeface="Consolas" pitchFamily="49" charset="0"/>
-              </a:rPr>
-              <a:t>vet</a:t>
-            </a:r>
-            <a:endParaRPr lang="pt-BR" sz="1600" dirty="0">
-              <a:latin typeface="Consolas" pitchFamily="49" charset="0"/>
-              <a:cs typeface="Consolas" pitchFamily="49" charset="0"/>
-            </a:endParaRPr>
-          </a:p>
-          <a:p>
-            <a:r>
-              <a:rPr lang="pt-BR" sz="1600" dirty="0">
-                <a:latin typeface="Consolas" pitchFamily="49" charset="0"/>
-                <a:cs typeface="Consolas" pitchFamily="49" charset="0"/>
-              </a:rPr>
-              <a:t>          &lt;&lt; </a:t>
-            </a:r>
-            <a:r>
-              <a:rPr lang="pt-BR" sz="1600" dirty="0">
-                <a:solidFill>
-                  <a:schemeClr val="accent2">
-                    <a:lumMod val="60000"/>
-                    <a:lumOff val="40000"/>
-                  </a:schemeClr>
-                </a:solidFill>
-                <a:latin typeface="Consolas" pitchFamily="49" charset="0"/>
-                <a:cs typeface="Consolas" pitchFamily="49" charset="0"/>
-              </a:rPr>
-              <a:t>", tamanho de </a:t>
-            </a:r>
-            <a:r>
-              <a:rPr lang="pt-BR" sz="1600" dirty="0" err="1">
-                <a:solidFill>
-                  <a:schemeClr val="accent2">
-                    <a:lumMod val="60000"/>
-                    <a:lumOff val="40000"/>
-                  </a:schemeClr>
-                </a:solidFill>
-                <a:latin typeface="Consolas" pitchFamily="49" charset="0"/>
-                <a:cs typeface="Consolas" pitchFamily="49" charset="0"/>
-              </a:rPr>
-              <a:t>vet</a:t>
-            </a:r>
-            <a:r>
-              <a:rPr lang="pt-BR" sz="1600" dirty="0">
-                <a:solidFill>
-                  <a:schemeClr val="accent2">
-                    <a:lumMod val="60000"/>
-                    <a:lumOff val="40000"/>
-                  </a:schemeClr>
-                </a:solidFill>
-                <a:latin typeface="Consolas" pitchFamily="49" charset="0"/>
-                <a:cs typeface="Consolas" pitchFamily="49" charset="0"/>
-              </a:rPr>
-              <a:t> = "     </a:t>
-            </a:r>
-          </a:p>
-          <a:p>
-            <a:r>
-              <a:rPr lang="pt-BR" sz="1600" dirty="0">
-                <a:solidFill>
-                  <a:schemeClr val="accent2">
-                    <a:lumMod val="60000"/>
-                    <a:lumOff val="40000"/>
-                  </a:schemeClr>
-                </a:solidFill>
-                <a:latin typeface="Consolas" pitchFamily="49" charset="0"/>
-                <a:cs typeface="Consolas" pitchFamily="49" charset="0"/>
-              </a:rPr>
-              <a:t>          </a:t>
-            </a:r>
-            <a:r>
-              <a:rPr lang="pt-BR" sz="1600" dirty="0">
-                <a:latin typeface="Consolas" pitchFamily="49" charset="0"/>
-                <a:cs typeface="Consolas" pitchFamily="49" charset="0"/>
-              </a:rPr>
-              <a:t>&lt;&lt; </a:t>
-            </a:r>
-            <a:r>
-              <a:rPr lang="pt-BR" sz="1600" dirty="0" err="1">
-                <a:solidFill>
-                  <a:schemeClr val="accent3">
-                    <a:lumMod val="75000"/>
-                  </a:schemeClr>
-                </a:solidFill>
-                <a:latin typeface="Consolas" pitchFamily="49" charset="0"/>
-                <a:cs typeface="Consolas" pitchFamily="49" charset="0"/>
-              </a:rPr>
-              <a:t>sizeof</a:t>
-            </a:r>
-            <a:r>
-              <a:rPr lang="pt-BR" sz="1600" dirty="0">
-                <a:solidFill>
-                  <a:schemeClr val="accent3">
-                    <a:lumMod val="75000"/>
-                  </a:schemeClr>
-                </a:solidFill>
-                <a:latin typeface="Consolas" pitchFamily="49" charset="0"/>
-                <a:cs typeface="Consolas" pitchFamily="49" charset="0"/>
-              </a:rPr>
-              <a:t> </a:t>
-            </a:r>
-            <a:r>
-              <a:rPr lang="pt-BR" sz="1600" dirty="0" err="1">
-                <a:latin typeface="Consolas" pitchFamily="49" charset="0"/>
-                <a:cs typeface="Consolas" pitchFamily="49" charset="0"/>
-              </a:rPr>
-              <a:t>vet</a:t>
-            </a:r>
-            <a:r>
-              <a:rPr lang="pt-BR" sz="1600" dirty="0">
-                <a:latin typeface="Consolas" pitchFamily="49" charset="0"/>
-                <a:cs typeface="Consolas" pitchFamily="49" charset="0"/>
-              </a:rPr>
-              <a:t> &lt;&lt; </a:t>
-            </a:r>
-            <a:r>
-              <a:rPr lang="pt-BR" sz="1600" dirty="0">
-                <a:solidFill>
-                  <a:schemeClr val="accent2">
-                    <a:lumMod val="60000"/>
-                    <a:lumOff val="40000"/>
-                  </a:schemeClr>
-                </a:solidFill>
-                <a:latin typeface="Consolas" pitchFamily="49" charset="0"/>
-              </a:rPr>
-              <a:t>"): "</a:t>
-            </a:r>
-            <a:r>
-              <a:rPr lang="pt-BR" sz="1600" dirty="0">
-                <a:latin typeface="Consolas" pitchFamily="49" charset="0"/>
-                <a:cs typeface="Consolas" pitchFamily="49" charset="0"/>
-              </a:rPr>
-              <a:t>;</a:t>
-            </a:r>
-          </a:p>
-          <a:p>
-            <a:endParaRPr lang="pt-BR" sz="1600" dirty="0">
-              <a:latin typeface="Consolas" pitchFamily="49" charset="0"/>
-              <a:cs typeface="Consolas" pitchFamily="49" charset="0"/>
-            </a:endParaRPr>
-          </a:p>
-          <a:p>
-            <a:r>
-              <a:rPr lang="pt-BR" sz="1600" dirty="0">
-                <a:solidFill>
-                  <a:schemeClr val="accent3">
-                    <a:lumMod val="75000"/>
-                  </a:schemeClr>
-                </a:solidFill>
-                <a:latin typeface="Consolas" pitchFamily="49" charset="0"/>
-                <a:cs typeface="Consolas" pitchFamily="49" charset="0"/>
-              </a:rPr>
-              <a:t>     </a:t>
-            </a:r>
-            <a:r>
-              <a:rPr lang="pt-BR" sz="1600" dirty="0" err="1">
-                <a:solidFill>
-                  <a:schemeClr val="accent3">
-                    <a:lumMod val="75000"/>
-                  </a:schemeClr>
-                </a:solidFill>
-                <a:latin typeface="Consolas" pitchFamily="49" charset="0"/>
-                <a:cs typeface="Consolas" pitchFamily="49" charset="0"/>
-              </a:rPr>
-              <a:t>int</a:t>
-            </a:r>
-            <a:r>
-              <a:rPr lang="pt-BR" sz="1600" dirty="0">
-                <a:latin typeface="Consolas" pitchFamily="49" charset="0"/>
-                <a:cs typeface="Consolas" pitchFamily="49" charset="0"/>
-              </a:rPr>
-              <a:t> soma = 0;</a:t>
-            </a:r>
-          </a:p>
-          <a:p>
-            <a:r>
-              <a:rPr lang="pt-BR" sz="1600" dirty="0">
-                <a:latin typeface="Consolas" pitchFamily="49" charset="0"/>
-                <a:cs typeface="Consolas" pitchFamily="49" charset="0"/>
-              </a:rPr>
-              <a:t>     for (</a:t>
-            </a:r>
-            <a:r>
-              <a:rPr lang="pt-BR" sz="1600" dirty="0" err="1">
-                <a:solidFill>
-                  <a:schemeClr val="accent3">
-                    <a:lumMod val="75000"/>
-                  </a:schemeClr>
-                </a:solidFill>
-                <a:latin typeface="Consolas" pitchFamily="49" charset="0"/>
-                <a:cs typeface="Consolas" pitchFamily="49" charset="0"/>
-              </a:rPr>
-              <a:t>int</a:t>
-            </a:r>
-            <a:r>
-              <a:rPr lang="pt-BR" sz="1600" dirty="0">
-                <a:latin typeface="Consolas" pitchFamily="49" charset="0"/>
-                <a:cs typeface="Consolas" pitchFamily="49" charset="0"/>
-              </a:rPr>
-              <a:t> i = 0; i &lt; n; i++)</a:t>
-            </a:r>
-          </a:p>
-          <a:p>
-            <a:r>
-              <a:rPr lang="pt-BR" sz="1600" dirty="0">
-                <a:latin typeface="Consolas" pitchFamily="49" charset="0"/>
-                <a:cs typeface="Consolas" pitchFamily="49" charset="0"/>
-              </a:rPr>
-              <a:t>        soma += </a:t>
-            </a:r>
-            <a:r>
-              <a:rPr lang="pt-BR" sz="1600" dirty="0" err="1">
-                <a:latin typeface="Consolas" pitchFamily="49" charset="0"/>
-                <a:cs typeface="Consolas" pitchFamily="49" charset="0"/>
-              </a:rPr>
-              <a:t>vet</a:t>
-            </a:r>
-            <a:r>
-              <a:rPr lang="pt-BR" sz="1600" dirty="0">
-                <a:latin typeface="Consolas" pitchFamily="49" charset="0"/>
-                <a:cs typeface="Consolas" pitchFamily="49" charset="0"/>
-              </a:rPr>
-              <a:t>[i];</a:t>
-            </a:r>
-          </a:p>
-          <a:p>
-            <a:r>
-              <a:rPr lang="pt-BR" sz="1600" dirty="0">
-                <a:latin typeface="Consolas" pitchFamily="49" charset="0"/>
-                <a:cs typeface="Consolas" pitchFamily="49" charset="0"/>
-              </a:rPr>
-              <a:t>     </a:t>
-            </a:r>
-            <a:r>
-              <a:rPr lang="pt-BR" sz="1600" dirty="0" err="1">
-                <a:solidFill>
-                  <a:schemeClr val="accent3">
-                    <a:lumMod val="75000"/>
-                  </a:schemeClr>
-                </a:solidFill>
-                <a:latin typeface="Consolas" pitchFamily="49" charset="0"/>
-                <a:cs typeface="Consolas" pitchFamily="49" charset="0"/>
-              </a:rPr>
-              <a:t>return</a:t>
-            </a:r>
-            <a:r>
-              <a:rPr lang="pt-BR" sz="1600" dirty="0">
-                <a:latin typeface="Consolas" pitchFamily="49" charset="0"/>
-                <a:cs typeface="Consolas" pitchFamily="49" charset="0"/>
-              </a:rPr>
-              <a:t> soma;</a:t>
-            </a:r>
-          </a:p>
-          <a:p>
-            <a:r>
-              <a:rPr lang="pt-BR" sz="1600" dirty="0">
-                <a:latin typeface="Consolas" pitchFamily="49" charset="0"/>
-                <a:cs typeface="Consolas" pitchFamily="49" charset="0"/>
-              </a:rPr>
-              <a:t>}</a:t>
-            </a:r>
-          </a:p>
-          <a:p>
-            <a:endParaRPr lang="pt-BR" sz="1600" dirty="0">
-              <a:latin typeface="Consolas" pitchFamily="49" charset="0"/>
-              <a:cs typeface="Consolas" pitchFamily="49" charset="0"/>
-            </a:endParaRPr>
           </a:p>
         </p:txBody>
       </p:sp>
@@ -11720,6 +11211,703 @@
                 <a:latin typeface="+mj-lt"/>
               </a:rPr>
               <a:t>// TamVet.cpp</a:t>
+            </a:r>
+          </a:p>
+        </p:txBody>
+      </p:sp>
+      <p:sp>
+        <p:nvSpPr>
+          <p:cNvPr id="7" name="CaixaDeTexto 6">
+            <a:extLst>
+              <a:ext uri="{FF2B5EF4-FFF2-40B4-BE49-F238E27FC236}">
+                <a16:creationId xmlns:a16="http://schemas.microsoft.com/office/drawing/2014/main" id="{17FE0221-1203-46C8-AE6F-2C1451334951}"/>
+              </a:ext>
+            </a:extLst>
+          </p:cNvPr>
+          <p:cNvSpPr txBox="1"/>
+          <p:nvPr/>
+        </p:nvSpPr>
+        <p:spPr>
+          <a:xfrm>
+            <a:off x="1343472" y="1844824"/>
+            <a:ext cx="5616624" cy="4401205"/>
+          </a:xfrm>
+          <a:prstGeom prst="rect">
+            <a:avLst/>
+          </a:prstGeom>
+          <a:noFill/>
+        </p:spPr>
+        <p:txBody>
+          <a:bodyPr wrap="square">
+            <a:spAutoFit/>
+          </a:bodyPr>
+          <a:lstStyle/>
+          <a:p>
+            <a:r>
+              <a:rPr lang="pt-BR" sz="1400" dirty="0">
+                <a:solidFill>
+                  <a:schemeClr val="accent3">
+                    <a:lumMod val="75000"/>
+                  </a:schemeClr>
+                </a:solidFill>
+                <a:latin typeface="Consolas" pitchFamily="49" charset="0"/>
+                <a:cs typeface="Consolas" pitchFamily="49" charset="0"/>
+              </a:rPr>
+              <a:t>#include </a:t>
+            </a:r>
+            <a:r>
+              <a:rPr lang="pt-BR" sz="1400" dirty="0">
+                <a:solidFill>
+                  <a:schemeClr val="accent2">
+                    <a:lumMod val="60000"/>
+                    <a:lumOff val="40000"/>
+                  </a:schemeClr>
+                </a:solidFill>
+                <a:latin typeface="Consolas" pitchFamily="49" charset="0"/>
+                <a:cs typeface="Consolas" pitchFamily="49" charset="0"/>
+              </a:rPr>
+              <a:t>&lt;</a:t>
+            </a:r>
+            <a:r>
+              <a:rPr lang="pt-BR" sz="1400" dirty="0" err="1">
+                <a:solidFill>
+                  <a:schemeClr val="accent2">
+                    <a:lumMod val="60000"/>
+                    <a:lumOff val="40000"/>
+                  </a:schemeClr>
+                </a:solidFill>
+                <a:latin typeface="Consolas" pitchFamily="49" charset="0"/>
+                <a:cs typeface="Consolas" pitchFamily="49" charset="0"/>
+              </a:rPr>
+              <a:t>iostream</a:t>
+            </a:r>
+            <a:r>
+              <a:rPr lang="pt-BR" sz="1400" dirty="0">
+                <a:solidFill>
+                  <a:schemeClr val="accent2">
+                    <a:lumMod val="60000"/>
+                    <a:lumOff val="40000"/>
+                  </a:schemeClr>
+                </a:solidFill>
+                <a:latin typeface="Consolas" pitchFamily="49" charset="0"/>
+                <a:cs typeface="Consolas" pitchFamily="49" charset="0"/>
+              </a:rPr>
+              <a:t>&gt;</a:t>
+            </a:r>
+          </a:p>
+          <a:p>
+            <a:r>
+              <a:rPr lang="pt-BR" sz="1400" dirty="0" err="1">
+                <a:solidFill>
+                  <a:schemeClr val="accent3">
+                    <a:lumMod val="75000"/>
+                  </a:schemeClr>
+                </a:solidFill>
+                <a:latin typeface="Consolas" pitchFamily="49" charset="0"/>
+                <a:cs typeface="Consolas" pitchFamily="49" charset="0"/>
+              </a:rPr>
+              <a:t>using</a:t>
+            </a:r>
+            <a:r>
+              <a:rPr lang="pt-BR" sz="1400" dirty="0">
+                <a:solidFill>
+                  <a:schemeClr val="accent3">
+                    <a:lumMod val="75000"/>
+                  </a:schemeClr>
+                </a:solidFill>
+                <a:latin typeface="Consolas" pitchFamily="49" charset="0"/>
+                <a:cs typeface="Consolas" pitchFamily="49" charset="0"/>
+              </a:rPr>
+              <a:t> </a:t>
+            </a:r>
+            <a:r>
+              <a:rPr lang="pt-BR" sz="1400" dirty="0" err="1">
+                <a:solidFill>
+                  <a:schemeClr val="accent3">
+                    <a:lumMod val="75000"/>
+                  </a:schemeClr>
+                </a:solidFill>
+                <a:latin typeface="Consolas" pitchFamily="49" charset="0"/>
+                <a:cs typeface="Consolas" pitchFamily="49" charset="0"/>
+              </a:rPr>
+              <a:t>namespace</a:t>
+            </a:r>
+            <a:r>
+              <a:rPr lang="pt-BR" sz="1400" dirty="0">
+                <a:solidFill>
+                  <a:schemeClr val="accent3">
+                    <a:lumMod val="75000"/>
+                  </a:schemeClr>
+                </a:solidFill>
+                <a:latin typeface="Consolas" pitchFamily="49" charset="0"/>
+                <a:cs typeface="Consolas" pitchFamily="49" charset="0"/>
+              </a:rPr>
+              <a:t> </a:t>
+            </a:r>
+            <a:r>
+              <a:rPr lang="pt-BR" sz="1400" dirty="0" err="1">
+                <a:latin typeface="Consolas" pitchFamily="49" charset="0"/>
+                <a:cs typeface="Consolas" pitchFamily="49" charset="0"/>
+              </a:rPr>
+              <a:t>std</a:t>
+            </a:r>
+            <a:r>
+              <a:rPr lang="pt-BR" sz="1400" dirty="0">
+                <a:latin typeface="Consolas" pitchFamily="49" charset="0"/>
+                <a:cs typeface="Consolas" pitchFamily="49" charset="0"/>
+              </a:rPr>
+              <a:t>; </a:t>
+            </a:r>
+            <a:br>
+              <a:rPr lang="pt-BR" sz="1400" dirty="0">
+                <a:latin typeface="Consolas" pitchFamily="49" charset="0"/>
+                <a:cs typeface="Consolas" pitchFamily="49" charset="0"/>
+              </a:rPr>
+            </a:br>
+            <a:endParaRPr lang="pt-BR" sz="1400" dirty="0">
+              <a:latin typeface="Consolas" pitchFamily="49" charset="0"/>
+              <a:cs typeface="Consolas" pitchFamily="49" charset="0"/>
+            </a:endParaRPr>
+          </a:p>
+          <a:p>
+            <a:r>
+              <a:rPr lang="pt-BR" sz="1400" dirty="0" err="1">
+                <a:solidFill>
+                  <a:schemeClr val="accent3">
+                    <a:lumMod val="75000"/>
+                  </a:schemeClr>
+                </a:solidFill>
+                <a:latin typeface="Consolas" pitchFamily="49" charset="0"/>
+                <a:cs typeface="Consolas" pitchFamily="49" charset="0"/>
+              </a:rPr>
+              <a:t>int</a:t>
+            </a:r>
+            <a:r>
+              <a:rPr lang="pt-BR" sz="1400" dirty="0">
+                <a:latin typeface="Consolas" pitchFamily="49" charset="0"/>
+                <a:cs typeface="Consolas" pitchFamily="49" charset="0"/>
+              </a:rPr>
+              <a:t> </a:t>
+            </a:r>
+            <a:r>
+              <a:rPr lang="pt-BR" sz="1400" dirty="0" err="1">
+                <a:latin typeface="Consolas" pitchFamily="49" charset="0"/>
+                <a:cs typeface="Consolas" pitchFamily="49" charset="0"/>
+              </a:rPr>
+              <a:t>somaVetor</a:t>
+            </a:r>
+            <a:r>
+              <a:rPr lang="pt-BR" sz="1400" dirty="0">
+                <a:latin typeface="Consolas" pitchFamily="49" charset="0"/>
+                <a:cs typeface="Consolas" pitchFamily="49" charset="0"/>
+              </a:rPr>
+              <a:t>(</a:t>
+            </a:r>
+            <a:r>
+              <a:rPr lang="pt-BR" sz="1400" dirty="0" err="1">
+                <a:solidFill>
+                  <a:schemeClr val="accent3">
+                    <a:lumMod val="75000"/>
+                  </a:schemeClr>
+                </a:solidFill>
+                <a:latin typeface="Consolas" pitchFamily="49" charset="0"/>
+                <a:cs typeface="Consolas" pitchFamily="49" charset="0"/>
+              </a:rPr>
+              <a:t>int</a:t>
+            </a:r>
+            <a:r>
+              <a:rPr lang="pt-BR" sz="1400" dirty="0">
+                <a:latin typeface="Consolas" pitchFamily="49" charset="0"/>
+                <a:cs typeface="Consolas" pitchFamily="49" charset="0"/>
+              </a:rPr>
+              <a:t> [], </a:t>
+            </a:r>
+            <a:r>
+              <a:rPr lang="pt-BR" sz="1400" dirty="0" err="1">
+                <a:solidFill>
+                  <a:schemeClr val="accent3">
+                    <a:lumMod val="75000"/>
+                  </a:schemeClr>
+                </a:solidFill>
+                <a:latin typeface="Consolas" pitchFamily="49" charset="0"/>
+                <a:cs typeface="Consolas" pitchFamily="49" charset="0"/>
+              </a:rPr>
+              <a:t>int</a:t>
+            </a:r>
+            <a:r>
+              <a:rPr lang="pt-BR" sz="1400" dirty="0">
+                <a:latin typeface="Consolas" pitchFamily="49" charset="0"/>
+                <a:cs typeface="Consolas" pitchFamily="49" charset="0"/>
+              </a:rPr>
+              <a:t>);</a:t>
+            </a:r>
+            <a:br>
+              <a:rPr lang="pt-BR" sz="1400" dirty="0">
+                <a:latin typeface="Consolas" pitchFamily="49" charset="0"/>
+                <a:cs typeface="Consolas" pitchFamily="49" charset="0"/>
+              </a:rPr>
+            </a:br>
+            <a:endParaRPr lang="pt-BR" sz="1400" dirty="0">
+              <a:solidFill>
+                <a:schemeClr val="accent3">
+                  <a:lumMod val="75000"/>
+                </a:schemeClr>
+              </a:solidFill>
+              <a:latin typeface="Consolas" pitchFamily="49" charset="0"/>
+              <a:cs typeface="Consolas" pitchFamily="49" charset="0"/>
+            </a:endParaRPr>
+          </a:p>
+          <a:p>
+            <a:r>
+              <a:rPr lang="pt-BR" sz="1400" dirty="0" err="1">
+                <a:solidFill>
+                  <a:schemeClr val="accent3">
+                    <a:lumMod val="75000"/>
+                  </a:schemeClr>
+                </a:solidFill>
+                <a:latin typeface="Consolas" pitchFamily="49" charset="0"/>
+                <a:cs typeface="Consolas" pitchFamily="49" charset="0"/>
+              </a:rPr>
+              <a:t>int</a:t>
+            </a:r>
+            <a:r>
+              <a:rPr lang="pt-BR" sz="1400" dirty="0">
+                <a:latin typeface="Consolas" pitchFamily="49" charset="0"/>
+                <a:cs typeface="Consolas" pitchFamily="49" charset="0"/>
+              </a:rPr>
+              <a:t> </a:t>
+            </a:r>
+            <a:r>
+              <a:rPr lang="pt-BR" sz="1400" dirty="0" err="1">
+                <a:latin typeface="Consolas" pitchFamily="49" charset="0"/>
+                <a:cs typeface="Consolas" pitchFamily="49" charset="0"/>
+              </a:rPr>
+              <a:t>main</a:t>
+            </a:r>
+            <a:r>
+              <a:rPr lang="pt-BR" sz="1400" dirty="0">
+                <a:latin typeface="Consolas" pitchFamily="49" charset="0"/>
+                <a:cs typeface="Consolas" pitchFamily="49" charset="0"/>
+              </a:rPr>
+              <a:t>()</a:t>
+            </a:r>
+          </a:p>
+          <a:p>
+            <a:r>
+              <a:rPr lang="pt-BR" sz="1400" dirty="0">
+                <a:latin typeface="Consolas" pitchFamily="49" charset="0"/>
+                <a:cs typeface="Consolas" pitchFamily="49" charset="0"/>
+              </a:rPr>
+              <a:t>{</a:t>
+            </a:r>
+          </a:p>
+          <a:p>
+            <a:r>
+              <a:rPr lang="pt-BR" sz="1400" dirty="0">
+                <a:solidFill>
+                  <a:schemeClr val="accent3">
+                    <a:lumMod val="75000"/>
+                  </a:schemeClr>
+                </a:solidFill>
+                <a:latin typeface="Consolas" pitchFamily="49" charset="0"/>
+                <a:cs typeface="Consolas" pitchFamily="49" charset="0"/>
+              </a:rPr>
+              <a:t>    </a:t>
+            </a:r>
+            <a:r>
+              <a:rPr lang="pt-BR" sz="1400" dirty="0" err="1">
+                <a:solidFill>
+                  <a:schemeClr val="accent3">
+                    <a:lumMod val="75000"/>
+                  </a:schemeClr>
+                </a:solidFill>
+                <a:latin typeface="Consolas" pitchFamily="49" charset="0"/>
+                <a:cs typeface="Consolas" pitchFamily="49" charset="0"/>
+              </a:rPr>
+              <a:t>int</a:t>
+            </a:r>
+            <a:r>
+              <a:rPr lang="pt-BR" sz="1400" dirty="0">
+                <a:latin typeface="Consolas" pitchFamily="49" charset="0"/>
+                <a:cs typeface="Consolas" pitchFamily="49" charset="0"/>
+              </a:rPr>
+              <a:t> vendas[7] = { 1, 1, 0, 4, 1, 3, 0 };</a:t>
+            </a:r>
+          </a:p>
+          <a:p>
+            <a:r>
+              <a:rPr lang="pt-BR" sz="1400" dirty="0">
+                <a:latin typeface="Consolas" pitchFamily="49" charset="0"/>
+                <a:cs typeface="Consolas" pitchFamily="49" charset="0"/>
+              </a:rPr>
+              <a:t>     </a:t>
+            </a:r>
+          </a:p>
+          <a:p>
+            <a:r>
+              <a:rPr lang="pt-BR" sz="1400" dirty="0">
+                <a:latin typeface="Consolas" pitchFamily="49" charset="0"/>
+                <a:cs typeface="Consolas" pitchFamily="49" charset="0"/>
+              </a:rPr>
+              <a:t>    cout &lt;&lt; </a:t>
+            </a:r>
+            <a:r>
+              <a:rPr lang="pt-BR" sz="1400" dirty="0">
+                <a:solidFill>
+                  <a:schemeClr val="accent2">
+                    <a:lumMod val="60000"/>
+                    <a:lumOff val="40000"/>
+                  </a:schemeClr>
+                </a:solidFill>
+                <a:latin typeface="Consolas" pitchFamily="49" charset="0"/>
+                <a:cs typeface="Consolas" pitchFamily="49" charset="0"/>
+              </a:rPr>
+              <a:t>"Endereço de vendas = " </a:t>
+            </a:r>
+            <a:r>
+              <a:rPr lang="pt-BR" sz="1400" dirty="0">
+                <a:latin typeface="Consolas" pitchFamily="49" charset="0"/>
+                <a:cs typeface="Consolas" pitchFamily="49" charset="0"/>
+              </a:rPr>
+              <a:t>&lt;&lt; vendas;</a:t>
+            </a:r>
+          </a:p>
+          <a:p>
+            <a:r>
+              <a:rPr lang="pt-BR" sz="1400" dirty="0">
+                <a:latin typeface="Consolas" pitchFamily="49" charset="0"/>
+                <a:cs typeface="Consolas" pitchFamily="49" charset="0"/>
+              </a:rPr>
+              <a:t>    cout &lt;&lt; </a:t>
+            </a:r>
+            <a:r>
+              <a:rPr lang="pt-BR" sz="1400" dirty="0">
+                <a:solidFill>
+                  <a:schemeClr val="accent2">
+                    <a:lumMod val="60000"/>
+                    <a:lumOff val="40000"/>
+                  </a:schemeClr>
+                </a:solidFill>
+                <a:latin typeface="Consolas" pitchFamily="49" charset="0"/>
+                <a:cs typeface="Consolas" pitchFamily="49" charset="0"/>
+              </a:rPr>
+              <a:t>"Tamanho de vendas = "  </a:t>
+            </a:r>
+            <a:r>
+              <a:rPr lang="pt-BR" sz="1400" dirty="0">
+                <a:latin typeface="Consolas" pitchFamily="49" charset="0"/>
+                <a:cs typeface="Consolas" pitchFamily="49" charset="0"/>
+              </a:rPr>
+              <a:t>&lt;&lt; </a:t>
+            </a:r>
+            <a:r>
+              <a:rPr lang="pt-BR" sz="1400" dirty="0" err="1">
+                <a:solidFill>
+                  <a:schemeClr val="accent3">
+                    <a:lumMod val="75000"/>
+                  </a:schemeClr>
+                </a:solidFill>
+                <a:latin typeface="Consolas" pitchFamily="49" charset="0"/>
+                <a:cs typeface="Consolas" pitchFamily="49" charset="0"/>
+              </a:rPr>
+              <a:t>sizeof</a:t>
+            </a:r>
+            <a:r>
+              <a:rPr lang="pt-BR" sz="1400" dirty="0">
+                <a:solidFill>
+                  <a:schemeClr val="accent3">
+                    <a:lumMod val="75000"/>
+                  </a:schemeClr>
+                </a:solidFill>
+                <a:latin typeface="Consolas" pitchFamily="49" charset="0"/>
+                <a:cs typeface="Consolas" pitchFamily="49" charset="0"/>
+              </a:rPr>
+              <a:t> </a:t>
+            </a:r>
+            <a:r>
+              <a:rPr lang="pt-BR" sz="1400" dirty="0">
+                <a:latin typeface="Consolas" pitchFamily="49" charset="0"/>
+                <a:cs typeface="Consolas" pitchFamily="49" charset="0"/>
+              </a:rPr>
+              <a:t>vendas </a:t>
+            </a:r>
+            <a:br>
+              <a:rPr lang="pt-BR" sz="1400" dirty="0">
+                <a:latin typeface="Consolas" pitchFamily="49" charset="0"/>
+                <a:cs typeface="Consolas" pitchFamily="49" charset="0"/>
+              </a:rPr>
+            </a:br>
+            <a:r>
+              <a:rPr lang="pt-BR" sz="1400" dirty="0">
+                <a:latin typeface="Consolas" pitchFamily="49" charset="0"/>
+                <a:cs typeface="Consolas" pitchFamily="49" charset="0"/>
+              </a:rPr>
+              <a:t>         &lt;&lt; </a:t>
+            </a:r>
+            <a:r>
+              <a:rPr lang="pt-BR" sz="1400" dirty="0" err="1">
+                <a:latin typeface="Consolas" pitchFamily="49" charset="0"/>
+                <a:cs typeface="Consolas" pitchFamily="49" charset="0"/>
+              </a:rPr>
+              <a:t>endl</a:t>
+            </a:r>
+            <a:r>
+              <a:rPr lang="pt-BR" sz="1400" dirty="0">
+                <a:latin typeface="Consolas" pitchFamily="49" charset="0"/>
+                <a:cs typeface="Consolas" pitchFamily="49" charset="0"/>
+              </a:rPr>
+              <a:t> &lt;&lt; </a:t>
+            </a:r>
+            <a:r>
+              <a:rPr lang="pt-BR" sz="1400" dirty="0" err="1">
+                <a:latin typeface="Consolas" pitchFamily="49" charset="0"/>
+                <a:cs typeface="Consolas" pitchFamily="49" charset="0"/>
+              </a:rPr>
+              <a:t>endl</a:t>
+            </a:r>
+            <a:r>
+              <a:rPr lang="pt-BR" sz="1400" dirty="0">
+                <a:latin typeface="Consolas" pitchFamily="49" charset="0"/>
+                <a:cs typeface="Consolas" pitchFamily="49" charset="0"/>
+              </a:rPr>
+              <a:t>;</a:t>
+            </a:r>
+          </a:p>
+          <a:p>
+            <a:endParaRPr lang="pt-BR" sz="1400" dirty="0">
+              <a:latin typeface="Consolas" pitchFamily="49" charset="0"/>
+              <a:cs typeface="Consolas" pitchFamily="49" charset="0"/>
+            </a:endParaRPr>
+          </a:p>
+          <a:p>
+            <a:r>
+              <a:rPr lang="pt-BR" sz="1400" dirty="0">
+                <a:latin typeface="Consolas" pitchFamily="49" charset="0"/>
+                <a:cs typeface="Consolas" pitchFamily="49" charset="0"/>
+              </a:rPr>
+              <a:t>    cout &lt;&lt; </a:t>
+            </a:r>
+            <a:r>
+              <a:rPr lang="pt-BR" sz="1400" dirty="0">
+                <a:solidFill>
+                  <a:schemeClr val="accent2">
+                    <a:lumMod val="60000"/>
+                    <a:lumOff val="40000"/>
+                  </a:schemeClr>
+                </a:solidFill>
+                <a:latin typeface="Consolas" pitchFamily="49" charset="0"/>
+                <a:cs typeface="Consolas" pitchFamily="49" charset="0"/>
+              </a:rPr>
+              <a:t>"Total de vendas " </a:t>
+            </a:r>
+            <a:br>
+              <a:rPr lang="pt-BR" sz="1400" dirty="0">
+                <a:solidFill>
+                  <a:schemeClr val="accent2">
+                    <a:lumMod val="60000"/>
+                    <a:lumOff val="40000"/>
+                  </a:schemeClr>
+                </a:solidFill>
+                <a:latin typeface="Consolas" pitchFamily="49" charset="0"/>
+                <a:cs typeface="Consolas" pitchFamily="49" charset="0"/>
+              </a:rPr>
+            </a:br>
+            <a:r>
+              <a:rPr lang="pt-BR" sz="1400" dirty="0">
+                <a:solidFill>
+                  <a:schemeClr val="accent2">
+                    <a:lumMod val="60000"/>
+                    <a:lumOff val="40000"/>
+                  </a:schemeClr>
+                </a:solidFill>
+                <a:latin typeface="Consolas" pitchFamily="49" charset="0"/>
+                <a:cs typeface="Consolas" pitchFamily="49" charset="0"/>
+              </a:rPr>
+              <a:t>         </a:t>
+            </a:r>
+            <a:r>
+              <a:rPr lang="pt-BR" sz="1400" dirty="0">
+                <a:latin typeface="Consolas" pitchFamily="49" charset="0"/>
+                <a:cs typeface="Consolas" pitchFamily="49" charset="0"/>
+              </a:rPr>
+              <a:t>&lt;&lt; </a:t>
+            </a:r>
+            <a:r>
+              <a:rPr lang="pt-BR" sz="1400" dirty="0" err="1">
+                <a:latin typeface="Consolas" pitchFamily="49" charset="0"/>
+                <a:cs typeface="Consolas" pitchFamily="49" charset="0"/>
+              </a:rPr>
+              <a:t>somaVetor</a:t>
+            </a:r>
+            <a:r>
+              <a:rPr lang="pt-BR" sz="1400" dirty="0">
+                <a:latin typeface="Consolas" pitchFamily="49" charset="0"/>
+                <a:cs typeface="Consolas" pitchFamily="49" charset="0"/>
+              </a:rPr>
+              <a:t>(vendas, 7) &lt;&lt; </a:t>
+            </a:r>
+            <a:r>
+              <a:rPr lang="pt-BR" sz="1400" dirty="0" err="1">
+                <a:latin typeface="Consolas" pitchFamily="49" charset="0"/>
+                <a:cs typeface="Consolas" pitchFamily="49" charset="0"/>
+              </a:rPr>
+              <a:t>endl</a:t>
+            </a:r>
+            <a:r>
+              <a:rPr lang="pt-BR" sz="1400" dirty="0">
+                <a:latin typeface="Consolas" pitchFamily="49" charset="0"/>
+                <a:cs typeface="Consolas" pitchFamily="49" charset="0"/>
+              </a:rPr>
+              <a:t>;</a:t>
+            </a:r>
+          </a:p>
+          <a:p>
+            <a:r>
+              <a:rPr lang="pt-BR" sz="1400" dirty="0">
+                <a:latin typeface="Consolas" pitchFamily="49" charset="0"/>
+                <a:cs typeface="Consolas" pitchFamily="49" charset="0"/>
+              </a:rPr>
+              <a:t>    cout &lt;&lt; </a:t>
+            </a:r>
+            <a:r>
+              <a:rPr lang="pt-BR" sz="1400" dirty="0">
+                <a:solidFill>
+                  <a:schemeClr val="accent2">
+                    <a:lumMod val="60000"/>
+                    <a:lumOff val="40000"/>
+                  </a:schemeClr>
+                </a:solidFill>
+                <a:latin typeface="Consolas" pitchFamily="49" charset="0"/>
+                <a:cs typeface="Consolas" pitchFamily="49" charset="0"/>
+              </a:rPr>
+              <a:t>"Três primeiros  "</a:t>
+            </a:r>
+            <a:r>
+              <a:rPr lang="pt-BR" sz="1400" dirty="0">
+                <a:latin typeface="Consolas" pitchFamily="49" charset="0"/>
+                <a:cs typeface="Consolas" pitchFamily="49" charset="0"/>
+              </a:rPr>
+              <a:t> </a:t>
+            </a:r>
+            <a:br>
+              <a:rPr lang="pt-BR" sz="1400" dirty="0">
+                <a:latin typeface="Consolas" pitchFamily="49" charset="0"/>
+                <a:cs typeface="Consolas" pitchFamily="49" charset="0"/>
+              </a:rPr>
+            </a:br>
+            <a:r>
+              <a:rPr lang="pt-BR" sz="1400" dirty="0">
+                <a:latin typeface="Consolas" pitchFamily="49" charset="0"/>
+                <a:cs typeface="Consolas" pitchFamily="49" charset="0"/>
+              </a:rPr>
+              <a:t>         &lt;&lt; </a:t>
+            </a:r>
+            <a:r>
+              <a:rPr lang="pt-BR" sz="1400" dirty="0" err="1">
+                <a:latin typeface="Consolas" pitchFamily="49" charset="0"/>
+                <a:cs typeface="Consolas" pitchFamily="49" charset="0"/>
+              </a:rPr>
+              <a:t>somaVetor</a:t>
+            </a:r>
+            <a:r>
+              <a:rPr lang="pt-BR" sz="1400" dirty="0">
+                <a:latin typeface="Consolas" pitchFamily="49" charset="0"/>
+                <a:cs typeface="Consolas" pitchFamily="49" charset="0"/>
+              </a:rPr>
+              <a:t>(vendas, 3) &lt;&lt; </a:t>
+            </a:r>
+            <a:r>
+              <a:rPr lang="pt-BR" sz="1400" dirty="0" err="1">
+                <a:latin typeface="Consolas" pitchFamily="49" charset="0"/>
+                <a:cs typeface="Consolas" pitchFamily="49" charset="0"/>
+              </a:rPr>
+              <a:t>endl</a:t>
+            </a:r>
+            <a:r>
+              <a:rPr lang="pt-BR" sz="1400" dirty="0">
+                <a:latin typeface="Consolas" pitchFamily="49" charset="0"/>
+                <a:cs typeface="Consolas" pitchFamily="49" charset="0"/>
+              </a:rPr>
+              <a:t>;</a:t>
+            </a:r>
+          </a:p>
+          <a:p>
+            <a:r>
+              <a:rPr lang="pt-BR" sz="1400" dirty="0">
+                <a:latin typeface="Consolas" pitchFamily="49" charset="0"/>
+                <a:cs typeface="Consolas" pitchFamily="49" charset="0"/>
+              </a:rPr>
+              <a:t>    cout &lt;&lt; </a:t>
+            </a:r>
+            <a:r>
+              <a:rPr lang="pt-BR" sz="1400" dirty="0">
+                <a:solidFill>
+                  <a:schemeClr val="accent2">
+                    <a:lumMod val="60000"/>
+                    <a:lumOff val="40000"/>
+                  </a:schemeClr>
+                </a:solidFill>
+                <a:latin typeface="Consolas" pitchFamily="49" charset="0"/>
+                <a:cs typeface="Consolas" pitchFamily="49" charset="0"/>
+              </a:rPr>
+              <a:t>"Quatro últimos  "</a:t>
+            </a:r>
+            <a:r>
+              <a:rPr lang="pt-BR" sz="1400" dirty="0">
+                <a:latin typeface="Consolas" pitchFamily="49" charset="0"/>
+                <a:cs typeface="Consolas" pitchFamily="49" charset="0"/>
+              </a:rPr>
+              <a:t> </a:t>
+            </a:r>
+            <a:br>
+              <a:rPr lang="pt-BR" sz="1400" dirty="0">
+                <a:latin typeface="Consolas" pitchFamily="49" charset="0"/>
+                <a:cs typeface="Consolas" pitchFamily="49" charset="0"/>
+              </a:rPr>
+            </a:br>
+            <a:r>
+              <a:rPr lang="pt-BR" sz="1400" dirty="0">
+                <a:latin typeface="Consolas" pitchFamily="49" charset="0"/>
+                <a:cs typeface="Consolas" pitchFamily="49" charset="0"/>
+              </a:rPr>
+              <a:t>         &lt;&lt; </a:t>
+            </a:r>
+            <a:r>
+              <a:rPr lang="pt-BR" sz="1400" dirty="0" err="1">
+                <a:latin typeface="Consolas" pitchFamily="49" charset="0"/>
+                <a:cs typeface="Consolas" pitchFamily="49" charset="0"/>
+              </a:rPr>
+              <a:t>somaVetor</a:t>
+            </a:r>
+            <a:r>
+              <a:rPr lang="pt-BR" sz="1400" dirty="0">
+                <a:latin typeface="Consolas" pitchFamily="49" charset="0"/>
+                <a:cs typeface="Consolas" pitchFamily="49" charset="0"/>
+              </a:rPr>
+              <a:t>(vendas + 3, 4) &lt;&lt; </a:t>
+            </a:r>
+            <a:r>
+              <a:rPr lang="pt-BR" sz="1400" dirty="0" err="1">
+                <a:latin typeface="Consolas" pitchFamily="49" charset="0"/>
+                <a:cs typeface="Consolas" pitchFamily="49" charset="0"/>
+              </a:rPr>
+              <a:t>endl</a:t>
+            </a:r>
+            <a:r>
+              <a:rPr lang="pt-BR" sz="1400" dirty="0">
+                <a:latin typeface="Consolas" pitchFamily="49" charset="0"/>
+                <a:cs typeface="Consolas" pitchFamily="49" charset="0"/>
+              </a:rPr>
+              <a:t>;</a:t>
+            </a:r>
+          </a:p>
+          <a:p>
+            <a:r>
+              <a:rPr lang="pt-BR" sz="1400" dirty="0">
+                <a:latin typeface="Consolas" pitchFamily="49" charset="0"/>
+                <a:cs typeface="Consolas" pitchFamily="49" charset="0"/>
+              </a:rPr>
+              <a:t>}</a:t>
             </a:r>
           </a:p>
         </p:txBody>
@@ -11809,6 +11997,7 @@
             <a:endParaRPr lang="pt-BR" dirty="0"/>
           </a:p>
           <a:p>
+            <a:pPr lvl="1"/>
             <a:r>
               <a:rPr lang="pt-BR" dirty="0"/>
               <a:t>O tamanho de vendas é o </a:t>
@@ -11825,6 +12014,7 @@
             </a:r>
           </a:p>
           <a:p>
+            <a:pPr lvl="1"/>
             <a:r>
               <a:rPr lang="pt-BR" dirty="0"/>
               <a:t>O tamanho de </a:t>
@@ -11858,8 +12048,8 @@
         </p:nvSpPr>
         <p:spPr>
           <a:xfrm>
-            <a:off x="1703512" y="2420888"/>
-            <a:ext cx="7656263" cy="1477328"/>
+            <a:off x="1703512" y="2492175"/>
+            <a:ext cx="5907386" cy="1569660"/>
           </a:xfrm>
           <a:prstGeom prst="rect">
             <a:avLst/>
@@ -11873,15 +12063,24 @@
           <a:lstStyle/>
           <a:p>
             <a:r>
-              <a:rPr lang="pt-BR" dirty="0">
+              <a:rPr lang="pt-BR" sz="1600" dirty="0">
                 <a:latin typeface="+mj-lt"/>
                 <a:cs typeface="Consolas" pitchFamily="49" charset="0"/>
               </a:rPr>
-              <a:t>Endereço de vendas = 0x0065fd24, tamanho de vendas = 28</a:t>
-            </a:r>
-          </a:p>
-          <a:p>
-            <a:endParaRPr lang="pt-BR" dirty="0">
+              <a:t>Endereço de vendas = 0x0065fd24</a:t>
+            </a:r>
+          </a:p>
+          <a:p>
+            <a:r>
+              <a:rPr lang="pt-BR" sz="1600" dirty="0">
+                <a:latin typeface="+mj-lt"/>
+                <a:cs typeface="Consolas" pitchFamily="49" charset="0"/>
+              </a:rPr>
+              <a:t>Tamanho de vendas = 28</a:t>
+            </a:r>
+          </a:p>
+          <a:p>
+            <a:endParaRPr lang="pt-BR" sz="1600" dirty="0">
               <a:solidFill>
                 <a:schemeClr val="accent3">
                   <a:lumMod val="60000"/>
@@ -11894,105 +12093,69 @@
           </a:p>
           <a:p>
             <a:r>
-              <a:rPr lang="pt-BR" dirty="0">
+              <a:rPr lang="pt-BR" sz="1600" dirty="0">
                 <a:latin typeface="+mj-lt"/>
               </a:rPr>
               <a:t>Total de </a:t>
             </a:r>
             <a:r>
-              <a:rPr lang="pt-BR" dirty="0">
+              <a:rPr lang="pt-BR" sz="1600" dirty="0">
                 <a:latin typeface="+mj-lt"/>
                 <a:cs typeface="Consolas" pitchFamily="49" charset="0"/>
               </a:rPr>
               <a:t>vendas (</a:t>
             </a:r>
             <a:r>
-              <a:rPr lang="pt-BR" dirty="0" err="1">
+              <a:rPr lang="pt-BR" sz="1600" dirty="0" err="1">
                 <a:latin typeface="+mj-lt"/>
               </a:rPr>
               <a:t>vet</a:t>
             </a:r>
             <a:r>
-              <a:rPr lang="pt-BR" dirty="0">
+              <a:rPr lang="pt-BR" sz="1600" dirty="0">
                 <a:latin typeface="+mj-lt"/>
               </a:rPr>
-              <a:t> = 0x0065fd24, tamanho de </a:t>
-            </a:r>
-            <a:r>
-              <a:rPr lang="pt-BR" dirty="0" err="1">
+              <a:t> = 0x0065fd24, tamanho = 4): 10</a:t>
+            </a:r>
+          </a:p>
+          <a:p>
+            <a:r>
+              <a:rPr lang="pt-BR" sz="1600" dirty="0">
                 <a:latin typeface="+mj-lt"/>
               </a:rPr>
+              <a:t>Três primeiros  (</a:t>
+            </a:r>
+            <a:r>
+              <a:rPr lang="pt-BR" sz="1600" dirty="0" err="1">
+                <a:latin typeface="+mj-lt"/>
+              </a:rPr>
               <a:t>vet</a:t>
             </a:r>
             <a:r>
-              <a:rPr lang="pt-BR" dirty="0">
+              <a:rPr lang="pt-BR" sz="1600" dirty="0">
                 <a:latin typeface="+mj-lt"/>
               </a:rPr>
-              <a:t> = 4): 10</a:t>
-            </a:r>
-          </a:p>
-          <a:p>
-            <a:r>
-              <a:rPr lang="pt-BR" dirty="0">
+              <a:t> = 0x0065fd24, tamanho = 4): 2</a:t>
+            </a:r>
+          </a:p>
+          <a:p>
+            <a:r>
+              <a:rPr lang="pt-BR" sz="1600" dirty="0">
                 <a:latin typeface="+mj-lt"/>
               </a:rPr>
-              <a:t>Três primeiros  (</a:t>
-            </a:r>
-            <a:r>
-              <a:rPr lang="pt-BR" dirty="0" err="1">
+              <a:t>Quatro últimos  (</a:t>
+            </a:r>
+            <a:r>
+              <a:rPr lang="pt-BR" sz="1600" dirty="0" err="1">
                 <a:latin typeface="+mj-lt"/>
               </a:rPr>
               <a:t>vet</a:t>
             </a:r>
             <a:r>
-              <a:rPr lang="pt-BR" dirty="0">
+              <a:rPr lang="pt-BR" sz="1600" dirty="0">
                 <a:latin typeface="+mj-lt"/>
               </a:rPr>
-              <a:t> = 0x0065fd24, tamanho de </a:t>
-            </a:r>
-            <a:r>
-              <a:rPr lang="pt-BR" dirty="0" err="1">
-                <a:latin typeface="+mj-lt"/>
-              </a:rPr>
-              <a:t>vet</a:t>
-            </a:r>
-            <a:r>
-              <a:rPr lang="pt-BR" dirty="0">
-                <a:latin typeface="+mj-lt"/>
-              </a:rPr>
-              <a:t> = 4): 2</a:t>
-            </a:r>
-          </a:p>
-          <a:p>
-            <a:r>
-              <a:rPr lang="pt-BR" dirty="0">
-                <a:latin typeface="+mj-lt"/>
-              </a:rPr>
-              <a:t>Quatro últimos  (</a:t>
-            </a:r>
-            <a:r>
-              <a:rPr lang="pt-BR" dirty="0" err="1">
-                <a:latin typeface="+mj-lt"/>
-              </a:rPr>
-              <a:t>vet</a:t>
-            </a:r>
-            <a:r>
-              <a:rPr lang="pt-BR" dirty="0">
-                <a:latin typeface="+mj-lt"/>
-              </a:rPr>
-              <a:t> = 0x0065fd34, tamanho de </a:t>
-            </a:r>
-            <a:r>
-              <a:rPr lang="pt-BR" dirty="0" err="1">
-                <a:latin typeface="+mj-lt"/>
-              </a:rPr>
-              <a:t>vet</a:t>
-            </a:r>
-            <a:r>
-              <a:rPr lang="pt-BR" dirty="0">
-                <a:latin typeface="+mj-lt"/>
-              </a:rPr>
-              <a:t> = 4): 8 </a:t>
+              <a:t> = 0x0065fd34, tamanho = 4): 8 </a:t>
             </a:r>
           </a:p>
         </p:txBody>
@@ -12044,7 +12207,7 @@
           <a:p>
             <a:r>
               <a:rPr lang="pt-BR" dirty="0"/>
-              <a:t>Vetores em Aplicações</a:t>
+              <a:t>Aplicações com Vetores</a:t>
             </a:r>
           </a:p>
         </p:txBody>
@@ -12230,7 +12393,7 @@
           <a:p>
             <a:r>
               <a:rPr lang="pt-BR" dirty="0"/>
-              <a:t>Vetores em Aplicações</a:t>
+              <a:t>Aplicações com Vetores</a:t>
             </a:r>
           </a:p>
         </p:txBody>
@@ -12337,9 +12500,9 @@
               <a:t>Ler o valor de cada imóvel: </a:t>
             </a:r>
             <a:r>
-              <a:rPr lang="pt-BR" dirty="0">
-                <a:solidFill>
-                  <a:schemeClr val="accent3">
+              <a:rPr lang="pt-BR" b="1" dirty="0">
+                <a:solidFill>
+                  <a:schemeClr val="bg2">
                     <a:lumMod val="60000"/>
                     <a:lumOff val="40000"/>
                   </a:schemeClr>
@@ -12355,9 +12518,9 @@
               <a:t>Mostrar o valor atual dos imóveis: </a:t>
             </a:r>
             <a:r>
-              <a:rPr lang="pt-BR" dirty="0">
-                <a:solidFill>
-                  <a:schemeClr val="accent3">
+              <a:rPr lang="pt-BR" b="1" dirty="0">
+                <a:solidFill>
+                  <a:schemeClr val="bg2">
                     <a:lumMod val="60000"/>
                     <a:lumOff val="40000"/>
                   </a:schemeClr>
@@ -12373,9 +12536,9 @@
               <a:t>Reavaliar o valor dos imóveis: </a:t>
             </a:r>
             <a:r>
-              <a:rPr lang="pt-BR" dirty="0">
-                <a:solidFill>
-                  <a:schemeClr val="accent3">
+              <a:rPr lang="pt-BR" b="1" dirty="0">
+                <a:solidFill>
+                  <a:schemeClr val="bg2">
                     <a:lumMod val="60000"/>
                     <a:lumOff val="40000"/>
                   </a:schemeClr>
@@ -12455,15 +12618,63 @@
           <a:p>
             <a:r>
               <a:rPr lang="pt-BR" dirty="0"/>
-              <a:t>Uma função que recebe um vetor e deve:</a:t>
+              <a:t>Uma função que </a:t>
+            </a:r>
+            <a:r>
+              <a:rPr lang="pt-BR" dirty="0">
+                <a:solidFill>
+                  <a:schemeClr val="accent3">
+                    <a:lumMod val="75000"/>
+                  </a:schemeClr>
+                </a:solidFill>
+              </a:rPr>
+              <a:t>recebe um vetor</a:t>
+            </a:r>
+            <a:r>
+              <a:rPr lang="pt-BR" dirty="0"/>
+              <a:t> e deve:</a:t>
             </a:r>
           </a:p>
           <a:p>
             <a:pPr lvl="1"/>
             <a:r>
+              <a:rPr lang="pt-BR" dirty="0">
+                <a:solidFill>
+                  <a:schemeClr val="accent3">
+                    <a:lumMod val="75000"/>
+                  </a:schemeClr>
+                </a:solidFill>
+              </a:rPr>
+              <a:t>Preencher</a:t>
+            </a:r>
+            <a:r>
               <a:rPr lang="pt-BR" dirty="0"/>
-              <a:t>Preencher o vetor com </a:t>
-            </a:r>
+              <a:t> o vetor com valores lidos do teclado</a:t>
+            </a:r>
+          </a:p>
+          <a:p>
+            <a:pPr lvl="1"/>
+            <a:r>
+              <a:rPr lang="pt-BR">
+                <a:solidFill>
+                  <a:schemeClr val="accent3">
+                    <a:lumMod val="75000"/>
+                  </a:schemeClr>
+                </a:solidFill>
+              </a:rPr>
+              <a:t>Modificar</a:t>
+            </a:r>
+            <a:r>
+              <a:rPr lang="pt-BR"/>
+              <a:t> </a:t>
+            </a:r>
+            <a:r>
+              <a:rPr lang="pt-BR" dirty="0"/>
+              <a:t>o conteúdo do vetor original</a:t>
+            </a:r>
+          </a:p>
+          <a:p>
+            <a:pPr lvl="1"/>
             <a:r>
               <a:rPr lang="pt-BR" dirty="0">
                 <a:solidFill>
@@ -12472,66 +12683,28 @@
                   </a:schemeClr>
                 </a:solidFill>
               </a:rPr>
-              <a:t>valores lidos do teclado</a:t>
+              <a:t>Tratar</a:t>
+            </a:r>
+            <a:r>
+              <a:rPr lang="pt-BR" dirty="0"/>
+              <a:t> vetores de qualquer tamanho</a:t>
             </a:r>
           </a:p>
           <a:p>
             <a:pPr lvl="1"/>
             <a:r>
+              <a:rPr lang="pt-BR" dirty="0">
+                <a:solidFill>
+                  <a:schemeClr val="accent3">
+                    <a:lumMod val="75000"/>
+                  </a:schemeClr>
+                </a:solidFill>
+              </a:rPr>
+              <a:t>Retornar</a:t>
+            </a:r>
+            <a:r>
               <a:rPr lang="pt-BR" dirty="0"/>
-              <a:t>Acessar o </a:t>
-            </a:r>
-            <a:r>
-              <a:rPr lang="pt-BR" dirty="0">
-                <a:solidFill>
-                  <a:schemeClr val="accent3">
-                    <a:lumMod val="75000"/>
-                  </a:schemeClr>
-                </a:solidFill>
-              </a:rPr>
-              <a:t>conteúdo original do vetor </a:t>
-            </a:r>
-            <a:r>
-              <a:rPr lang="pt-BR" dirty="0"/>
-              <a:t>(não uma cópia)</a:t>
-            </a:r>
-          </a:p>
-          <a:p>
-            <a:pPr lvl="1"/>
-            <a:r>
-              <a:rPr lang="pt-BR" dirty="0"/>
-              <a:t>Tratar vetores de </a:t>
-            </a:r>
-            <a:r>
-              <a:rPr lang="pt-BR" dirty="0">
-                <a:solidFill>
-                  <a:schemeClr val="accent3">
-                    <a:lumMod val="75000"/>
-                  </a:schemeClr>
-                </a:solidFill>
-              </a:rPr>
-              <a:t>qualquer tamanho</a:t>
-            </a:r>
-          </a:p>
-          <a:p>
-            <a:pPr lvl="1"/>
-            <a:r>
-              <a:rPr lang="pt-BR" dirty="0"/>
-              <a:t>Retornar</a:t>
-            </a:r>
-            <a:r>
-              <a:rPr lang="pt-BR" dirty="0">
-                <a:solidFill>
-                  <a:schemeClr val="accent3">
-                    <a:lumMod val="75000"/>
-                  </a:schemeClr>
-                </a:solidFill>
-              </a:rPr>
-              <a:t> o número de elementos</a:t>
-            </a:r>
-            <a:r>
-              <a:rPr lang="pt-BR" dirty="0"/>
-              <a:t> lidos</a:t>
+              <a:t> o número de elementos lidos</a:t>
             </a:r>
           </a:p>
         </p:txBody>
@@ -13887,7 +14060,7 @@
             <a:pPr lvl="1"/>
             <a:r>
               <a:rPr lang="pt-BR" dirty="0"/>
-              <a:t>Utilizados largamente na solução de problemas </a:t>
+              <a:t>Amplamente utilizados na solução de problemas </a:t>
             </a:r>
           </a:p>
           <a:p>
@@ -20100,8 +20273,8 @@
         </p:nvSpPr>
         <p:spPr>
           <a:xfrm>
-            <a:off x="2240412" y="3789040"/>
-            <a:ext cx="3135508" cy="1200329"/>
+            <a:off x="2035916" y="3789040"/>
+            <a:ext cx="4464496" cy="1815882"/>
           </a:xfrm>
           <a:prstGeom prst="rect">
             <a:avLst/>
@@ -20115,7 +20288,7 @@
           <a:lstStyle/>
           <a:p>
             <a:r>
-              <a:rPr lang="pt-BR" dirty="0" err="1">
+              <a:rPr lang="pt-BR" sz="1600" dirty="0" err="1">
                 <a:solidFill>
                   <a:schemeClr val="accent3">
                     <a:lumMod val="75000"/>
@@ -20126,61 +20299,93 @@
               <a:t>int</a:t>
             </a:r>
             <a:r>
-              <a:rPr lang="pt-BR" dirty="0">
+              <a:rPr lang="pt-BR" sz="1600" dirty="0">
                 <a:latin typeface="+mj-lt"/>
               </a:rPr>
               <a:t> </a:t>
             </a:r>
             <a:r>
-              <a:rPr lang="pt-BR" dirty="0" err="1">
+              <a:rPr lang="pt-BR" sz="1600" dirty="0" err="1">
                 <a:latin typeface="+mj-lt"/>
               </a:rPr>
+              <a:t>main</a:t>
+            </a:r>
+            <a:r>
+              <a:rPr lang="pt-BR" sz="1600" dirty="0">
+                <a:latin typeface="+mj-lt"/>
+              </a:rPr>
+              <a:t>()</a:t>
+            </a:r>
+            <a:br>
+              <a:rPr lang="pt-BR" sz="1600" dirty="0">
+                <a:latin typeface="+mj-lt"/>
+              </a:rPr>
+            </a:br>
+            <a:r>
+              <a:rPr lang="pt-BR" sz="1600" dirty="0">
+                <a:latin typeface="+mj-lt"/>
+              </a:rPr>
+              <a:t>{</a:t>
+            </a:r>
+            <a:br>
+              <a:rPr lang="pt-BR" sz="1600" dirty="0">
+                <a:solidFill>
+                  <a:schemeClr val="accent3">
+                    <a:lumMod val="75000"/>
+                  </a:schemeClr>
+                </a:solidFill>
+                <a:latin typeface="+mj-lt"/>
+              </a:rPr>
+            </a:br>
+            <a:r>
+              <a:rPr lang="pt-BR" sz="1600" dirty="0">
+                <a:solidFill>
+                  <a:schemeClr val="accent3">
+                    <a:lumMod val="75000"/>
+                  </a:schemeClr>
+                </a:solidFill>
+                <a:latin typeface="+mj-lt"/>
+              </a:rPr>
+              <a:t>    </a:t>
+            </a:r>
+            <a:r>
+              <a:rPr lang="pt-BR" sz="1600" dirty="0" err="1">
+                <a:solidFill>
+                  <a:schemeClr val="accent3">
+                    <a:lumMod val="75000"/>
+                  </a:schemeClr>
+                </a:solidFill>
+                <a:latin typeface="+mj-lt"/>
+              </a:rPr>
+              <a:t>int</a:t>
+            </a:r>
+            <a:r>
+              <a:rPr lang="pt-BR" sz="1600" dirty="0">
+                <a:latin typeface="+mj-lt"/>
+              </a:rPr>
+              <a:t> </a:t>
+            </a:r>
+            <a:r>
+              <a:rPr lang="pt-BR" sz="1600" dirty="0" err="1">
+                <a:latin typeface="+mj-lt"/>
+              </a:rPr>
               <a:t>vet</a:t>
             </a:r>
             <a:r>
-              <a:rPr lang="pt-BR" dirty="0">
+              <a:rPr lang="pt-BR" sz="1600" dirty="0">
                 <a:latin typeface="+mj-lt"/>
               </a:rPr>
-              <a:t>[5];</a:t>
-            </a:r>
-          </a:p>
-          <a:p>
-            <a:endParaRPr lang="pt-BR" dirty="0">
+              <a:t>[5] = { 10,20,30,40,50 };</a:t>
+            </a:r>
+          </a:p>
+          <a:p>
+            <a:endParaRPr lang="pt-BR" sz="1600" dirty="0">
               <a:latin typeface="+mj-lt"/>
             </a:endParaRPr>
           </a:p>
           <a:p>
-            <a:br>
-              <a:rPr lang="pt-BR" dirty="0">
-                <a:latin typeface="+mj-lt"/>
-              </a:rPr>
-            </a:br>
-            <a:r>
-              <a:rPr lang="pt-BR" dirty="0" err="1">
-                <a:latin typeface="+mj-lt"/>
-              </a:rPr>
-              <a:t>func</a:t>
-            </a:r>
-            <a:r>
-              <a:rPr lang="pt-BR" dirty="0">
-                <a:latin typeface="+mj-lt"/>
-              </a:rPr>
-              <a:t>(</a:t>
-            </a:r>
-            <a:r>
-              <a:rPr lang="pt-BR" dirty="0" err="1">
-                <a:latin typeface="+mj-lt"/>
-              </a:rPr>
-              <a:t>vet</a:t>
-            </a:r>
-            <a:r>
-              <a:rPr lang="pt-BR" dirty="0">
-                <a:latin typeface="+mj-lt"/>
-              </a:rPr>
-              <a:t>); </a:t>
-            </a:r>
-            <a:r>
-              <a:rPr lang="pt-BR" dirty="0">
+            <a:r>
+              <a:rPr lang="pt-BR" sz="1600" dirty="0">
                 <a:solidFill>
                   <a:schemeClr val="tx1">
                     <a:lumMod val="50000"/>
@@ -20188,7 +20393,47 @@
                 </a:solidFill>
                 <a:latin typeface="+mj-lt"/>
               </a:rPr>
-              <a:t>// 0xCB20</a:t>
+              <a:t>    // função recebe endereço 0xCB20</a:t>
+            </a:r>
+          </a:p>
+          <a:p>
+            <a:r>
+              <a:rPr lang="pt-BR" sz="1600" dirty="0">
+                <a:latin typeface="+mj-lt"/>
+              </a:rPr>
+              <a:t>    cout &lt;&lt; </a:t>
+            </a:r>
+            <a:r>
+              <a:rPr lang="pt-BR" sz="1600" dirty="0" err="1">
+                <a:latin typeface="+mj-lt"/>
+              </a:rPr>
+              <a:t>SomaVetor</a:t>
+            </a:r>
+            <a:r>
+              <a:rPr lang="pt-BR" sz="1600" dirty="0">
+                <a:latin typeface="+mj-lt"/>
+              </a:rPr>
+              <a:t>(</a:t>
+            </a:r>
+            <a:r>
+              <a:rPr lang="pt-BR" sz="1600" dirty="0" err="1">
+                <a:latin typeface="+mj-lt"/>
+              </a:rPr>
+              <a:t>vet</a:t>
+            </a:r>
+            <a:r>
+              <a:rPr lang="pt-BR" sz="1600" dirty="0">
+                <a:latin typeface="+mj-lt"/>
+              </a:rPr>
+              <a:t>);</a:t>
+            </a:r>
+          </a:p>
+          <a:p>
+            <a:r>
+              <a:rPr lang="pt-BR" sz="1600" dirty="0">
+                <a:latin typeface="+mj-lt"/>
+              </a:rPr>
+              <a:t>}</a:t>
             </a:r>
           </a:p>
         </p:txBody>
@@ -20207,10 +20452,10 @@
         </p:nvGrpSpPr>
         <p:grpSpPr>
           <a:xfrm>
-            <a:off x="6096000" y="3789040"/>
-            <a:ext cx="2789803" cy="2084326"/>
+            <a:off x="7176120" y="3940570"/>
+            <a:ext cx="2789803" cy="1512822"/>
             <a:chOff x="6620157" y="4039920"/>
-            <a:chExt cx="2789803" cy="2084326"/>
+            <a:chExt cx="2789803" cy="1512822"/>
           </a:xfrm>
         </p:grpSpPr>
         <p:sp>
@@ -20282,9 +20527,12 @@
             <a:lstStyle/>
             <a:p>
               <a:pPr algn="ctr"/>
-              <a:endParaRPr lang="pt-BR" sz="1200" dirty="0">
-                <a:latin typeface="+mj-lt"/>
-              </a:endParaRPr>
+              <a:r>
+                <a:rPr lang="pt-BR" sz="1200" dirty="0">
+                  <a:latin typeface="+mj-lt"/>
+                </a:rPr>
+                <a:t>10</a:t>
+              </a:r>
             </a:p>
           </p:txBody>
         </p:sp>
@@ -20357,9 +20605,12 @@
             <a:lstStyle/>
             <a:p>
               <a:pPr algn="ctr"/>
-              <a:endParaRPr lang="pt-BR" sz="1200" dirty="0">
-                <a:latin typeface="+mj-lt"/>
-              </a:endParaRPr>
+              <a:r>
+                <a:rPr lang="pt-BR" sz="1200" dirty="0">
+                  <a:latin typeface="+mj-lt"/>
+                </a:rPr>
+                <a:t>20</a:t>
+              </a:r>
             </a:p>
           </p:txBody>
         </p:sp>
@@ -20432,9 +20683,12 @@
             <a:lstStyle/>
             <a:p>
               <a:pPr algn="ctr"/>
-              <a:endParaRPr lang="pt-BR" sz="1200" dirty="0">
-                <a:latin typeface="+mj-lt"/>
-              </a:endParaRPr>
+              <a:r>
+                <a:rPr lang="pt-BR" sz="1200" dirty="0">
+                  <a:latin typeface="+mj-lt"/>
+                </a:rPr>
+                <a:t>30</a:t>
+              </a:r>
             </a:p>
           </p:txBody>
         </p:sp>
@@ -20507,9 +20761,12 @@
             <a:lstStyle/>
             <a:p>
               <a:pPr algn="ctr"/>
-              <a:endParaRPr lang="pt-BR" sz="1200" dirty="0">
-                <a:latin typeface="+mj-lt"/>
-              </a:endParaRPr>
+              <a:r>
+                <a:rPr lang="pt-BR" sz="1200" dirty="0">
+                  <a:latin typeface="+mj-lt"/>
+                </a:rPr>
+                <a:t>40</a:t>
+              </a:r>
             </a:p>
           </p:txBody>
         </p:sp>
@@ -20582,159 +20839,12 @@
             <a:lstStyle/>
             <a:p>
               <a:pPr algn="ctr"/>
-              <a:endParaRPr lang="pt-BR" sz="1200" dirty="0">
-                <a:latin typeface="+mj-lt"/>
-              </a:endParaRPr>
-            </a:p>
-          </p:txBody>
-        </p:sp>
-        <p:sp>
-          <p:nvSpPr>
-            <p:cNvPr id="12" name="Retângulo 11">
-              <a:extLst>
-                <a:ext uri="{FF2B5EF4-FFF2-40B4-BE49-F238E27FC236}">
-                  <a16:creationId xmlns:a16="http://schemas.microsoft.com/office/drawing/2014/main" id="{3ED855E1-5F1C-4108-964A-FC4E0E407BFD}"/>
-                </a:ext>
-              </a:extLst>
-            </p:cNvPr>
-            <p:cNvSpPr/>
-            <p:nvPr/>
-          </p:nvSpPr>
-          <p:spPr>
-            <a:xfrm>
-              <a:off x="6977347" y="5552742"/>
-              <a:ext cx="1071570" cy="285752"/>
-            </a:xfrm>
-            <a:prstGeom prst="rect">
-              <a:avLst/>
-            </a:prstGeom>
-            <a:solidFill>
-              <a:schemeClr val="accent3">
-                <a:lumMod val="75000"/>
-              </a:schemeClr>
-            </a:solidFill>
-            <a:ln>
-              <a:noFill/>
-            </a:ln>
-            <a:effectLst>
-              <a:outerShdw blurRad="107950" dist="12700" dir="5400000" algn="ctr">
-                <a:srgbClr val="000000"/>
-              </a:outerShdw>
-            </a:effectLst>
-            <a:scene3d>
-              <a:camera prst="orthographicFront">
-                <a:rot lat="0" lon="0" rev="0"/>
-              </a:camera>
-              <a:lightRig rig="soft" dir="t">
-                <a:rot lat="0" lon="0" rev="0"/>
-              </a:lightRig>
-            </a:scene3d>
-            <a:sp3d contourW="44450" prstMaterial="matte">
-              <a:bevelT w="63500" h="63500" prst="artDeco"/>
-              <a:contourClr>
-                <a:srgbClr val="FFFFFF"/>
-              </a:contourClr>
-            </a:sp3d>
-          </p:spPr>
-          <p:style>
-            <a:lnRef idx="2">
-              <a:schemeClr val="accent1">
-                <a:shade val="50000"/>
-              </a:schemeClr>
-            </a:lnRef>
-            <a:fillRef idx="1">
-              <a:schemeClr val="accent1"/>
-            </a:fillRef>
-            <a:effectRef idx="0">
-              <a:schemeClr val="accent1"/>
-            </a:effectRef>
-            <a:fontRef idx="minor">
-              <a:schemeClr val="lt1"/>
-            </a:fontRef>
-          </p:style>
-          <p:txBody>
-            <a:bodyPr rtlCol="0" anchor="ctr"/>
-            <a:lstStyle/>
-            <a:p>
-              <a:pPr algn="ctr"/>
-              <a:endParaRPr lang="pt-BR" sz="1200" dirty="0">
-                <a:latin typeface="+mj-lt"/>
-              </a:endParaRPr>
-            </a:p>
-          </p:txBody>
-        </p:sp>
-        <p:sp>
-          <p:nvSpPr>
-            <p:cNvPr id="13" name="Retângulo 12">
-              <a:extLst>
-                <a:ext uri="{FF2B5EF4-FFF2-40B4-BE49-F238E27FC236}">
-                  <a16:creationId xmlns:a16="http://schemas.microsoft.com/office/drawing/2014/main" id="{3B83841C-5853-4CBF-8E1E-8BCCE840146C}"/>
-                </a:ext>
-              </a:extLst>
-            </p:cNvPr>
-            <p:cNvSpPr/>
-            <p:nvPr/>
-          </p:nvSpPr>
-          <p:spPr>
-            <a:xfrm>
-              <a:off x="6977347" y="5838494"/>
-              <a:ext cx="1071570" cy="285752"/>
-            </a:xfrm>
-            <a:prstGeom prst="rect">
-              <a:avLst/>
-            </a:prstGeom>
-            <a:solidFill>
-              <a:schemeClr val="accent3">
-                <a:lumMod val="75000"/>
-              </a:schemeClr>
-            </a:solidFill>
-            <a:ln>
-              <a:noFill/>
-            </a:ln>
-            <a:effectLst>
-              <a:outerShdw blurRad="107950" dist="12700" dir="5400000" algn="ctr">
-                <a:srgbClr val="000000"/>
-              </a:outerShdw>
-            </a:effectLst>
-            <a:scene3d>
-              <a:camera prst="orthographicFront">
-                <a:rot lat="0" lon="0" rev="0"/>
-              </a:camera>
-              <a:lightRig rig="soft" dir="t">
-                <a:rot lat="0" lon="0" rev="0"/>
-              </a:lightRig>
-            </a:scene3d>
-            <a:sp3d contourW="44450" prstMaterial="matte">
-              <a:bevelT w="63500" h="63500" prst="artDeco"/>
-              <a:contourClr>
-                <a:srgbClr val="FFFFFF"/>
-              </a:contourClr>
-            </a:sp3d>
-          </p:spPr>
-          <p:style>
-            <a:lnRef idx="2">
-              <a:schemeClr val="accent1">
-                <a:shade val="50000"/>
-              </a:schemeClr>
-            </a:lnRef>
-            <a:fillRef idx="1">
-              <a:schemeClr val="accent1"/>
-            </a:fillRef>
-            <a:effectRef idx="0">
-              <a:schemeClr val="accent1"/>
-            </a:effectRef>
-            <a:fontRef idx="minor">
-              <a:schemeClr val="lt1"/>
-            </a:fontRef>
-          </p:style>
-          <p:txBody>
-            <a:bodyPr rtlCol="0" anchor="ctr"/>
-            <a:lstStyle/>
-            <a:p>
-              <a:pPr algn="ctr"/>
-              <a:endParaRPr lang="pt-BR" sz="1200" dirty="0">
-                <a:latin typeface="+mj-lt"/>
-              </a:endParaRPr>
+              <a:r>
+                <a:rPr lang="pt-BR" sz="1200" dirty="0">
+                  <a:latin typeface="+mj-lt"/>
+                </a:rPr>
+                <a:t>50</a:t>
+              </a:r>
             </a:p>
           </p:txBody>
         </p:sp>
@@ -21104,80 +21214,6 @@
                   <a:latin typeface="+mj-lt"/>
                 </a:rPr>
                 <a:t>0xCB30</a:t>
-              </a:r>
-            </a:p>
-          </p:txBody>
-        </p:sp>
-        <p:sp>
-          <p:nvSpPr>
-            <p:cNvPr id="27" name="CaixaDeTexto 26">
-              <a:extLst>
-                <a:ext uri="{FF2B5EF4-FFF2-40B4-BE49-F238E27FC236}">
-                  <a16:creationId xmlns:a16="http://schemas.microsoft.com/office/drawing/2014/main" id="{1052FBCA-1F06-4D6F-B97D-4F73DBF6CD5A}"/>
-                </a:ext>
-              </a:extLst>
-            </p:cNvPr>
-            <p:cNvSpPr txBox="1"/>
-            <p:nvPr/>
-          </p:nvSpPr>
-          <p:spPr>
-            <a:xfrm>
-              <a:off x="8120356" y="5552742"/>
-              <a:ext cx="646331" cy="261610"/>
-            </a:xfrm>
-            <a:prstGeom prst="rect">
-              <a:avLst/>
-            </a:prstGeom>
-            <a:noFill/>
-          </p:spPr>
-          <p:txBody>
-            <a:bodyPr wrap="none" rtlCol="0">
-              <a:spAutoFit/>
-            </a:bodyPr>
-            <a:lstStyle/>
-            <a:p>
-              <a:r>
-                <a:rPr lang="pt-BR" sz="1100" dirty="0">
-                  <a:latin typeface="+mj-lt"/>
-                </a:rPr>
-                <a:t>0xCB34</a:t>
-              </a:r>
-            </a:p>
-          </p:txBody>
-        </p:sp>
-        <p:sp>
-          <p:nvSpPr>
-            <p:cNvPr id="28" name="CaixaDeTexto 27">
-              <a:extLst>
-                <a:ext uri="{FF2B5EF4-FFF2-40B4-BE49-F238E27FC236}">
-                  <a16:creationId xmlns:a16="http://schemas.microsoft.com/office/drawing/2014/main" id="{4CA8A580-6761-4DF2-9467-B597C3ABBD35}"/>
-                </a:ext>
-              </a:extLst>
-            </p:cNvPr>
-            <p:cNvSpPr txBox="1"/>
-            <p:nvPr/>
-          </p:nvSpPr>
-          <p:spPr>
-            <a:xfrm>
-              <a:off x="8120356" y="5838494"/>
-              <a:ext cx="646331" cy="261610"/>
-            </a:xfrm>
-            <a:prstGeom prst="rect">
-              <a:avLst/>
-            </a:prstGeom>
-            <a:noFill/>
-          </p:spPr>
-          <p:txBody>
-            <a:bodyPr wrap="none" rtlCol="0">
-              <a:spAutoFit/>
-            </a:bodyPr>
-            <a:lstStyle/>
-            <a:p>
-              <a:r>
-                <a:rPr lang="pt-BR" sz="1100" dirty="0">
-                  <a:latin typeface="+mj-lt"/>
-                </a:rPr>
-                <a:t>0xCB38</a:t>
               </a:r>
             </a:p>
           </p:txBody>
@@ -23111,7 +23147,7 @@
                 </a:solidFill>
                 <a:latin typeface="+mj-lt"/>
               </a:rPr>
-              <a:t>// Vetor.cpp</a:t>
+              <a:t>// Vetores.cpp</a:t>
             </a:r>
           </a:p>
         </p:txBody>
@@ -23559,7 +23595,7 @@
           <a:p>
             <a:r>
               <a:rPr lang="pt-BR" dirty="0"/>
-              <a:t>Para saber o total basta usar um laço para </a:t>
+              <a:t>O total é obtido </a:t>
             </a:r>
             <a:r>
               <a:rPr lang="pt-BR" dirty="0">
@@ -23569,14 +23605,32 @@
                   </a:schemeClr>
                 </a:solidFill>
               </a:rPr>
-              <a:t>somar os elementos</a:t>
-            </a:r>
+              <a:t>somando os elementos</a:t>
+            </a:r>
+            <a:r>
+              <a:rPr lang="pt-BR" dirty="0"/>
+              <a:t> com um laço</a:t>
+            </a:r>
+            <a:endParaRPr lang="pt-BR" dirty="0">
+              <a:solidFill>
+                <a:schemeClr val="accent3">
+                  <a:lumMod val="75000"/>
+                </a:schemeClr>
+              </a:solidFill>
+            </a:endParaRPr>
           </a:p>
           <a:p>
             <a:pPr lvl="1"/>
             <a:r>
               <a:rPr lang="pt-BR" dirty="0"/>
-              <a:t>Essa é uma tarefa tão comum que </a:t>
+              <a:t>Somar elementos é uma tarefa comum </a:t>
+            </a:r>
+          </a:p>
+          <a:p>
+            <a:pPr lvl="1"/>
+            <a:r>
+              <a:rPr lang="pt-BR" dirty="0"/>
+              <a:t>Vale a pena </a:t>
             </a:r>
             <a:r>
               <a:rPr lang="pt-BR" dirty="0">
@@ -23586,7 +23640,7 @@
                   </a:schemeClr>
                 </a:solidFill>
               </a:rPr>
-              <a:t>vale a pena criar uma função</a:t>
+              <a:t>criar uma função</a:t>
             </a:r>
             <a:endParaRPr lang="pt-BR" dirty="0"/>
           </a:p>
@@ -24262,7 +24316,7 @@
             </a:r>
             <a:r>
               <a:rPr lang="pt-BR" dirty="0"/>
-              <a:t>mais </a:t>
+              <a:t>com </a:t>
             </a:r>
             <a:r>
               <a:rPr lang="pt-BR" dirty="0">

--- a/Slides/25. Funções com Vetores.pptx
+++ b/Slides/25. Funções com Vetores.pptx
@@ -155,23 +155,22 @@
 </p:presentation>
 </file>
 
-<file path=ppt/revisionInfo.xml><?xml version="1.0" encoding="utf-8"?>
-<p1510:revInfo xmlns:a="http://schemas.openxmlformats.org/drawingml/2006/main" xmlns:r="http://schemas.openxmlformats.org/officeDocument/2006/relationships" xmlns:p1510="http://schemas.microsoft.com/office/powerpoint/2015/10/main">
-  <p1510:revLst>
-    <p1510:client id="{D5A28A64-E007-4591-89E8-0A7AF967E88A}" v="22" dt="2021-05-04T03:38:06.949"/>
-  </p1510:revLst>
-</p1510:revInfo>
-</file>
-
 <file path=ppt/changesInfos/changesInfo1.xml><?xml version="1.0" encoding="utf-8"?>
 <pc:chgInfo xmlns:a="http://schemas.openxmlformats.org/drawingml/2006/main" xmlns:r="http://schemas.openxmlformats.org/officeDocument/2006/relationships" xmlns:ac="http://schemas.microsoft.com/office/drawing/2013/main/command" xmlns:pc="http://schemas.microsoft.com/office/powerpoint/2013/main/command">
   <pc:docChgLst>
     <pc:chgData name="Judson Santiago" userId="ebb108da2f256286" providerId="LiveId" clId="{D5A28A64-E007-4591-89E8-0A7AF967E88A}"/>
     <pc:docChg chg="undo custSel addSld delSld modSld modMainMaster">
-      <pc:chgData name="Judson Santiago" userId="ebb108da2f256286" providerId="LiveId" clId="{D5A28A64-E007-4591-89E8-0A7AF967E88A}" dt="2021-05-04T04:15:47.778" v="1537" actId="20577"/>
+      <pc:chgData name="Judson Santiago" userId="ebb108da2f256286" providerId="LiveId" clId="{D5A28A64-E007-4591-89E8-0A7AF967E88A}" dt="2021-05-22T18:45:53.226" v="1585" actId="20577"/>
       <pc:docMkLst>
         <pc:docMk/>
       </pc:docMkLst>
+      <pc:sldChg chg="modNotesTx">
+        <pc:chgData name="Judson Santiago" userId="ebb108da2f256286" providerId="LiveId" clId="{D5A28A64-E007-4591-89E8-0A7AF967E88A}" dt="2021-05-22T18:45:53.226" v="1585" actId="20577"/>
+        <pc:sldMkLst>
+          <pc:docMk/>
+          <pc:sldMk cId="0" sldId="256"/>
+        </pc:sldMkLst>
+      </pc:sldChg>
       <pc:sldChg chg="addSp delSp modSp mod">
         <pc:chgData name="Judson Santiago" userId="ebb108da2f256286" providerId="LiveId" clId="{D5A28A64-E007-4591-89E8-0A7AF967E88A}" dt="2021-05-03T21:46:46.663" v="387" actId="1038"/>
         <pc:sldMkLst>
@@ -1585,6 +1584,132 @@
       </pc:sldChg>
     </pc:docChg>
   </pc:docChgLst>
+  <pc:docChgLst>
+    <pc:chgData name="Judson Santiago" userId="ebb108da2f256286" providerId="LiveId" clId="{A6734243-FBDD-493C-A431-C65802C95BE5}"/>
+    <pc:docChg chg="custSel modSld">
+      <pc:chgData name="Judson Santiago" userId="ebb108da2f256286" providerId="LiveId" clId="{A6734243-FBDD-493C-A431-C65802C95BE5}" dt="2021-05-22T15:12:25.657" v="463" actId="20577"/>
+      <pc:docMkLst>
+        <pc:docMk/>
+      </pc:docMkLst>
+      <pc:sldChg chg="modSp mod">
+        <pc:chgData name="Judson Santiago" userId="ebb108da2f256286" providerId="LiveId" clId="{A6734243-FBDD-493C-A431-C65802C95BE5}" dt="2021-05-22T13:47:58.295" v="2" actId="403"/>
+        <pc:sldMkLst>
+          <pc:docMk/>
+          <pc:sldMk cId="1615838820" sldId="318"/>
+        </pc:sldMkLst>
+        <pc:spChg chg="mod">
+          <ac:chgData name="Judson Santiago" userId="ebb108da2f256286" providerId="LiveId" clId="{A6734243-FBDD-493C-A431-C65802C95BE5}" dt="2021-05-22T13:47:58.295" v="2" actId="403"/>
+          <ac:spMkLst>
+            <pc:docMk/>
+            <pc:sldMk cId="1615838820" sldId="318"/>
+            <ac:spMk id="4" creationId="{00000000-0000-0000-0000-000000000000}"/>
+          </ac:spMkLst>
+        </pc:spChg>
+        <pc:spChg chg="mod">
+          <ac:chgData name="Judson Santiago" userId="ebb108da2f256286" providerId="LiveId" clId="{A6734243-FBDD-493C-A431-C65802C95BE5}" dt="2021-05-22T13:47:58.295" v="2" actId="403"/>
+          <ac:spMkLst>
+            <pc:docMk/>
+            <pc:sldMk cId="1615838820" sldId="318"/>
+            <ac:spMk id="5" creationId="{00000000-0000-0000-0000-000000000000}"/>
+          </ac:spMkLst>
+        </pc:spChg>
+        <pc:spChg chg="mod">
+          <ac:chgData name="Judson Santiago" userId="ebb108da2f256286" providerId="LiveId" clId="{A6734243-FBDD-493C-A431-C65802C95BE5}" dt="2021-05-22T13:47:58.295" v="2" actId="403"/>
+          <ac:spMkLst>
+            <pc:docMk/>
+            <pc:sldMk cId="1615838820" sldId="318"/>
+            <ac:spMk id="6" creationId="{00000000-0000-0000-0000-000000000000}"/>
+          </ac:spMkLst>
+        </pc:spChg>
+        <pc:spChg chg="mod">
+          <ac:chgData name="Judson Santiago" userId="ebb108da2f256286" providerId="LiveId" clId="{A6734243-FBDD-493C-A431-C65802C95BE5}" dt="2021-05-22T13:47:58.295" v="2" actId="403"/>
+          <ac:spMkLst>
+            <pc:docMk/>
+            <pc:sldMk cId="1615838820" sldId="318"/>
+            <ac:spMk id="7" creationId="{00000000-0000-0000-0000-000000000000}"/>
+          </ac:spMkLst>
+        </pc:spChg>
+        <pc:spChg chg="mod">
+          <ac:chgData name="Judson Santiago" userId="ebb108da2f256286" providerId="LiveId" clId="{A6734243-FBDD-493C-A431-C65802C95BE5}" dt="2021-05-22T13:47:58.295" v="2" actId="403"/>
+          <ac:spMkLst>
+            <pc:docMk/>
+            <pc:sldMk cId="1615838820" sldId="318"/>
+            <ac:spMk id="8" creationId="{00000000-0000-0000-0000-000000000000}"/>
+          </ac:spMkLst>
+        </pc:spChg>
+        <pc:spChg chg="mod">
+          <ac:chgData name="Judson Santiago" userId="ebb108da2f256286" providerId="LiveId" clId="{A6734243-FBDD-493C-A431-C65802C95BE5}" dt="2021-05-22T13:47:58.295" v="2" actId="403"/>
+          <ac:spMkLst>
+            <pc:docMk/>
+            <pc:sldMk cId="1615838820" sldId="318"/>
+            <ac:spMk id="9" creationId="{00000000-0000-0000-0000-000000000000}"/>
+          </ac:spMkLst>
+        </pc:spChg>
+        <pc:spChg chg="mod">
+          <ac:chgData name="Judson Santiago" userId="ebb108da2f256286" providerId="LiveId" clId="{A6734243-FBDD-493C-A431-C65802C95BE5}" dt="2021-05-22T13:47:58.295" v="2" actId="403"/>
+          <ac:spMkLst>
+            <pc:docMk/>
+            <pc:sldMk cId="1615838820" sldId="318"/>
+            <ac:spMk id="10" creationId="{00000000-0000-0000-0000-000000000000}"/>
+          </ac:spMkLst>
+        </pc:spChg>
+        <pc:spChg chg="mod">
+          <ac:chgData name="Judson Santiago" userId="ebb108da2f256286" providerId="LiveId" clId="{A6734243-FBDD-493C-A431-C65802C95BE5}" dt="2021-05-22T13:47:58.295" v="2" actId="403"/>
+          <ac:spMkLst>
+            <pc:docMk/>
+            <pc:sldMk cId="1615838820" sldId="318"/>
+            <ac:spMk id="11" creationId="{00000000-0000-0000-0000-000000000000}"/>
+          </ac:spMkLst>
+        </pc:spChg>
+        <pc:spChg chg="mod">
+          <ac:chgData name="Judson Santiago" userId="ebb108da2f256286" providerId="LiveId" clId="{A6734243-FBDD-493C-A431-C65802C95BE5}" dt="2021-05-22T13:47:58.295" v="2" actId="403"/>
+          <ac:spMkLst>
+            <pc:docMk/>
+            <pc:sldMk cId="1615838820" sldId="318"/>
+            <ac:spMk id="12" creationId="{00000000-0000-0000-0000-000000000000}"/>
+          </ac:spMkLst>
+        </pc:spChg>
+        <pc:spChg chg="mod">
+          <ac:chgData name="Judson Santiago" userId="ebb108da2f256286" providerId="LiveId" clId="{A6734243-FBDD-493C-A431-C65802C95BE5}" dt="2021-05-22T13:47:58.295" v="2" actId="403"/>
+          <ac:spMkLst>
+            <pc:docMk/>
+            <pc:sldMk cId="1615838820" sldId="318"/>
+            <ac:spMk id="13" creationId="{00000000-0000-0000-0000-000000000000}"/>
+          </ac:spMkLst>
+        </pc:spChg>
+        <pc:grpChg chg="mod">
+          <ac:chgData name="Judson Santiago" userId="ebb108da2f256286" providerId="LiveId" clId="{A6734243-FBDD-493C-A431-C65802C95BE5}" dt="2021-05-22T13:47:53.819" v="0" actId="14100"/>
+          <ac:grpSpMkLst>
+            <pc:docMk/>
+            <pc:sldMk cId="1615838820" sldId="318"/>
+            <ac:grpSpMk id="17" creationId="{63670BB1-5640-4153-B5E7-4831AD26CB33}"/>
+          </ac:grpSpMkLst>
+        </pc:grpChg>
+      </pc:sldChg>
+      <pc:sldChg chg="modSp mod">
+        <pc:chgData name="Judson Santiago" userId="ebb108da2f256286" providerId="LiveId" clId="{A6734243-FBDD-493C-A431-C65802C95BE5}" dt="2021-05-22T14:04:00.884" v="4" actId="14100"/>
+        <pc:sldMkLst>
+          <pc:docMk/>
+          <pc:sldMk cId="3353900944" sldId="326"/>
+        </pc:sldMkLst>
+        <pc:spChg chg="mod">
+          <ac:chgData name="Judson Santiago" userId="ebb108da2f256286" providerId="LiveId" clId="{A6734243-FBDD-493C-A431-C65802C95BE5}" dt="2021-05-22T14:04:00.884" v="4" actId="14100"/>
+          <ac:spMkLst>
+            <pc:docMk/>
+            <pc:sldMk cId="3353900944" sldId="326"/>
+            <ac:spMk id="5" creationId="{1F316824-41A4-4FBD-9BA0-3C33D69278D3}"/>
+          </ac:spMkLst>
+        </pc:spChg>
+      </pc:sldChg>
+      <pc:sldChg chg="modNotesTx">
+        <pc:chgData name="Judson Santiago" userId="ebb108da2f256286" providerId="LiveId" clId="{A6734243-FBDD-493C-A431-C65802C95BE5}" dt="2021-05-22T15:12:25.657" v="463" actId="20577"/>
+        <pc:sldMkLst>
+          <pc:docMk/>
+          <pc:sldMk cId="2558101790" sldId="327"/>
+        </pc:sldMkLst>
+      </pc:sldChg>
+    </pc:docChg>
+  </pc:docChgLst>
 </pc:chgInfo>
 </file>
 
@@ -1671,7 +1796,7 @@
             <a:fld id="{C316FC6E-831B-4C5E-8751-6BBED6FFBE8E}" type="datetimeFigureOut">
               <a:rPr lang="pt-BR" smtClean="0"/>
               <a:pPr/>
-              <a:t>03/05/2021</a:t>
+              <a:t>22/05/2021</a:t>
             </a:fld>
             <a:endParaRPr lang="pt-BR"/>
           </a:p>
@@ -1982,18 +2107,85 @@
         </p:nvSpPr>
         <p:spPr/>
         <p:txBody>
-          <a:bodyPr>
-            <a:normAutofit/>
-          </a:bodyPr>
+          <a:bodyPr/>
           <a:lstStyle/>
           <a:p>
-            <a:r>
-              <a:rPr lang="pt-BR" dirty="0"/>
-              <a:t>Ilustra</a:t>
-            </a:r>
-            <a:r>
-              <a:rPr lang="pt-BR" baseline="0" dirty="0"/>
-              <a:t> declaração, atribuição, inicialização e acesso aos elementos de um vetor.</a:t>
+            <a:pPr marL="171450" indent="-171450">
+              <a:buFontTx/>
+              <a:buChar char="-"/>
+            </a:pPr>
+            <a:r>
+              <a:rPr lang="pt-BR" b="0" i="0" dirty="0">
+                <a:effectLst/>
+                <a:latin typeface="Roboto" panose="02000000000000000000" pitchFamily="2" charset="0"/>
+              </a:rPr>
+              <a:t>Passagem de vetores por parâmetro</a:t>
+            </a:r>
+          </a:p>
+          <a:p>
+            <a:pPr marL="171450" indent="-171450">
+              <a:buFontTx/>
+              <a:buChar char="-"/>
+            </a:pPr>
+            <a:r>
+              <a:rPr lang="pt-BR" b="0" i="0" dirty="0">
+                <a:effectLst/>
+                <a:latin typeface="Roboto" panose="02000000000000000000" pitchFamily="2" charset="0"/>
+              </a:rPr>
+              <a:t>Aplicações com vetores</a:t>
+            </a:r>
+          </a:p>
+          <a:p>
+            <a:pPr marL="171450" indent="-171450">
+              <a:buFontTx/>
+              <a:buChar char="-"/>
+            </a:pPr>
+            <a:r>
+              <a:rPr lang="pt-BR" b="0" i="0" dirty="0">
+                <a:effectLst/>
+                <a:latin typeface="Roboto" panose="02000000000000000000" pitchFamily="2" charset="0"/>
+              </a:rPr>
+              <a:t>Uso de </a:t>
+            </a:r>
+            <a:r>
+              <a:rPr lang="pt-BR" b="0" i="0" dirty="0" err="1">
+                <a:effectLst/>
+                <a:latin typeface="Roboto" panose="02000000000000000000" pitchFamily="2" charset="0"/>
+              </a:rPr>
+              <a:t>const</a:t>
+            </a:r>
+            <a:r>
+              <a:rPr lang="pt-BR" b="0" i="0" dirty="0">
+                <a:effectLst/>
+                <a:latin typeface="Roboto" panose="02000000000000000000" pitchFamily="2" charset="0"/>
+              </a:rPr>
+              <a:t> para proteger parâmetros</a:t>
+            </a:r>
+          </a:p>
+          <a:p>
+            <a:pPr marL="171450" indent="-171450">
+              <a:buFontTx/>
+              <a:buChar char="-"/>
+            </a:pPr>
+            <a:r>
+              <a:rPr lang="pt-BR" b="0" i="0" dirty="0">
+                <a:effectLst/>
+                <a:latin typeface="Roboto" panose="02000000000000000000" pitchFamily="2" charset="0"/>
+              </a:rPr>
+              <a:t>Passando vetores através de faixas de elementos</a:t>
+            </a:r>
+          </a:p>
+          <a:p>
+            <a:pPr marL="171450" indent="-171450">
+              <a:buFontTx/>
+              <a:buChar char="-"/>
+            </a:pPr>
+            <a:r>
+              <a:rPr lang="pt-BR" b="0" i="0" dirty="0">
+                <a:effectLst/>
+                <a:latin typeface="Roboto" panose="02000000000000000000" pitchFamily="2" charset="0"/>
+              </a:rPr>
+              <a:t>Ponteiros constantes</a:t>
             </a:r>
             <a:endParaRPr lang="pt-BR" dirty="0"/>
           </a:p>
@@ -2006,7 +2198,7 @@
             <a:spLocks noGrp="1"/>
           </p:cNvSpPr>
           <p:nvPr>
-            <p:ph type="sldNum" sz="quarter" idx="10"/>
+            <p:ph type="sldNum" sz="quarter" idx="5"/>
           </p:nvPr>
         </p:nvSpPr>
         <p:spPr/>
@@ -2017,7 +2209,7 @@
             <a:fld id="{0CCBE35C-FFF7-45E7-A1F3-86D06533C3F2}" type="slidenum">
               <a:rPr lang="pt-BR" smtClean="0"/>
               <a:pPr/>
-              <a:t>5</a:t>
+              <a:t>1</a:t>
             </a:fld>
             <a:endParaRPr lang="pt-BR"/>
           </a:p>
@@ -2026,7 +2218,7 @@
     </p:spTree>
     <p:extLst>
       <p:ext uri="{BB962C8B-B14F-4D97-AF65-F5344CB8AC3E}">
-        <p14:creationId xmlns:p14="http://schemas.microsoft.com/office/powerpoint/2010/main" val="3820960688"/>
+        <p14:creationId xmlns:p14="http://schemas.microsoft.com/office/powerpoint/2010/main" val="1279124733"/>
       </p:ext>
     </p:extLst>
   </p:cSld>
@@ -2055,7 +2247,7 @@
       </p:grpSpPr>
       <p:sp>
         <p:nvSpPr>
-          <p:cNvPr id="2" name="Slide Image Placeholder 1"/>
+          <p:cNvPr id="2" name="Espaço Reservado para Imagem de Slide 1"/>
           <p:cNvSpPr>
             <a:spLocks noGrp="1" noRot="1" noChangeAspect="1"/>
           </p:cNvSpPr>
@@ -2067,7 +2259,7 @@
       </p:sp>
       <p:sp>
         <p:nvSpPr>
-          <p:cNvPr id="3" name="Notes Placeholder 2"/>
+          <p:cNvPr id="3" name="Espaço Reservado para Anotações 2"/>
           <p:cNvSpPr>
             <a:spLocks noGrp="1"/>
           </p:cNvSpPr>
@@ -2082,24 +2274,19 @@
           <a:p>
             <a:r>
               <a:rPr lang="pt-BR" dirty="0"/>
-              <a:t>Até então tem-se</a:t>
-            </a:r>
-            <a:r>
-              <a:rPr lang="pt-BR" baseline="0" dirty="0"/>
-              <a:t> ignorado erros na entrada de dados. O código acima encerra a entrada no caso de ler um valor incorreto.</a:t>
-            </a:r>
-            <a:endParaRPr lang="pt-BR" dirty="0"/>
+              <a:t>No C++, as funções já acessam o conteúdo do vetor sem fazer cópias, então nenhuma ação especial é necessária.</a:t>
+            </a:r>
           </a:p>
         </p:txBody>
       </p:sp>
       <p:sp>
         <p:nvSpPr>
-          <p:cNvPr id="4" name="Slide Number Placeholder 3"/>
+          <p:cNvPr id="4" name="Espaço Reservado para Número de Slide 3"/>
           <p:cNvSpPr>
             <a:spLocks noGrp="1"/>
           </p:cNvSpPr>
           <p:nvPr>
-            <p:ph type="sldNum" sz="quarter" idx="10"/>
+            <p:ph type="sldNum" sz="quarter" idx="5"/>
           </p:nvPr>
         </p:nvSpPr>
         <p:spPr/>
@@ -2107,9 +2294,10 @@
           <a:bodyPr/>
           <a:lstStyle/>
           <a:p>
-            <a:fld id="{4A2D7C2B-0E86-441B-9E53-FA25CD2FD14A}" type="slidenum">
+            <a:fld id="{0CCBE35C-FFF7-45E7-A1F3-86D06533C3F2}" type="slidenum">
               <a:rPr lang="pt-BR" smtClean="0"/>
-              <a:t>18</a:t>
+              <a:pPr/>
+              <a:t>17</a:t>
             </a:fld>
             <a:endParaRPr lang="pt-BR"/>
           </a:p>
@@ -2118,7 +2306,7 @@
     </p:spTree>
     <p:extLst>
       <p:ext uri="{BB962C8B-B14F-4D97-AF65-F5344CB8AC3E}">
-        <p14:creationId xmlns:p14="http://schemas.microsoft.com/office/powerpoint/2010/main" val="1577036192"/>
+        <p14:creationId xmlns:p14="http://schemas.microsoft.com/office/powerpoint/2010/main" val="4044452389"/>
       </p:ext>
     </p:extLst>
   </p:cSld>
@@ -2147,7 +2335,7 @@
       </p:grpSpPr>
       <p:sp>
         <p:nvSpPr>
-          <p:cNvPr id="2" name="Espaço Reservado para Imagem de Slide 1"/>
+          <p:cNvPr id="2" name="Slide Image Placeholder 1"/>
           <p:cNvSpPr>
             <a:spLocks noGrp="1" noRot="1" noChangeAspect="1"/>
           </p:cNvSpPr>
@@ -2159,7 +2347,7 @@
       </p:sp>
       <p:sp>
         <p:nvSpPr>
-          <p:cNvPr id="3" name="Espaço Reservado para Anotações 2"/>
+          <p:cNvPr id="3" name="Notes Placeholder 2"/>
           <p:cNvSpPr>
             <a:spLocks noGrp="1"/>
           </p:cNvSpPr>
@@ -2174,19 +2362,11 @@
           <a:p>
             <a:r>
               <a:rPr lang="pt-BR" dirty="0"/>
-              <a:t>Como o vetor será alterado, não deve-se</a:t>
+              <a:t>Até então tem-se</a:t>
             </a:r>
             <a:r>
               <a:rPr lang="pt-BR" baseline="0" dirty="0"/>
-              <a:t> usar </a:t>
-            </a:r>
-            <a:r>
-              <a:rPr lang="pt-BR" baseline="0" dirty="0" err="1"/>
-              <a:t>const</a:t>
-            </a:r>
-            <a:r>
-              <a:rPr lang="pt-BR" baseline="0" dirty="0"/>
-              <a:t> neste caso.</a:t>
+              <a:t> ignorado erros na entrada de dados. O código acima encerra a entrada no caso de ler um valor incorreto.</a:t>
             </a:r>
             <a:endParaRPr lang="pt-BR" dirty="0"/>
           </a:p>
@@ -2194,7 +2374,7 @@
       </p:sp>
       <p:sp>
         <p:nvSpPr>
-          <p:cNvPr id="4" name="Espaço Reservado para Número de Slide 3"/>
+          <p:cNvPr id="4" name="Slide Number Placeholder 3"/>
           <p:cNvSpPr>
             <a:spLocks noGrp="1"/>
           </p:cNvSpPr>
@@ -2207,10 +2387,9 @@
           <a:bodyPr/>
           <a:lstStyle/>
           <a:p>
-            <a:fld id="{EF334A8D-C5BE-432D-90D0-92D67DD437AB}" type="slidenum">
+            <a:fld id="{4A2D7C2B-0E86-441B-9E53-FA25CD2FD14A}" type="slidenum">
               <a:rPr lang="pt-BR" smtClean="0"/>
-              <a:pPr/>
-              <a:t>21</a:t>
+              <a:t>18</a:t>
             </a:fld>
             <a:endParaRPr lang="pt-BR"/>
           </a:p>
@@ -2219,7 +2398,7 @@
     </p:spTree>
     <p:extLst>
       <p:ext uri="{BB962C8B-B14F-4D97-AF65-F5344CB8AC3E}">
-        <p14:creationId xmlns:p14="http://schemas.microsoft.com/office/powerpoint/2010/main" val="2010825014"/>
+        <p14:creationId xmlns:p14="http://schemas.microsoft.com/office/powerpoint/2010/main" val="1577036192"/>
       </p:ext>
     </p:extLst>
   </p:cSld>
@@ -2274,30 +2453,20 @@
           <a:lstStyle/>
           <a:p>
             <a:r>
-              <a:rPr lang="pt-BR" baseline="30000" dirty="0">
-                <a:solidFill>
-                  <a:schemeClr val="accent3">
-                    <a:lumMod val="75000"/>
-                  </a:schemeClr>
-                </a:solidFill>
-              </a:rPr>
-              <a:t>†</a:t>
-            </a:r>
-            <a:r>
               <a:rPr lang="pt-BR" dirty="0"/>
-              <a:t> Essa</a:t>
+              <a:t>Como o vetor será alterado, não deve-se</a:t>
             </a:r>
             <a:r>
               <a:rPr lang="pt-BR" baseline="0" dirty="0"/>
-              <a:t> </a:t>
-            </a:r>
-            <a:r>
-              <a:rPr lang="pt-BR" dirty="0"/>
-              <a:t>é a estratégia utilizada</a:t>
+              <a:t> usar </a:t>
+            </a:r>
+            <a:r>
+              <a:rPr lang="pt-BR" baseline="0" dirty="0" err="1"/>
+              <a:t>const</a:t>
             </a:r>
             <a:r>
               <a:rPr lang="pt-BR" baseline="0" dirty="0"/>
-              <a:t> pela biblioteca padrão do C++.</a:t>
+              <a:t> neste caso.</a:t>
             </a:r>
             <a:endParaRPr lang="pt-BR" dirty="0"/>
           </a:p>
@@ -2321,7 +2490,7 @@
             <a:fld id="{EF334A8D-C5BE-432D-90D0-92D67DD437AB}" type="slidenum">
               <a:rPr lang="pt-BR" smtClean="0"/>
               <a:pPr/>
-              <a:t>23</a:t>
+              <a:t>21</a:t>
             </a:fld>
             <a:endParaRPr lang="pt-BR"/>
           </a:p>
@@ -2330,7 +2499,7 @@
     </p:spTree>
     <p:extLst>
       <p:ext uri="{BB962C8B-B14F-4D97-AF65-F5344CB8AC3E}">
-        <p14:creationId xmlns:p14="http://schemas.microsoft.com/office/powerpoint/2010/main" val="995798976"/>
+        <p14:creationId xmlns:p14="http://schemas.microsoft.com/office/powerpoint/2010/main" val="2010825014"/>
       </p:ext>
     </p:extLst>
   </p:cSld>
@@ -2385,6 +2554,117 @@
           <a:lstStyle/>
           <a:p>
             <a:r>
+              <a:rPr lang="pt-BR" baseline="30000" dirty="0">
+                <a:solidFill>
+                  <a:schemeClr val="accent3">
+                    <a:lumMod val="75000"/>
+                  </a:schemeClr>
+                </a:solidFill>
+              </a:rPr>
+              <a:t>†</a:t>
+            </a:r>
+            <a:r>
+              <a:rPr lang="pt-BR" dirty="0"/>
+              <a:t> Essa</a:t>
+            </a:r>
+            <a:r>
+              <a:rPr lang="pt-BR" baseline="0" dirty="0"/>
+              <a:t> </a:t>
+            </a:r>
+            <a:r>
+              <a:rPr lang="pt-BR" dirty="0"/>
+              <a:t>é a estratégia utilizada</a:t>
+            </a:r>
+            <a:r>
+              <a:rPr lang="pt-BR" baseline="0" dirty="0"/>
+              <a:t> pela biblioteca padrão do C++.</a:t>
+            </a:r>
+            <a:endParaRPr lang="pt-BR" dirty="0"/>
+          </a:p>
+        </p:txBody>
+      </p:sp>
+      <p:sp>
+        <p:nvSpPr>
+          <p:cNvPr id="4" name="Espaço Reservado para Número de Slide 3"/>
+          <p:cNvSpPr>
+            <a:spLocks noGrp="1"/>
+          </p:cNvSpPr>
+          <p:nvPr>
+            <p:ph type="sldNum" sz="quarter" idx="10"/>
+          </p:nvPr>
+        </p:nvSpPr>
+        <p:spPr/>
+        <p:txBody>
+          <a:bodyPr/>
+          <a:lstStyle/>
+          <a:p>
+            <a:fld id="{EF334A8D-C5BE-432D-90D0-92D67DD437AB}" type="slidenum">
+              <a:rPr lang="pt-BR" smtClean="0"/>
+              <a:pPr/>
+              <a:t>23</a:t>
+            </a:fld>
+            <a:endParaRPr lang="pt-BR"/>
+          </a:p>
+        </p:txBody>
+      </p:sp>
+    </p:spTree>
+    <p:extLst>
+      <p:ext uri="{BB962C8B-B14F-4D97-AF65-F5344CB8AC3E}">
+        <p14:creationId xmlns:p14="http://schemas.microsoft.com/office/powerpoint/2010/main" val="995798976"/>
+      </p:ext>
+    </p:extLst>
+  </p:cSld>
+  <p:clrMapOvr>
+    <a:masterClrMapping/>
+  </p:clrMapOvr>
+</p:notes>
+</file>
+
+<file path=ppt/notesSlides/notesSlide14.xml><?xml version="1.0" encoding="utf-8"?>
+<p:notes xmlns:a="http://schemas.openxmlformats.org/drawingml/2006/main" xmlns:r="http://schemas.openxmlformats.org/officeDocument/2006/relationships" xmlns:p="http://schemas.openxmlformats.org/presentationml/2006/main">
+  <p:cSld>
+    <p:spTree>
+      <p:nvGrpSpPr>
+        <p:cNvPr id="1" name=""/>
+        <p:cNvGrpSpPr/>
+        <p:nvPr/>
+      </p:nvGrpSpPr>
+      <p:grpSpPr>
+        <a:xfrm>
+          <a:off x="0" y="0"/>
+          <a:ext cx="0" cy="0"/>
+          <a:chOff x="0" y="0"/>
+          <a:chExt cx="0" cy="0"/>
+        </a:xfrm>
+      </p:grpSpPr>
+      <p:sp>
+        <p:nvSpPr>
+          <p:cNvPr id="2" name="Espaço Reservado para Imagem de Slide 1"/>
+          <p:cNvSpPr>
+            <a:spLocks noGrp="1" noRot="1" noChangeAspect="1"/>
+          </p:cNvSpPr>
+          <p:nvPr>
+            <p:ph type="sldImg"/>
+          </p:nvPr>
+        </p:nvSpPr>
+        <p:spPr/>
+      </p:sp>
+      <p:sp>
+        <p:nvSpPr>
+          <p:cNvPr id="3" name="Espaço Reservado para Anotações 2"/>
+          <p:cNvSpPr>
+            <a:spLocks noGrp="1"/>
+          </p:cNvSpPr>
+          <p:nvPr>
+            <p:ph type="body" idx="1"/>
+          </p:nvPr>
+        </p:nvSpPr>
+        <p:spPr/>
+        <p:txBody>
+          <a:bodyPr/>
+          <a:lstStyle/>
+          <a:p>
+            <a:r>
               <a:rPr lang="pt-BR" dirty="0"/>
               <a:t>Observe que os</a:t>
             </a:r>
@@ -2441,7 +2721,7 @@
 </p:notes>
 </file>
 
-<file path=ppt/notesSlides/notesSlide14.xml><?xml version="1.0" encoding="utf-8"?>
+<file path=ppt/notesSlides/notesSlide15.xml><?xml version="1.0" encoding="utf-8"?>
 <p:notes xmlns:a="http://schemas.openxmlformats.org/drawingml/2006/main" xmlns:r="http://schemas.openxmlformats.org/officeDocument/2006/relationships" xmlns:p="http://schemas.openxmlformats.org/presentationml/2006/main">
   <p:cSld>
     <p:spTree>
@@ -2609,13 +2889,20 @@
         </p:nvSpPr>
         <p:spPr/>
         <p:txBody>
-          <a:bodyPr/>
+          <a:bodyPr>
+            <a:normAutofit/>
+          </a:bodyPr>
           <a:lstStyle/>
           <a:p>
             <a:r>
               <a:rPr lang="pt-BR" dirty="0"/>
-              <a:t>Revisão feita, vamos aprofundar mais a partir de um exemplo.</a:t>
-            </a:r>
+              <a:t>Ilustra</a:t>
+            </a:r>
+            <a:r>
+              <a:rPr lang="pt-BR" baseline="0" dirty="0"/>
+              <a:t> declaração, atribuição, inicialização e acesso aos elementos de um vetor.</a:t>
+            </a:r>
+            <a:endParaRPr lang="pt-BR" dirty="0"/>
           </a:p>
         </p:txBody>
       </p:sp>
@@ -2637,7 +2924,7 @@
             <a:fld id="{0CCBE35C-FFF7-45E7-A1F3-86D06533C3F2}" type="slidenum">
               <a:rPr lang="pt-BR" smtClean="0"/>
               <a:pPr/>
-              <a:t>7</a:t>
+              <a:t>5</a:t>
             </a:fld>
             <a:endParaRPr lang="pt-BR"/>
           </a:p>
@@ -2646,7 +2933,7 @@
     </p:spTree>
     <p:extLst>
       <p:ext uri="{BB962C8B-B14F-4D97-AF65-F5344CB8AC3E}">
-        <p14:creationId xmlns:p14="http://schemas.microsoft.com/office/powerpoint/2010/main" val="1691311402"/>
+        <p14:creationId xmlns:p14="http://schemas.microsoft.com/office/powerpoint/2010/main" val="3820960688"/>
       </p:ext>
     </p:extLst>
   </p:cSld>
@@ -2701,18 +2988,9 @@
           <a:lstStyle/>
           <a:p>
             <a:r>
-              <a:rPr lang="pt-BR" sz="1200" dirty="0">
-                <a:solidFill>
-                  <a:schemeClr val="tx1">
-                    <a:lumMod val="50000"/>
-                  </a:schemeClr>
-                </a:solidFill>
-                <a:latin typeface="Consolas" pitchFamily="49" charset="0"/>
-                <a:cs typeface="Consolas" pitchFamily="49" charset="0"/>
-              </a:rPr>
-              <a:t>Exemplo de funções recebendo argumentos tipo vetor</a:t>
-            </a:r>
-            <a:endParaRPr lang="pt-BR" dirty="0"/>
+              <a:rPr lang="pt-BR" dirty="0"/>
+              <a:t>Revisão feita, vamos aprofundar mais a partir de um exemplo.</a:t>
+            </a:r>
           </a:p>
         </p:txBody>
       </p:sp>
@@ -2734,7 +3012,7 @@
             <a:fld id="{0CCBE35C-FFF7-45E7-A1F3-86D06533C3F2}" type="slidenum">
               <a:rPr lang="pt-BR" smtClean="0"/>
               <a:pPr/>
-              <a:t>9</a:t>
+              <a:t>7</a:t>
             </a:fld>
             <a:endParaRPr lang="pt-BR"/>
           </a:p>
@@ -2743,7 +3021,7 @@
     </p:spTree>
     <p:extLst>
       <p:ext uri="{BB962C8B-B14F-4D97-AF65-F5344CB8AC3E}">
-        <p14:creationId xmlns:p14="http://schemas.microsoft.com/office/powerpoint/2010/main" val="871143436"/>
+        <p14:creationId xmlns:p14="http://schemas.microsoft.com/office/powerpoint/2010/main" val="1691311402"/>
       </p:ext>
     </p:extLst>
   </p:cSld>
@@ -2797,6 +3075,18 @@
           <a:bodyPr/>
           <a:lstStyle/>
           <a:p>
+            <a:r>
+              <a:rPr lang="pt-BR" sz="1200" dirty="0">
+                <a:solidFill>
+                  <a:schemeClr val="tx1">
+                    <a:lumMod val="50000"/>
+                  </a:schemeClr>
+                </a:solidFill>
+                <a:latin typeface="Consolas" pitchFamily="49" charset="0"/>
+                <a:cs typeface="Consolas" pitchFamily="49" charset="0"/>
+              </a:rPr>
+              <a:t>Exemplo de funções recebendo argumentos tipo vetor</a:t>
+            </a:r>
             <a:endParaRPr lang="pt-BR" dirty="0"/>
           </a:p>
         </p:txBody>
@@ -2819,7 +3109,7 @@
             <a:fld id="{0CCBE35C-FFF7-45E7-A1F3-86D06533C3F2}" type="slidenum">
               <a:rPr lang="pt-BR" smtClean="0"/>
               <a:pPr/>
-              <a:t>11</a:t>
+              <a:t>9</a:t>
             </a:fld>
             <a:endParaRPr lang="pt-BR"/>
           </a:p>
@@ -2828,7 +3118,7 @@
     </p:spTree>
     <p:extLst>
       <p:ext uri="{BB962C8B-B14F-4D97-AF65-F5344CB8AC3E}">
-        <p14:creationId xmlns:p14="http://schemas.microsoft.com/office/powerpoint/2010/main" val="1065877224"/>
+        <p14:creationId xmlns:p14="http://schemas.microsoft.com/office/powerpoint/2010/main" val="871143436"/>
       </p:ext>
     </p:extLst>
   </p:cSld>
@@ -2882,26 +3172,7 @@
           <a:bodyPr/>
           <a:lstStyle/>
           <a:p>
-            <a:r>
-              <a:rPr lang="pt-BR" dirty="0"/>
-              <a:t>Apenas para uma </a:t>
-            </a:r>
-            <a:r>
-              <a:rPr lang="pt-BR" dirty="0" err="1"/>
-              <a:t>string</a:t>
-            </a:r>
-            <a:r>
-              <a:rPr lang="pt-BR" dirty="0"/>
-              <a:t> armazenada em um vetor, já que ela possui o marcador ‘\0’ de fim de </a:t>
-            </a:r>
-            <a:r>
-              <a:rPr lang="pt-BR" dirty="0" err="1"/>
-              <a:t>string</a:t>
-            </a:r>
-            <a:r>
-              <a:rPr lang="pt-BR" dirty="0"/>
-              <a:t>.</a:t>
-            </a:r>
+            <a:endParaRPr lang="pt-BR" dirty="0"/>
           </a:p>
         </p:txBody>
       </p:sp>
@@ -2923,7 +3194,7 @@
             <a:fld id="{0CCBE35C-FFF7-45E7-A1F3-86D06533C3F2}" type="slidenum">
               <a:rPr lang="pt-BR" smtClean="0"/>
               <a:pPr/>
-              <a:t>12</a:t>
+              <a:t>11</a:t>
             </a:fld>
             <a:endParaRPr lang="pt-BR"/>
           </a:p>
@@ -2932,7 +3203,7 @@
     </p:spTree>
     <p:extLst>
       <p:ext uri="{BB962C8B-B14F-4D97-AF65-F5344CB8AC3E}">
-        <p14:creationId xmlns:p14="http://schemas.microsoft.com/office/powerpoint/2010/main" val="2527684874"/>
+        <p14:creationId xmlns:p14="http://schemas.microsoft.com/office/powerpoint/2010/main" val="1065877224"/>
       </p:ext>
     </p:extLst>
   </p:cSld>
@@ -2961,7 +3232,7 @@
       </p:grpSpPr>
       <p:sp>
         <p:nvSpPr>
-          <p:cNvPr id="2" name="Slide Image Placeholder 1"/>
+          <p:cNvPr id="2" name="Espaço Reservado para Imagem de Slide 1"/>
           <p:cNvSpPr>
             <a:spLocks noGrp="1" noRot="1" noChangeAspect="1"/>
           </p:cNvSpPr>
@@ -2973,7 +3244,7 @@
       </p:sp>
       <p:sp>
         <p:nvSpPr>
-          <p:cNvPr id="3" name="Notes Placeholder 2"/>
+          <p:cNvPr id="3" name="Espaço Reservado para Anotações 2"/>
           <p:cNvSpPr>
             <a:spLocks noGrp="1"/>
           </p:cNvSpPr>
@@ -2988,19 +3259,30 @@
           <a:p>
             <a:r>
               <a:rPr lang="pt-BR" dirty="0"/>
-              <a:t>Exemplo</a:t>
-            </a:r>
-            <a:r>
-              <a:rPr lang="pt-BR" baseline="0" dirty="0"/>
-              <a:t> mostra por que é preciso passar o tamanho do vetor para a função.</a:t>
-            </a:r>
-            <a:endParaRPr lang="pt-BR" dirty="0"/>
+              <a:t>Apenas para uma </a:t>
+            </a:r>
+            <a:r>
+              <a:rPr lang="pt-BR" dirty="0" err="1"/>
+              <a:t>string</a:t>
+            </a:r>
+            <a:r>
+              <a:rPr lang="pt-BR" dirty="0"/>
+              <a:t> armazenada em um vetor, já que ela possui o marcador ‘\0’ de fim de </a:t>
+            </a:r>
+            <a:r>
+              <a:rPr lang="pt-BR" dirty="0" err="1"/>
+              <a:t>string</a:t>
+            </a:r>
+            <a:r>
+              <a:rPr lang="pt-BR" dirty="0"/>
+              <a:t>.</a:t>
+            </a:r>
           </a:p>
         </p:txBody>
       </p:sp>
       <p:sp>
         <p:nvSpPr>
-          <p:cNvPr id="4" name="Slide Number Placeholder 3"/>
+          <p:cNvPr id="4" name="Espaço Reservado para Número de Slide 3"/>
           <p:cNvSpPr>
             <a:spLocks noGrp="1"/>
           </p:cNvSpPr>
@@ -3013,9 +3295,10 @@
           <a:bodyPr/>
           <a:lstStyle/>
           <a:p>
-            <a:fld id="{4A2D7C2B-0E86-441B-9E53-FA25CD2FD14A}" type="slidenum">
+            <a:fld id="{0CCBE35C-FFF7-45E7-A1F3-86D06533C3F2}" type="slidenum">
               <a:rPr lang="pt-BR" smtClean="0"/>
-              <a:t>13</a:t>
+              <a:pPr/>
+              <a:t>12</a:t>
             </a:fld>
             <a:endParaRPr lang="pt-BR"/>
           </a:p>
@@ -3024,7 +3307,7 @@
     </p:spTree>
     <p:extLst>
       <p:ext uri="{BB962C8B-B14F-4D97-AF65-F5344CB8AC3E}">
-        <p14:creationId xmlns:p14="http://schemas.microsoft.com/office/powerpoint/2010/main" val="3703172353"/>
+        <p14:creationId xmlns:p14="http://schemas.microsoft.com/office/powerpoint/2010/main" val="2527684874"/>
       </p:ext>
     </p:extLst>
   </p:cSld>
@@ -3053,7 +3336,7 @@
       </p:grpSpPr>
       <p:sp>
         <p:nvSpPr>
-          <p:cNvPr id="2" name="Espaço Reservado para Imagem de Slide 1"/>
+          <p:cNvPr id="2" name="Slide Image Placeholder 1"/>
           <p:cNvSpPr>
             <a:spLocks noGrp="1" noRot="1" noChangeAspect="1"/>
           </p:cNvSpPr>
@@ -3065,7 +3348,7 @@
       </p:sp>
       <p:sp>
         <p:nvSpPr>
-          <p:cNvPr id="3" name="Espaço Reservado para Anotações 2"/>
+          <p:cNvPr id="3" name="Notes Placeholder 2"/>
           <p:cNvSpPr>
             <a:spLocks noGrp="1"/>
           </p:cNvSpPr>
@@ -3075,34 +3358,68 @@
         </p:nvSpPr>
         <p:spPr/>
         <p:txBody>
-          <a:bodyPr>
-            <a:normAutofit/>
-          </a:bodyPr>
+          <a:bodyPr/>
           <a:lstStyle/>
           <a:p>
             <a:r>
               <a:rPr lang="pt-BR" dirty="0"/>
-              <a:t>Por isso é</a:t>
+              <a:t>Exemplo</a:t>
             </a:r>
             <a:r>
               <a:rPr lang="pt-BR" baseline="0" dirty="0"/>
-              <a:t> necessário passar o tamanho do vetor na função </a:t>
+              <a:t> mostra por que é preciso passar o tamanho do vetor para a função. </a:t>
+            </a:r>
+          </a:p>
+          <a:p>
+            <a:endParaRPr lang="pt-BR" baseline="0" dirty="0"/>
+          </a:p>
+          <a:p>
+            <a:r>
+              <a:rPr lang="pt-BR" baseline="0" dirty="0"/>
+              <a:t>Onde fica guardado o tamanho do vetor? No tipo. </a:t>
             </a:r>
             <a:r>
               <a:rPr lang="pt-BR" baseline="0" dirty="0" err="1"/>
-              <a:t>somaVetor</a:t>
+              <a:t>sizeof</a:t>
             </a:r>
             <a:r>
               <a:rPr lang="pt-BR" baseline="0" dirty="0"/>
-              <a:t>().</a:t>
-            </a:r>
+              <a:t> é um operador tratado em tempo de compilação. O compilador armazena que vendas é do tipo </a:t>
+            </a:r>
+            <a:r>
+              <a:rPr lang="pt-BR" baseline="0" dirty="0" err="1"/>
+              <a:t>int</a:t>
+            </a:r>
+            <a:r>
+              <a:rPr lang="pt-BR" baseline="0" dirty="0"/>
+              <a:t>[10] e substitui </a:t>
+            </a:r>
+            <a:r>
+              <a:rPr lang="pt-BR" baseline="0" dirty="0" err="1"/>
+              <a:t>sizeof</a:t>
+            </a:r>
+            <a:r>
+              <a:rPr lang="pt-BR" baseline="0" dirty="0"/>
+              <a:t>(vendas) pelo tamanho adequado. Ao passar o vetor para uma função, o compilador fica apenas com um ponteiro do tipo (</a:t>
+            </a:r>
+            <a:r>
+              <a:rPr lang="pt-BR" baseline="0" dirty="0" err="1"/>
+              <a:t>int</a:t>
+            </a:r>
+            <a:r>
+              <a:rPr lang="pt-BR" baseline="0" dirty="0"/>
+              <a:t> *) e não consegue derivar o tamanho. </a:t>
+            </a:r>
+            <a:br>
+              <a:rPr lang="pt-BR" baseline="0" dirty="0"/>
+            </a:br>
             <a:endParaRPr lang="pt-BR" dirty="0"/>
           </a:p>
         </p:txBody>
       </p:sp>
       <p:sp>
         <p:nvSpPr>
-          <p:cNvPr id="4" name="Espaço Reservado para Número de Slide 3"/>
+          <p:cNvPr id="4" name="Slide Number Placeholder 3"/>
           <p:cNvSpPr>
             <a:spLocks noGrp="1"/>
           </p:cNvSpPr>
@@ -3115,10 +3432,9 @@
           <a:bodyPr/>
           <a:lstStyle/>
           <a:p>
-            <a:fld id="{47D0897C-AACE-4139-A134-924EEA42B6AC}" type="slidenum">
+            <a:fld id="{4A2D7C2B-0E86-441B-9E53-FA25CD2FD14A}" type="slidenum">
               <a:rPr lang="pt-BR" smtClean="0"/>
-              <a:pPr/>
-              <a:t>14</a:t>
+              <a:t>13</a:t>
             </a:fld>
             <a:endParaRPr lang="pt-BR"/>
           </a:p>
@@ -3127,7 +3443,7 @@
     </p:spTree>
     <p:extLst>
       <p:ext uri="{BB962C8B-B14F-4D97-AF65-F5344CB8AC3E}">
-        <p14:creationId xmlns:p14="http://schemas.microsoft.com/office/powerpoint/2010/main" val="3859254851"/>
+        <p14:creationId xmlns:p14="http://schemas.microsoft.com/office/powerpoint/2010/main" val="3703172353"/>
       </p:ext>
     </p:extLst>
   </p:cSld>
@@ -3178,13 +3494,28 @@
         </p:nvSpPr>
         <p:spPr/>
         <p:txBody>
-          <a:bodyPr/>
+          <a:bodyPr>
+            <a:normAutofit/>
+          </a:bodyPr>
           <a:lstStyle/>
           <a:p>
             <a:r>
               <a:rPr lang="pt-BR" dirty="0"/>
-              <a:t>Vamos ver exemplo de uso de um vetor em uma aplicação maior.</a:t>
-            </a:r>
+              <a:t>Por isso é</a:t>
+            </a:r>
+            <a:r>
+              <a:rPr lang="pt-BR" baseline="0" dirty="0"/>
+              <a:t> necessário passar o tamanho do vetor na função </a:t>
+            </a:r>
+            <a:r>
+              <a:rPr lang="pt-BR" baseline="0" dirty="0" err="1"/>
+              <a:t>somaVetor</a:t>
+            </a:r>
+            <a:r>
+              <a:rPr lang="pt-BR" baseline="0" dirty="0"/>
+              <a:t>().</a:t>
+            </a:r>
+            <a:endParaRPr lang="pt-BR" dirty="0"/>
           </a:p>
         </p:txBody>
       </p:sp>
@@ -3203,10 +3534,10 @@
           <a:bodyPr/>
           <a:lstStyle/>
           <a:p>
-            <a:fld id="{0CCBE35C-FFF7-45E7-A1F3-86D06533C3F2}" type="slidenum">
+            <a:fld id="{47D0897C-AACE-4139-A134-924EEA42B6AC}" type="slidenum">
               <a:rPr lang="pt-BR" smtClean="0"/>
               <a:pPr/>
-              <a:t>15</a:t>
+              <a:t>14</a:t>
             </a:fld>
             <a:endParaRPr lang="pt-BR"/>
           </a:p>
@@ -3215,7 +3546,7 @@
     </p:spTree>
     <p:extLst>
       <p:ext uri="{BB962C8B-B14F-4D97-AF65-F5344CB8AC3E}">
-        <p14:creationId xmlns:p14="http://schemas.microsoft.com/office/powerpoint/2010/main" val="2854261695"/>
+        <p14:creationId xmlns:p14="http://schemas.microsoft.com/office/powerpoint/2010/main" val="3859254851"/>
       </p:ext>
     </p:extLst>
   </p:cSld>
@@ -3271,7 +3602,7 @@
           <a:p>
             <a:r>
               <a:rPr lang="pt-BR" dirty="0"/>
-              <a:t>No C++, as funções já acessam o conteúdo do vetor sem fazer cópias, então nenhuma ação especial é necessária.</a:t>
+              <a:t>Vamos ver exemplo de uso de um vetor em uma aplicação maior.</a:t>
             </a:r>
           </a:p>
         </p:txBody>
@@ -3283,7 +3614,7 @@
             <a:spLocks noGrp="1"/>
           </p:cNvSpPr>
           <p:nvPr>
-            <p:ph type="sldNum" sz="quarter" idx="5"/>
+            <p:ph type="sldNum" sz="quarter" idx="10"/>
           </p:nvPr>
         </p:nvSpPr>
         <p:spPr/>
@@ -3294,7 +3625,7 @@
             <a:fld id="{0CCBE35C-FFF7-45E7-A1F3-86D06533C3F2}" type="slidenum">
               <a:rPr lang="pt-BR" smtClean="0"/>
               <a:pPr/>
-              <a:t>17</a:t>
+              <a:t>15</a:t>
             </a:fld>
             <a:endParaRPr lang="pt-BR"/>
           </a:p>
@@ -3303,7 +3634,7 @@
     </p:spTree>
     <p:extLst>
       <p:ext uri="{BB962C8B-B14F-4D97-AF65-F5344CB8AC3E}">
-        <p14:creationId xmlns:p14="http://schemas.microsoft.com/office/powerpoint/2010/main" val="4044452389"/>
+        <p14:creationId xmlns:p14="http://schemas.microsoft.com/office/powerpoint/2010/main" val="2854261695"/>
       </p:ext>
     </p:extLst>
   </p:cSld>
@@ -3379,7 +3710,7 @@
             <a:fld id="{D7C55EEC-0318-498A-BF02-D605D7177864}" type="datetimeFigureOut">
               <a:rPr lang="pt-BR" smtClean="0"/>
               <a:pPr/>
-              <a:t>03/05/2021</a:t>
+              <a:t>22/05/2021</a:t>
             </a:fld>
             <a:endParaRPr lang="pt-BR"/>
           </a:p>
@@ -3934,7 +4265,7 @@
             <a:fld id="{D7C55EEC-0318-498A-BF02-D605D7177864}" type="datetimeFigureOut">
               <a:rPr lang="pt-BR" smtClean="0"/>
               <a:pPr/>
-              <a:t>03/05/2021</a:t>
+              <a:t>22/05/2021</a:t>
             </a:fld>
             <a:endParaRPr lang="pt-BR"/>
           </a:p>
@@ -4111,7 +4442,7 @@
             <a:fld id="{D7C55EEC-0318-498A-BF02-D605D7177864}" type="datetimeFigureOut">
               <a:rPr lang="pt-BR" smtClean="0"/>
               <a:pPr/>
-              <a:t>03/05/2021</a:t>
+              <a:t>22/05/2021</a:t>
             </a:fld>
             <a:endParaRPr lang="pt-BR"/>
           </a:p>
@@ -4278,7 +4609,7 @@
             <a:fld id="{D7C55EEC-0318-498A-BF02-D605D7177864}" type="datetimeFigureOut">
               <a:rPr lang="pt-BR" smtClean="0"/>
               <a:pPr/>
-              <a:t>03/05/2021</a:t>
+              <a:t>22/05/2021</a:t>
             </a:fld>
             <a:endParaRPr lang="pt-BR"/>
           </a:p>
@@ -5727,7 +6058,7 @@
             <a:fld id="{D7C55EEC-0318-498A-BF02-D605D7177864}" type="datetimeFigureOut">
               <a:rPr lang="pt-BR" smtClean="0"/>
               <a:pPr/>
-              <a:t>03/05/2021</a:t>
+              <a:t>22/05/2021</a:t>
             </a:fld>
             <a:endParaRPr lang="pt-BR"/>
           </a:p>
@@ -6309,7 +6640,7 @@
             <a:fld id="{D7C55EEC-0318-498A-BF02-D605D7177864}" type="datetimeFigureOut">
               <a:rPr lang="pt-BR" smtClean="0"/>
               <a:pPr/>
-              <a:t>03/05/2021</a:t>
+              <a:t>22/05/2021</a:t>
             </a:fld>
             <a:endParaRPr lang="pt-BR"/>
           </a:p>
@@ -6740,7 +7071,7 @@
             <a:fld id="{D7C55EEC-0318-498A-BF02-D605D7177864}" type="datetimeFigureOut">
               <a:rPr lang="pt-BR" smtClean="0"/>
               <a:pPr/>
-              <a:t>03/05/2021</a:t>
+              <a:t>22/05/2021</a:t>
             </a:fld>
             <a:endParaRPr lang="pt-BR"/>
           </a:p>
@@ -7279,7 +7610,7 @@
             <a:fld id="{D7C55EEC-0318-498A-BF02-D605D7177864}" type="datetimeFigureOut">
               <a:rPr lang="pt-BR" smtClean="0"/>
               <a:pPr/>
-              <a:t>03/05/2021</a:t>
+              <a:t>22/05/2021</a:t>
             </a:fld>
             <a:endParaRPr lang="pt-BR"/>
           </a:p>
@@ -7371,7 +7702,7 @@
             <a:fld id="{D7C55EEC-0318-498A-BF02-D605D7177864}" type="datetimeFigureOut">
               <a:rPr lang="pt-BR" smtClean="0"/>
               <a:pPr/>
-              <a:t>03/05/2021</a:t>
+              <a:t>22/05/2021</a:t>
             </a:fld>
             <a:endParaRPr lang="pt-BR"/>
           </a:p>
@@ -7621,7 +7952,7 @@
             <a:fld id="{D7C55EEC-0318-498A-BF02-D605D7177864}" type="datetimeFigureOut">
               <a:rPr lang="pt-BR" smtClean="0"/>
               <a:pPr/>
-              <a:t>03/05/2021</a:t>
+              <a:t>22/05/2021</a:t>
             </a:fld>
             <a:endParaRPr lang="pt-BR"/>
           </a:p>
@@ -8336,7 +8667,7 @@
             <a:fld id="{D7C55EEC-0318-498A-BF02-D605D7177864}" type="datetimeFigureOut">
               <a:rPr lang="pt-BR" smtClean="0"/>
               <a:pPr/>
-              <a:t>03/05/2021</a:t>
+              <a:t>22/05/2021</a:t>
             </a:fld>
             <a:endParaRPr lang="pt-BR"/>
           </a:p>
@@ -8617,7 +8948,7 @@
             <a:fld id="{D7C55EEC-0318-498A-BF02-D605D7177864}" type="datetimeFigureOut">
               <a:rPr lang="pt-BR" smtClean="0"/>
               <a:pPr/>
-              <a:t>03/05/2021</a:t>
+              <a:t>22/05/2021</a:t>
             </a:fld>
             <a:endParaRPr lang="pt-BR"/>
           </a:p>
@@ -10128,7 +10459,10 @@
             <a:ext cx="188117" cy="1059751"/>
           </a:xfrm>
           <a:prstGeom prst="downArrow">
-            <a:avLst/>
+            <a:avLst>
+              <a:gd name="adj1" fmla="val 38953"/>
+              <a:gd name="adj2" fmla="val 55523"/>
+            </a:avLst>
           </a:prstGeom>
           <a:solidFill>
             <a:schemeClr val="accent3">
@@ -21724,9 +22058,9 @@
         <p:grpSpPr>
           <a:xfrm>
             <a:off x="2351584" y="3429000"/>
-            <a:ext cx="4357718" cy="428628"/>
+            <a:ext cx="5400600" cy="461665"/>
             <a:chOff x="2351584" y="3429000"/>
-            <a:chExt cx="4357718" cy="428628"/>
+            <a:chExt cx="4357718" cy="461665"/>
           </a:xfrm>
         </p:grpSpPr>
         <p:sp>
@@ -21777,7 +22111,7 @@
             <a:p>
               <a:pPr algn="ctr"/>
               <a:r>
-                <a:rPr lang="pt-BR" sz="1100" dirty="0">
+                <a:rPr lang="pt-BR" sz="1400" dirty="0">
                   <a:solidFill>
                     <a:schemeClr val="tx1"/>
                   </a:solidFill>
@@ -21785,7 +22119,7 @@
                 </a:rPr>
                 <a:t>9.5</a:t>
               </a:r>
-              <a:endParaRPr lang="pt-BR" sz="1600" dirty="0">
+              <a:endParaRPr lang="pt-BR" sz="2000" dirty="0">
                 <a:solidFill>
                   <a:schemeClr val="tx1"/>
                 </a:solidFill>
@@ -21842,7 +22176,7 @@
             <a:p>
               <a:pPr algn="ctr"/>
               <a:r>
-                <a:rPr lang="pt-BR" sz="1100" dirty="0">
+                <a:rPr lang="pt-BR" sz="1400" dirty="0">
                   <a:solidFill>
                     <a:schemeClr val="tx1"/>
                   </a:solidFill>
@@ -21901,7 +22235,7 @@
             <a:p>
               <a:pPr algn="ctr"/>
               <a:r>
-                <a:rPr lang="pt-BR" sz="1100" dirty="0">
+                <a:rPr lang="pt-BR" sz="1400" dirty="0">
                   <a:solidFill>
                     <a:schemeClr val="tx1"/>
                   </a:solidFill>
@@ -21960,7 +22294,7 @@
             <a:p>
               <a:pPr algn="ctr"/>
               <a:r>
-                <a:rPr lang="pt-BR" sz="1100" dirty="0">
+                <a:rPr lang="pt-BR" sz="1400" dirty="0">
                   <a:solidFill>
                     <a:schemeClr val="tx1"/>
                   </a:solidFill>
@@ -22019,7 +22353,7 @@
             <a:p>
               <a:pPr algn="ctr"/>
               <a:r>
-                <a:rPr lang="pt-BR" sz="1100" dirty="0">
+                <a:rPr lang="pt-BR" sz="1400" dirty="0">
                   <a:solidFill>
                     <a:schemeClr val="tx1"/>
                   </a:solidFill>
@@ -22078,7 +22412,7 @@
             <a:p>
               <a:pPr algn="ctr"/>
               <a:r>
-                <a:rPr lang="pt-BR" sz="1100" dirty="0">
+                <a:rPr lang="pt-BR" sz="1400" dirty="0">
                   <a:solidFill>
                     <a:schemeClr val="tx1"/>
                   </a:solidFill>
@@ -22137,7 +22471,7 @@
             <a:p>
               <a:pPr algn="ctr"/>
               <a:r>
-                <a:rPr lang="pt-BR" sz="1100" dirty="0">
+                <a:rPr lang="pt-BR" sz="1400" dirty="0">
                   <a:solidFill>
                     <a:schemeClr val="tx1"/>
                   </a:solidFill>
@@ -22196,7 +22530,7 @@
             <a:p>
               <a:pPr algn="ctr"/>
               <a:r>
-                <a:rPr lang="pt-BR" sz="1100" dirty="0">
+                <a:rPr lang="pt-BR" sz="1400" dirty="0">
                   <a:solidFill>
                     <a:schemeClr val="tx1"/>
                   </a:solidFill>
@@ -22255,7 +22589,7 @@
             <a:p>
               <a:pPr algn="ctr"/>
               <a:r>
-                <a:rPr lang="pt-BR" sz="1100" dirty="0">
+                <a:rPr lang="pt-BR" sz="1400" dirty="0">
                   <a:solidFill>
                     <a:schemeClr val="tx1"/>
                   </a:solidFill>
@@ -22275,7 +22609,7 @@
           <p:spPr>
             <a:xfrm>
               <a:off x="5423418" y="3429000"/>
-              <a:ext cx="367408" cy="369332"/>
+              <a:ext cx="346905" cy="461665"/>
             </a:xfrm>
             <a:prstGeom prst="rect">
               <a:avLst/>
@@ -22289,7 +22623,7 @@
             <a:lstStyle/>
             <a:p>
               <a:r>
-                <a:rPr lang="pt-BR" dirty="0"/>
+                <a:rPr lang="pt-BR" sz="2400" dirty="0"/>
                 <a:t>...</a:t>
               </a:r>
             </a:p>
